--- a/output/figures/additional_figs/Fig5.pptx
+++ b/output/figures/additional_figs/Fig5.pptx
@@ -5,8 +5,7 @@
     <p:sldMasterId id="2147483660" r:id="rId1"/>
   </p:sldMasterIdLst>
   <p:sldIdLst>
-    <p:sldId id="256" r:id="rId2"/>
-    <p:sldId id="259" r:id="rId3"/>
+    <p:sldId id="259" r:id="rId2"/>
   </p:sldIdLst>
   <p:sldSz cx="3132138" cy="3714750"/>
   <p:notesSz cx="6858000" cy="9144000"/>
@@ -255,7 +254,7 @@
           <a:p>
             <a:fld id="{574EABD6-798B-D246-B49B-9CB8B69B5FAD}" type="datetimeFigureOut">
               <a:rPr lang="en-US" smtClean="0"/>
-              <a:t>7/29/20</a:t>
+              <a:t>12/1/20</a:t>
             </a:fld>
             <a:endParaRPr lang="en-US"/>
           </a:p>
@@ -425,7 +424,7 @@
           <a:p>
             <a:fld id="{574EABD6-798B-D246-B49B-9CB8B69B5FAD}" type="datetimeFigureOut">
               <a:rPr lang="en-US" smtClean="0"/>
-              <a:t>7/29/20</a:t>
+              <a:t>12/1/20</a:t>
             </a:fld>
             <a:endParaRPr lang="en-US"/>
           </a:p>
@@ -605,7 +604,7 @@
           <a:p>
             <a:fld id="{574EABD6-798B-D246-B49B-9CB8B69B5FAD}" type="datetimeFigureOut">
               <a:rPr lang="en-US" smtClean="0"/>
-              <a:t>7/29/20</a:t>
+              <a:t>12/1/20</a:t>
             </a:fld>
             <a:endParaRPr lang="en-US"/>
           </a:p>
@@ -775,7 +774,7 @@
           <a:p>
             <a:fld id="{574EABD6-798B-D246-B49B-9CB8B69B5FAD}" type="datetimeFigureOut">
               <a:rPr lang="en-US" smtClean="0"/>
-              <a:t>7/29/20</a:t>
+              <a:t>12/1/20</a:t>
             </a:fld>
             <a:endParaRPr lang="en-US"/>
           </a:p>
@@ -1019,7 +1018,7 @@
           <a:p>
             <a:fld id="{574EABD6-798B-D246-B49B-9CB8B69B5FAD}" type="datetimeFigureOut">
               <a:rPr lang="en-US" smtClean="0"/>
-              <a:t>7/29/20</a:t>
+              <a:t>12/1/20</a:t>
             </a:fld>
             <a:endParaRPr lang="en-US"/>
           </a:p>
@@ -1251,7 +1250,7 @@
           <a:p>
             <a:fld id="{574EABD6-798B-D246-B49B-9CB8B69B5FAD}" type="datetimeFigureOut">
               <a:rPr lang="en-US" smtClean="0"/>
-              <a:t>7/29/20</a:t>
+              <a:t>12/1/20</a:t>
             </a:fld>
             <a:endParaRPr lang="en-US"/>
           </a:p>
@@ -1618,7 +1617,7 @@
           <a:p>
             <a:fld id="{574EABD6-798B-D246-B49B-9CB8B69B5FAD}" type="datetimeFigureOut">
               <a:rPr lang="en-US" smtClean="0"/>
-              <a:t>7/29/20</a:t>
+              <a:t>12/1/20</a:t>
             </a:fld>
             <a:endParaRPr lang="en-US"/>
           </a:p>
@@ -1736,7 +1735,7 @@
           <a:p>
             <a:fld id="{574EABD6-798B-D246-B49B-9CB8B69B5FAD}" type="datetimeFigureOut">
               <a:rPr lang="en-US" smtClean="0"/>
-              <a:t>7/29/20</a:t>
+              <a:t>12/1/20</a:t>
             </a:fld>
             <a:endParaRPr lang="en-US"/>
           </a:p>
@@ -1831,7 +1830,7 @@
           <a:p>
             <a:fld id="{574EABD6-798B-D246-B49B-9CB8B69B5FAD}" type="datetimeFigureOut">
               <a:rPr lang="en-US" smtClean="0"/>
-              <a:t>7/29/20</a:t>
+              <a:t>12/1/20</a:t>
             </a:fld>
             <a:endParaRPr lang="en-US"/>
           </a:p>
@@ -2108,7 +2107,7 @@
           <a:p>
             <a:fld id="{574EABD6-798B-D246-B49B-9CB8B69B5FAD}" type="datetimeFigureOut">
               <a:rPr lang="en-US" smtClean="0"/>
-              <a:t>7/29/20</a:t>
+              <a:t>12/1/20</a:t>
             </a:fld>
             <a:endParaRPr lang="en-US"/>
           </a:p>
@@ -2365,7 +2364,7 @@
           <a:p>
             <a:fld id="{574EABD6-798B-D246-B49B-9CB8B69B5FAD}" type="datetimeFigureOut">
               <a:rPr lang="en-US" smtClean="0"/>
-              <a:t>7/29/20</a:t>
+              <a:t>12/1/20</a:t>
             </a:fld>
             <a:endParaRPr lang="en-US"/>
           </a:p>
@@ -2578,7 +2577,7 @@
           <a:p>
             <a:fld id="{574EABD6-798B-D246-B49B-9CB8B69B5FAD}" type="datetimeFigureOut">
               <a:rPr lang="en-US" smtClean="0"/>
-              <a:t>7/29/20</a:t>
+              <a:t>12/1/20</a:t>
             </a:fld>
             <a:endParaRPr lang="en-US"/>
           </a:p>
@@ -2967,7025 +2966,6 @@
 </file>
 
 <file path=ppt/slides/slide1.xml><?xml version="1.0" encoding="utf-8"?>
-<p:sld xmlns:a="http://schemas.openxmlformats.org/drawingml/2006/main" xmlns:r="http://schemas.openxmlformats.org/officeDocument/2006/relationships" xmlns:p="http://schemas.openxmlformats.org/presentationml/2006/main">
-  <p:cSld>
-    <p:spTree>
-      <p:nvGrpSpPr>
-        <p:cNvPr id="1" name=""/>
-        <p:cNvGrpSpPr/>
-        <p:nvPr/>
-      </p:nvGrpSpPr>
-      <p:grpSpPr>
-        <a:xfrm>
-          <a:off x="0" y="0"/>
-          <a:ext cx="0" cy="0"/>
-          <a:chOff x="0" y="0"/>
-          <a:chExt cx="0" cy="0"/>
-        </a:xfrm>
-      </p:grpSpPr>
-      <p:sp>
-        <p:nvSpPr>
-          <p:cNvPr id="160" name="Rectangle 159">
-            <a:extLst>
-              <a:ext uri="{FF2B5EF4-FFF2-40B4-BE49-F238E27FC236}">
-                <a16:creationId xmlns:a16="http://schemas.microsoft.com/office/drawing/2014/main" id="{1CB85F0C-73D0-2B42-B505-156554FE5B43}"/>
-              </a:ext>
-            </a:extLst>
-          </p:cNvPr>
-          <p:cNvSpPr/>
-          <p:nvPr/>
-        </p:nvSpPr>
-        <p:spPr>
-          <a:xfrm>
-            <a:off x="7246" y="1016421"/>
-            <a:ext cx="3131286" cy="1043762"/>
-          </a:xfrm>
-          <a:prstGeom prst="rect">
-            <a:avLst/>
-          </a:prstGeom>
-          <a:solidFill>
-            <a:schemeClr val="accent2">
-              <a:lumMod val="20000"/>
-              <a:lumOff val="80000"/>
-            </a:schemeClr>
-          </a:solidFill>
-          <a:ln>
-            <a:noFill/>
-          </a:ln>
-        </p:spPr>
-        <p:style>
-          <a:lnRef idx="2">
-            <a:schemeClr val="accent1">
-              <a:shade val="50000"/>
-            </a:schemeClr>
-          </a:lnRef>
-          <a:fillRef idx="1">
-            <a:schemeClr val="accent1"/>
-          </a:fillRef>
-          <a:effectRef idx="0">
-            <a:schemeClr val="accent1"/>
-          </a:effectRef>
-          <a:fontRef idx="minor">
-            <a:schemeClr val="lt1"/>
-          </a:fontRef>
-        </p:style>
-        <p:txBody>
-          <a:bodyPr rtlCol="0" anchor="ctr"/>
-          <a:lstStyle/>
-          <a:p>
-            <a:pPr algn="ctr"/>
-            <a:endParaRPr lang="en-US" sz="1000"/>
-          </a:p>
-        </p:txBody>
-      </p:sp>
-      <p:sp>
-        <p:nvSpPr>
-          <p:cNvPr id="4" name="Rectangle 3">
-            <a:extLst>
-              <a:ext uri="{FF2B5EF4-FFF2-40B4-BE49-F238E27FC236}">
-                <a16:creationId xmlns:a16="http://schemas.microsoft.com/office/drawing/2014/main" id="{EAC1C22C-54C7-5440-A2C0-11EAD64A6128}"/>
-              </a:ext>
-            </a:extLst>
-          </p:cNvPr>
-          <p:cNvSpPr/>
-          <p:nvPr/>
-        </p:nvSpPr>
-        <p:spPr>
-          <a:xfrm>
-            <a:off x="6395" y="2058871"/>
-            <a:ext cx="3131286" cy="812080"/>
-          </a:xfrm>
-          <a:prstGeom prst="rect">
-            <a:avLst/>
-          </a:prstGeom>
-          <a:solidFill>
-            <a:schemeClr val="accent5">
-              <a:lumMod val="20000"/>
-              <a:lumOff val="80000"/>
-            </a:schemeClr>
-          </a:solidFill>
-          <a:ln>
-            <a:noFill/>
-          </a:ln>
-        </p:spPr>
-        <p:style>
-          <a:lnRef idx="2">
-            <a:schemeClr val="accent1">
-              <a:shade val="50000"/>
-            </a:schemeClr>
-          </a:lnRef>
-          <a:fillRef idx="1">
-            <a:schemeClr val="accent1"/>
-          </a:fillRef>
-          <a:effectRef idx="0">
-            <a:schemeClr val="accent1"/>
-          </a:effectRef>
-          <a:fontRef idx="minor">
-            <a:schemeClr val="lt1"/>
-          </a:fontRef>
-        </p:style>
-        <p:txBody>
-          <a:bodyPr rtlCol="0" anchor="ctr"/>
-          <a:lstStyle/>
-          <a:p>
-            <a:pPr algn="ctr"/>
-            <a:endParaRPr lang="en-US" sz="1000"/>
-          </a:p>
-        </p:txBody>
-      </p:sp>
-      <p:sp>
-        <p:nvSpPr>
-          <p:cNvPr id="5" name="Rectangle 4">
-            <a:extLst>
-              <a:ext uri="{FF2B5EF4-FFF2-40B4-BE49-F238E27FC236}">
-                <a16:creationId xmlns:a16="http://schemas.microsoft.com/office/drawing/2014/main" id="{4C1F7E2D-1B80-CD4C-9253-DF55C9CCFA7F}"/>
-              </a:ext>
-            </a:extLst>
-          </p:cNvPr>
-          <p:cNvSpPr/>
-          <p:nvPr/>
-        </p:nvSpPr>
-        <p:spPr>
-          <a:xfrm>
-            <a:off x="6420" y="2870951"/>
-            <a:ext cx="3131286" cy="850199"/>
-          </a:xfrm>
-          <a:prstGeom prst="rect">
-            <a:avLst/>
-          </a:prstGeom>
-          <a:solidFill>
-            <a:schemeClr val="bg1">
-              <a:lumMod val="95000"/>
-            </a:schemeClr>
-          </a:solidFill>
-          <a:ln>
-            <a:noFill/>
-          </a:ln>
-        </p:spPr>
-        <p:style>
-          <a:lnRef idx="2">
-            <a:schemeClr val="accent1">
-              <a:shade val="50000"/>
-            </a:schemeClr>
-          </a:lnRef>
-          <a:fillRef idx="1">
-            <a:schemeClr val="accent1"/>
-          </a:fillRef>
-          <a:effectRef idx="0">
-            <a:schemeClr val="accent1"/>
-          </a:effectRef>
-          <a:fontRef idx="minor">
-            <a:schemeClr val="lt1"/>
-          </a:fontRef>
-        </p:style>
-        <p:txBody>
-          <a:bodyPr rtlCol="0" anchor="ctr"/>
-          <a:lstStyle/>
-          <a:p>
-            <a:pPr algn="ctr"/>
-            <a:endParaRPr lang="en-US" sz="1000"/>
-          </a:p>
-        </p:txBody>
-      </p:sp>
-      <p:sp>
-        <p:nvSpPr>
-          <p:cNvPr id="7" name="Rectangle 6">
-            <a:extLst>
-              <a:ext uri="{FF2B5EF4-FFF2-40B4-BE49-F238E27FC236}">
-                <a16:creationId xmlns:a16="http://schemas.microsoft.com/office/drawing/2014/main" id="{ECDB7CAF-C2FE-1840-A137-E9725A485A7F}"/>
-              </a:ext>
-            </a:extLst>
-          </p:cNvPr>
-          <p:cNvSpPr/>
-          <p:nvPr/>
-        </p:nvSpPr>
-        <p:spPr>
-          <a:xfrm>
-            <a:off x="7246" y="-532"/>
-            <a:ext cx="3131286" cy="1027930"/>
-          </a:xfrm>
-          <a:prstGeom prst="rect">
-            <a:avLst/>
-          </a:prstGeom>
-          <a:solidFill>
-            <a:schemeClr val="accent6">
-              <a:lumMod val="20000"/>
-              <a:lumOff val="80000"/>
-            </a:schemeClr>
-          </a:solidFill>
-          <a:ln>
-            <a:noFill/>
-          </a:ln>
-        </p:spPr>
-        <p:style>
-          <a:lnRef idx="2">
-            <a:schemeClr val="accent1">
-              <a:shade val="50000"/>
-            </a:schemeClr>
-          </a:lnRef>
-          <a:fillRef idx="1">
-            <a:schemeClr val="accent1"/>
-          </a:fillRef>
-          <a:effectRef idx="0">
-            <a:schemeClr val="accent1"/>
-          </a:effectRef>
-          <a:fontRef idx="minor">
-            <a:schemeClr val="lt1"/>
-          </a:fontRef>
-        </p:style>
-        <p:txBody>
-          <a:bodyPr rtlCol="0" anchor="ctr"/>
-          <a:lstStyle/>
-          <a:p>
-            <a:pPr algn="ctr"/>
-            <a:endParaRPr lang="en-US" sz="1000"/>
-          </a:p>
-        </p:txBody>
-      </p:sp>
-      <p:cxnSp>
-        <p:nvCxnSpPr>
-          <p:cNvPr id="8" name="Straight Arrow Connector 7">
-            <a:extLst>
-              <a:ext uri="{FF2B5EF4-FFF2-40B4-BE49-F238E27FC236}">
-                <a16:creationId xmlns:a16="http://schemas.microsoft.com/office/drawing/2014/main" id="{0FBBBA38-14B2-1D4C-A454-4776E1C64665}"/>
-              </a:ext>
-            </a:extLst>
-          </p:cNvPr>
-          <p:cNvCxnSpPr>
-            <a:cxnSpLocks/>
-          </p:cNvCxnSpPr>
-          <p:nvPr/>
-        </p:nvCxnSpPr>
-        <p:spPr>
-          <a:xfrm flipH="1">
-            <a:off x="1875496" y="572400"/>
-            <a:ext cx="7623" cy="1692000"/>
-          </a:xfrm>
-          <a:prstGeom prst="straightConnector1">
-            <a:avLst/>
-          </a:prstGeom>
-          <a:ln w="19050" cap="rnd">
-            <a:solidFill>
-              <a:schemeClr val="tx1"/>
-            </a:solidFill>
-            <a:tailEnd type="triangle" w="sm" len="sm"/>
-          </a:ln>
-        </p:spPr>
-        <p:style>
-          <a:lnRef idx="1">
-            <a:schemeClr val="accent1"/>
-          </a:lnRef>
-          <a:fillRef idx="0">
-            <a:schemeClr val="accent1"/>
-          </a:fillRef>
-          <a:effectRef idx="0">
-            <a:schemeClr val="accent1"/>
-          </a:effectRef>
-          <a:fontRef idx="minor">
-            <a:schemeClr val="tx1"/>
-          </a:fontRef>
-        </p:style>
-      </p:cxnSp>
-      <p:grpSp>
-        <p:nvGrpSpPr>
-          <p:cNvPr id="9" name="Group 8">
-            <a:extLst>
-              <a:ext uri="{FF2B5EF4-FFF2-40B4-BE49-F238E27FC236}">
-                <a16:creationId xmlns:a16="http://schemas.microsoft.com/office/drawing/2014/main" id="{8C1ED1A2-23A0-F84F-AEF5-4ECADF806F92}"/>
-              </a:ext>
-            </a:extLst>
-          </p:cNvPr>
-          <p:cNvGrpSpPr/>
-          <p:nvPr/>
-        </p:nvGrpSpPr>
-        <p:grpSpPr>
-          <a:xfrm>
-            <a:off x="1197565" y="340545"/>
-            <a:ext cx="503999" cy="503999"/>
-            <a:chOff x="1240945" y="91235"/>
-            <a:chExt cx="508318" cy="504000"/>
-          </a:xfrm>
-        </p:grpSpPr>
-        <p:sp>
-          <p:nvSpPr>
-            <p:cNvPr id="10" name="Oval 9">
-              <a:extLst>
-                <a:ext uri="{FF2B5EF4-FFF2-40B4-BE49-F238E27FC236}">
-                  <a16:creationId xmlns:a16="http://schemas.microsoft.com/office/drawing/2014/main" id="{4D74D284-C7AE-1A41-AFF8-8D9063C109BC}"/>
-                </a:ext>
-              </a:extLst>
-            </p:cNvPr>
-            <p:cNvSpPr>
-              <a:spLocks noChangeAspect="1"/>
-            </p:cNvSpPr>
-            <p:nvPr/>
-          </p:nvSpPr>
-          <p:spPr>
-            <a:xfrm>
-              <a:off x="1240945" y="91235"/>
-              <a:ext cx="508318" cy="504000"/>
-            </a:xfrm>
-            <a:prstGeom prst="ellipse">
-              <a:avLst/>
-            </a:prstGeom>
-            <a:solidFill>
-              <a:schemeClr val="accent6">
-                <a:lumMod val="60000"/>
-                <a:lumOff val="40000"/>
-              </a:schemeClr>
-            </a:solidFill>
-            <a:ln>
-              <a:noFill/>
-            </a:ln>
-          </p:spPr>
-          <p:style>
-            <a:lnRef idx="2">
-              <a:schemeClr val="accent1">
-                <a:shade val="50000"/>
-              </a:schemeClr>
-            </a:lnRef>
-            <a:fillRef idx="1">
-              <a:schemeClr val="accent1"/>
-            </a:fillRef>
-            <a:effectRef idx="0">
-              <a:schemeClr val="accent1"/>
-            </a:effectRef>
-            <a:fontRef idx="minor">
-              <a:schemeClr val="lt1"/>
-            </a:fontRef>
-          </p:style>
-          <p:txBody>
-            <a:bodyPr rtlCol="0" anchor="ctr"/>
-            <a:lstStyle/>
-            <a:p>
-              <a:pPr algn="ctr"/>
-              <a:endParaRPr lang="en-US" sz="1000"/>
-            </a:p>
-          </p:txBody>
-        </p:sp>
-        <p:grpSp>
-          <p:nvGrpSpPr>
-            <p:cNvPr id="11" name="Group 10">
-              <a:extLst>
-                <a:ext uri="{FF2B5EF4-FFF2-40B4-BE49-F238E27FC236}">
-                  <a16:creationId xmlns:a16="http://schemas.microsoft.com/office/drawing/2014/main" id="{29C564ED-F38D-C44E-976B-2454F52E8AAE}"/>
-                </a:ext>
-              </a:extLst>
-            </p:cNvPr>
-            <p:cNvGrpSpPr/>
-            <p:nvPr/>
-          </p:nvGrpSpPr>
-          <p:grpSpPr>
-            <a:xfrm>
-              <a:off x="1393825" y="195395"/>
-              <a:ext cx="254000" cy="316800"/>
-              <a:chOff x="1393825" y="163846"/>
-              <a:chExt cx="254000" cy="316800"/>
-            </a:xfrm>
-          </p:grpSpPr>
-          <p:cxnSp>
-            <p:nvCxnSpPr>
-              <p:cNvPr id="12" name="Straight Connector 11">
-                <a:extLst>
-                  <a:ext uri="{FF2B5EF4-FFF2-40B4-BE49-F238E27FC236}">
-                    <a16:creationId xmlns:a16="http://schemas.microsoft.com/office/drawing/2014/main" id="{FC3BE157-7D0B-DD46-89DB-22818D2F07E8}"/>
-                  </a:ext>
-                </a:extLst>
-              </p:cNvPr>
-              <p:cNvCxnSpPr/>
-              <p:nvPr/>
-            </p:nvCxnSpPr>
-            <p:spPr>
-              <a:xfrm>
-                <a:off x="1393825" y="163846"/>
-                <a:ext cx="0" cy="316800"/>
-              </a:xfrm>
-              <a:prstGeom prst="line">
-                <a:avLst/>
-              </a:prstGeom>
-              <a:ln>
-                <a:solidFill>
-                  <a:schemeClr val="tx1"/>
-                </a:solidFill>
-              </a:ln>
-            </p:spPr>
-            <p:style>
-              <a:lnRef idx="1">
-                <a:schemeClr val="accent1"/>
-              </a:lnRef>
-              <a:fillRef idx="0">
-                <a:schemeClr val="accent1"/>
-              </a:fillRef>
-              <a:effectRef idx="0">
-                <a:schemeClr val="accent1"/>
-              </a:effectRef>
-              <a:fontRef idx="minor">
-                <a:schemeClr val="tx1"/>
-              </a:fontRef>
-            </p:style>
-          </p:cxnSp>
-          <p:sp>
-            <p:nvSpPr>
-              <p:cNvPr id="13" name="Rectangle 12">
-                <a:extLst>
-                  <a:ext uri="{FF2B5EF4-FFF2-40B4-BE49-F238E27FC236}">
-                    <a16:creationId xmlns:a16="http://schemas.microsoft.com/office/drawing/2014/main" id="{158FF4C6-D1A4-B943-BDA6-DF18A975DE65}"/>
-                  </a:ext>
-                </a:extLst>
-              </p:cNvPr>
-              <p:cNvSpPr/>
-              <p:nvPr/>
-            </p:nvSpPr>
-            <p:spPr>
-              <a:xfrm>
-                <a:off x="1397000" y="180975"/>
-                <a:ext cx="250825" cy="45719"/>
-              </a:xfrm>
-              <a:prstGeom prst="rect">
-                <a:avLst/>
-              </a:prstGeom>
-              <a:solidFill>
-                <a:schemeClr val="tx1">
-                  <a:lumMod val="75000"/>
-                  <a:lumOff val="25000"/>
-                </a:schemeClr>
-              </a:solidFill>
-              <a:ln>
-                <a:solidFill>
-                  <a:schemeClr val="tx1"/>
-                </a:solidFill>
-              </a:ln>
-            </p:spPr>
-            <p:style>
-              <a:lnRef idx="2">
-                <a:schemeClr val="accent1">
-                  <a:shade val="50000"/>
-                </a:schemeClr>
-              </a:lnRef>
-              <a:fillRef idx="1">
-                <a:schemeClr val="accent1"/>
-              </a:fillRef>
-              <a:effectRef idx="0">
-                <a:schemeClr val="accent1"/>
-              </a:effectRef>
-              <a:fontRef idx="minor">
-                <a:schemeClr val="lt1"/>
-              </a:fontRef>
-            </p:style>
-            <p:txBody>
-              <a:bodyPr rtlCol="0" anchor="ctr"/>
-              <a:lstStyle/>
-              <a:p>
-                <a:pPr algn="ctr"/>
-                <a:endParaRPr lang="en-US" sz="1000"/>
-              </a:p>
-            </p:txBody>
-          </p:sp>
-          <p:sp>
-            <p:nvSpPr>
-              <p:cNvPr id="14" name="Rectangle 13">
-                <a:extLst>
-                  <a:ext uri="{FF2B5EF4-FFF2-40B4-BE49-F238E27FC236}">
-                    <a16:creationId xmlns:a16="http://schemas.microsoft.com/office/drawing/2014/main" id="{20438AC2-9352-CC4F-89FA-74C29A1DC39E}"/>
-                  </a:ext>
-                </a:extLst>
-              </p:cNvPr>
-              <p:cNvSpPr/>
-              <p:nvPr/>
-            </p:nvSpPr>
-            <p:spPr>
-              <a:xfrm>
-                <a:off x="1397000" y="226286"/>
-                <a:ext cx="180000" cy="45719"/>
-              </a:xfrm>
-              <a:prstGeom prst="rect">
-                <a:avLst/>
-              </a:prstGeom>
-              <a:solidFill>
-                <a:schemeClr val="tx1">
-                  <a:lumMod val="75000"/>
-                  <a:lumOff val="25000"/>
-                </a:schemeClr>
-              </a:solidFill>
-              <a:ln>
-                <a:solidFill>
-                  <a:schemeClr val="tx1"/>
-                </a:solidFill>
-              </a:ln>
-            </p:spPr>
-            <p:style>
-              <a:lnRef idx="2">
-                <a:schemeClr val="accent1">
-                  <a:shade val="50000"/>
-                </a:schemeClr>
-              </a:lnRef>
-              <a:fillRef idx="1">
-                <a:schemeClr val="accent1"/>
-              </a:fillRef>
-              <a:effectRef idx="0">
-                <a:schemeClr val="accent1"/>
-              </a:effectRef>
-              <a:fontRef idx="minor">
-                <a:schemeClr val="lt1"/>
-              </a:fontRef>
-            </p:style>
-            <p:txBody>
-              <a:bodyPr rtlCol="0" anchor="ctr"/>
-              <a:lstStyle/>
-              <a:p>
-                <a:pPr algn="ctr"/>
-                <a:endParaRPr lang="en-US" sz="1000"/>
-              </a:p>
-            </p:txBody>
-          </p:sp>
-          <p:sp>
-            <p:nvSpPr>
-              <p:cNvPr id="15" name="Rectangle 14">
-                <a:extLst>
-                  <a:ext uri="{FF2B5EF4-FFF2-40B4-BE49-F238E27FC236}">
-                    <a16:creationId xmlns:a16="http://schemas.microsoft.com/office/drawing/2014/main" id="{F1584D18-7BDA-7E4D-8DE0-DC7E1504727F}"/>
-                  </a:ext>
-                </a:extLst>
-              </p:cNvPr>
-              <p:cNvSpPr/>
-              <p:nvPr/>
-            </p:nvSpPr>
-            <p:spPr>
-              <a:xfrm>
-                <a:off x="1397000" y="274435"/>
-                <a:ext cx="144000" cy="45719"/>
-              </a:xfrm>
-              <a:prstGeom prst="rect">
-                <a:avLst/>
-              </a:prstGeom>
-              <a:solidFill>
-                <a:schemeClr val="tx1">
-                  <a:lumMod val="75000"/>
-                  <a:lumOff val="25000"/>
-                </a:schemeClr>
-              </a:solidFill>
-              <a:ln>
-                <a:solidFill>
-                  <a:schemeClr val="tx1"/>
-                </a:solidFill>
-              </a:ln>
-            </p:spPr>
-            <p:style>
-              <a:lnRef idx="2">
-                <a:schemeClr val="accent1">
-                  <a:shade val="50000"/>
-                </a:schemeClr>
-              </a:lnRef>
-              <a:fillRef idx="1">
-                <a:schemeClr val="accent1"/>
-              </a:fillRef>
-              <a:effectRef idx="0">
-                <a:schemeClr val="accent1"/>
-              </a:effectRef>
-              <a:fontRef idx="minor">
-                <a:schemeClr val="lt1"/>
-              </a:fontRef>
-            </p:style>
-            <p:txBody>
-              <a:bodyPr rtlCol="0" anchor="ctr"/>
-              <a:lstStyle/>
-              <a:p>
-                <a:pPr algn="ctr"/>
-                <a:endParaRPr lang="en-US" sz="1000"/>
-              </a:p>
-            </p:txBody>
-          </p:sp>
-          <p:sp>
-            <p:nvSpPr>
-              <p:cNvPr id="16" name="Rectangle 15">
-                <a:extLst>
-                  <a:ext uri="{FF2B5EF4-FFF2-40B4-BE49-F238E27FC236}">
-                    <a16:creationId xmlns:a16="http://schemas.microsoft.com/office/drawing/2014/main" id="{F02A5418-41B4-F343-A548-E5E6D16D0C27}"/>
-                  </a:ext>
-                </a:extLst>
-              </p:cNvPr>
-              <p:cNvSpPr/>
-              <p:nvPr/>
-            </p:nvSpPr>
-            <p:spPr>
-              <a:xfrm>
-                <a:off x="1397000" y="320612"/>
-                <a:ext cx="72000" cy="45719"/>
-              </a:xfrm>
-              <a:prstGeom prst="rect">
-                <a:avLst/>
-              </a:prstGeom>
-              <a:solidFill>
-                <a:schemeClr val="tx1">
-                  <a:lumMod val="75000"/>
-                  <a:lumOff val="25000"/>
-                </a:schemeClr>
-              </a:solidFill>
-              <a:ln>
-                <a:solidFill>
-                  <a:schemeClr val="tx1"/>
-                </a:solidFill>
-              </a:ln>
-            </p:spPr>
-            <p:style>
-              <a:lnRef idx="2">
-                <a:schemeClr val="accent1">
-                  <a:shade val="50000"/>
-                </a:schemeClr>
-              </a:lnRef>
-              <a:fillRef idx="1">
-                <a:schemeClr val="accent1"/>
-              </a:fillRef>
-              <a:effectRef idx="0">
-                <a:schemeClr val="accent1"/>
-              </a:effectRef>
-              <a:fontRef idx="minor">
-                <a:schemeClr val="lt1"/>
-              </a:fontRef>
-            </p:style>
-            <p:txBody>
-              <a:bodyPr rtlCol="0" anchor="ctr"/>
-              <a:lstStyle/>
-              <a:p>
-                <a:pPr algn="ctr"/>
-                <a:endParaRPr lang="en-US" sz="1000"/>
-              </a:p>
-            </p:txBody>
-          </p:sp>
-          <p:sp>
-            <p:nvSpPr>
-              <p:cNvPr id="17" name="Rectangle 16">
-                <a:extLst>
-                  <a:ext uri="{FF2B5EF4-FFF2-40B4-BE49-F238E27FC236}">
-                    <a16:creationId xmlns:a16="http://schemas.microsoft.com/office/drawing/2014/main" id="{ED0FA913-0796-9F46-A4D6-134CFB354C16}"/>
-                  </a:ext>
-                </a:extLst>
-              </p:cNvPr>
-              <p:cNvSpPr/>
-              <p:nvPr/>
-            </p:nvSpPr>
-            <p:spPr>
-              <a:xfrm>
-                <a:off x="1397000" y="365062"/>
-                <a:ext cx="36000" cy="45719"/>
-              </a:xfrm>
-              <a:prstGeom prst="rect">
-                <a:avLst/>
-              </a:prstGeom>
-              <a:solidFill>
-                <a:schemeClr val="tx1">
-                  <a:lumMod val="75000"/>
-                  <a:lumOff val="25000"/>
-                </a:schemeClr>
-              </a:solidFill>
-              <a:ln>
-                <a:solidFill>
-                  <a:schemeClr val="tx1"/>
-                </a:solidFill>
-              </a:ln>
-            </p:spPr>
-            <p:style>
-              <a:lnRef idx="2">
-                <a:schemeClr val="accent1">
-                  <a:shade val="50000"/>
-                </a:schemeClr>
-              </a:lnRef>
-              <a:fillRef idx="1">
-                <a:schemeClr val="accent1"/>
-              </a:fillRef>
-              <a:effectRef idx="0">
-                <a:schemeClr val="accent1"/>
-              </a:effectRef>
-              <a:fontRef idx="minor">
-                <a:schemeClr val="lt1"/>
-              </a:fontRef>
-            </p:style>
-            <p:txBody>
-              <a:bodyPr rtlCol="0" anchor="ctr"/>
-              <a:lstStyle/>
-              <a:p>
-                <a:pPr algn="ctr"/>
-                <a:endParaRPr lang="en-US" sz="1000"/>
-              </a:p>
-            </p:txBody>
-          </p:sp>
-          <p:sp>
-            <p:nvSpPr>
-              <p:cNvPr id="18" name="Rectangle 17">
-                <a:extLst>
-                  <a:ext uri="{FF2B5EF4-FFF2-40B4-BE49-F238E27FC236}">
-                    <a16:creationId xmlns:a16="http://schemas.microsoft.com/office/drawing/2014/main" id="{71192C70-598E-1844-BF74-239C20F06FB0}"/>
-                  </a:ext>
-                </a:extLst>
-              </p:cNvPr>
-              <p:cNvSpPr/>
-              <p:nvPr/>
-            </p:nvSpPr>
-            <p:spPr>
-              <a:xfrm>
-                <a:off x="1397000" y="412687"/>
-                <a:ext cx="18000" cy="45719"/>
-              </a:xfrm>
-              <a:prstGeom prst="rect">
-                <a:avLst/>
-              </a:prstGeom>
-              <a:solidFill>
-                <a:schemeClr val="tx1">
-                  <a:lumMod val="75000"/>
-                  <a:lumOff val="25000"/>
-                </a:schemeClr>
-              </a:solidFill>
-              <a:ln>
-                <a:solidFill>
-                  <a:schemeClr val="tx1"/>
-                </a:solidFill>
-              </a:ln>
-            </p:spPr>
-            <p:style>
-              <a:lnRef idx="2">
-                <a:schemeClr val="accent1">
-                  <a:shade val="50000"/>
-                </a:schemeClr>
-              </a:lnRef>
-              <a:fillRef idx="1">
-                <a:schemeClr val="accent1"/>
-              </a:fillRef>
-              <a:effectRef idx="0">
-                <a:schemeClr val="accent1"/>
-              </a:effectRef>
-              <a:fontRef idx="minor">
-                <a:schemeClr val="lt1"/>
-              </a:fontRef>
-            </p:style>
-            <p:txBody>
-              <a:bodyPr rtlCol="0" anchor="ctr"/>
-              <a:lstStyle/>
-              <a:p>
-                <a:pPr algn="ctr"/>
-                <a:endParaRPr lang="en-US" sz="1000"/>
-              </a:p>
-            </p:txBody>
-          </p:sp>
-        </p:grpSp>
-      </p:grpSp>
-      <p:pic>
-        <p:nvPicPr>
-          <p:cNvPr id="19" name="Picture 18">
-            <a:extLst>
-              <a:ext uri="{FF2B5EF4-FFF2-40B4-BE49-F238E27FC236}">
-                <a16:creationId xmlns:a16="http://schemas.microsoft.com/office/drawing/2014/main" id="{1AF058F5-58C4-6D44-8108-9F00E2D0DCFF}"/>
-              </a:ext>
-            </a:extLst>
-          </p:cNvPr>
-          <p:cNvPicPr>
-            <a:picLocks noChangeAspect="1"/>
-          </p:cNvPicPr>
-          <p:nvPr/>
-        </p:nvPicPr>
-        <p:blipFill>
-          <a:blip r:embed="rId2"/>
-          <a:stretch>
-            <a:fillRect/>
-          </a:stretch>
-        </p:blipFill>
-        <p:spPr>
-          <a:xfrm>
-            <a:off x="2666387" y="2317978"/>
-            <a:ext cx="396000" cy="396000"/>
-          </a:xfrm>
-          <a:prstGeom prst="ellipse">
-            <a:avLst/>
-          </a:prstGeom>
-        </p:spPr>
-      </p:pic>
-      <p:pic>
-        <p:nvPicPr>
-          <p:cNvPr id="20" name="Picture 19">
-            <a:extLst>
-              <a:ext uri="{FF2B5EF4-FFF2-40B4-BE49-F238E27FC236}">
-                <a16:creationId xmlns:a16="http://schemas.microsoft.com/office/drawing/2014/main" id="{B8AF9F2F-B1E9-EF41-9977-77BCBF88963B}"/>
-              </a:ext>
-            </a:extLst>
-          </p:cNvPr>
-          <p:cNvPicPr>
-            <a:picLocks noChangeAspect="1"/>
-          </p:cNvPicPr>
-          <p:nvPr/>
-        </p:nvPicPr>
-        <p:blipFill>
-          <a:blip r:embed="rId3"/>
-          <a:stretch>
-            <a:fillRect/>
-          </a:stretch>
-        </p:blipFill>
-        <p:spPr>
-          <a:xfrm rot="2604969">
-            <a:off x="1140356" y="2317978"/>
-            <a:ext cx="396000" cy="396000"/>
-          </a:xfrm>
-          <a:prstGeom prst="ellipse">
-            <a:avLst/>
-          </a:prstGeom>
-        </p:spPr>
-      </p:pic>
-      <p:pic>
-        <p:nvPicPr>
-          <p:cNvPr id="21" name="Picture 20">
-            <a:extLst>
-              <a:ext uri="{FF2B5EF4-FFF2-40B4-BE49-F238E27FC236}">
-                <a16:creationId xmlns:a16="http://schemas.microsoft.com/office/drawing/2014/main" id="{C47F7CF2-BCF1-0040-BD17-02C4D8C87A47}"/>
-              </a:ext>
-            </a:extLst>
-          </p:cNvPr>
-          <p:cNvPicPr>
-            <a:picLocks noChangeAspect="1"/>
-          </p:cNvPicPr>
-          <p:nvPr/>
-        </p:nvPicPr>
-        <p:blipFill>
-          <a:blip r:embed="rId4"/>
-          <a:stretch>
-            <a:fillRect/>
-          </a:stretch>
-        </p:blipFill>
-        <p:spPr>
-          <a:xfrm>
-            <a:off x="326234" y="2317978"/>
-            <a:ext cx="396000" cy="396000"/>
-          </a:xfrm>
-          <a:prstGeom prst="ellipse">
-            <a:avLst/>
-          </a:prstGeom>
-        </p:spPr>
-      </p:pic>
-      <p:pic>
-        <p:nvPicPr>
-          <p:cNvPr id="22" name="Picture 21">
-            <a:extLst>
-              <a:ext uri="{FF2B5EF4-FFF2-40B4-BE49-F238E27FC236}">
-                <a16:creationId xmlns:a16="http://schemas.microsoft.com/office/drawing/2014/main" id="{2FB2C666-7FFA-7D4B-82C6-201E36C7710E}"/>
-              </a:ext>
-            </a:extLst>
-          </p:cNvPr>
-          <p:cNvPicPr>
-            <a:picLocks noChangeAspect="1"/>
-          </p:cNvPicPr>
-          <p:nvPr/>
-        </p:nvPicPr>
-        <p:blipFill>
-          <a:blip r:embed="rId5"/>
-          <a:stretch>
-            <a:fillRect/>
-          </a:stretch>
-        </p:blipFill>
-        <p:spPr>
-          <a:xfrm>
-            <a:off x="732653" y="2317978"/>
-            <a:ext cx="396000" cy="388391"/>
-          </a:xfrm>
-          <a:prstGeom prst="ellipse">
-            <a:avLst/>
-          </a:prstGeom>
-        </p:spPr>
-      </p:pic>
-      <p:pic>
-        <p:nvPicPr>
-          <p:cNvPr id="23" name="Picture 22">
-            <a:extLst>
-              <a:ext uri="{FF2B5EF4-FFF2-40B4-BE49-F238E27FC236}">
-                <a16:creationId xmlns:a16="http://schemas.microsoft.com/office/drawing/2014/main" id="{30DB901C-31B0-1746-A132-8B46F56634FA}"/>
-              </a:ext>
-            </a:extLst>
-          </p:cNvPr>
-          <p:cNvPicPr>
-            <a:picLocks noChangeAspect="1"/>
-          </p:cNvPicPr>
-          <p:nvPr/>
-        </p:nvPicPr>
-        <p:blipFill>
-          <a:blip r:embed="rId6"/>
-          <a:stretch>
-            <a:fillRect/>
-          </a:stretch>
-        </p:blipFill>
-        <p:spPr>
-          <a:xfrm>
-            <a:off x="2080363" y="2317978"/>
-            <a:ext cx="396000" cy="396000"/>
-          </a:xfrm>
-          <a:prstGeom prst="ellipse">
-            <a:avLst/>
-          </a:prstGeom>
-        </p:spPr>
-      </p:pic>
-      <p:pic>
-        <p:nvPicPr>
-          <p:cNvPr id="24" name="Picture 23">
-            <a:extLst>
-              <a:ext uri="{FF2B5EF4-FFF2-40B4-BE49-F238E27FC236}">
-                <a16:creationId xmlns:a16="http://schemas.microsoft.com/office/drawing/2014/main" id="{BC5428F6-CB83-6A43-833E-46DF379F3270}"/>
-              </a:ext>
-            </a:extLst>
-          </p:cNvPr>
-          <p:cNvPicPr>
-            <a:picLocks noChangeAspect="1"/>
-          </p:cNvPicPr>
-          <p:nvPr/>
-        </p:nvPicPr>
-        <p:blipFill>
-          <a:blip r:embed="rId7"/>
-          <a:stretch>
-            <a:fillRect/>
-          </a:stretch>
-        </p:blipFill>
-        <p:spPr>
-          <a:xfrm>
-            <a:off x="1667538" y="2317978"/>
-            <a:ext cx="396000" cy="396000"/>
-          </a:xfrm>
-          <a:prstGeom prst="ellipse">
-            <a:avLst/>
-          </a:prstGeom>
-        </p:spPr>
-      </p:pic>
-      <p:grpSp>
-        <p:nvGrpSpPr>
-          <p:cNvPr id="25" name="Group 24">
-            <a:extLst>
-              <a:ext uri="{FF2B5EF4-FFF2-40B4-BE49-F238E27FC236}">
-                <a16:creationId xmlns:a16="http://schemas.microsoft.com/office/drawing/2014/main" id="{2ED08761-25C2-2545-85A8-C40EA6C027EC}"/>
-              </a:ext>
-            </a:extLst>
-          </p:cNvPr>
-          <p:cNvGrpSpPr>
-            <a:grpSpLocks noChangeAspect="1"/>
-          </p:cNvGrpSpPr>
-          <p:nvPr/>
-        </p:nvGrpSpPr>
-        <p:grpSpPr>
-          <a:xfrm>
-            <a:off x="1325678" y="3158006"/>
-            <a:ext cx="505197" cy="505197"/>
-            <a:chOff x="928258" y="2410839"/>
-            <a:chExt cx="309600" cy="309600"/>
-          </a:xfrm>
-        </p:grpSpPr>
-        <p:sp>
-          <p:nvSpPr>
-            <p:cNvPr id="26" name="Oval 25">
-              <a:extLst>
-                <a:ext uri="{FF2B5EF4-FFF2-40B4-BE49-F238E27FC236}">
-                  <a16:creationId xmlns:a16="http://schemas.microsoft.com/office/drawing/2014/main" id="{8D0FD1B1-B84B-724B-8136-B6AD821AE047}"/>
-                </a:ext>
-              </a:extLst>
-            </p:cNvPr>
-            <p:cNvSpPr>
-              <a:spLocks/>
-            </p:cNvSpPr>
-            <p:nvPr/>
-          </p:nvSpPr>
-          <p:spPr>
-            <a:xfrm>
-              <a:off x="928258" y="2410839"/>
-              <a:ext cx="309600" cy="309600"/>
-            </a:xfrm>
-            <a:prstGeom prst="ellipse">
-              <a:avLst/>
-            </a:prstGeom>
-            <a:solidFill>
-              <a:schemeClr val="bg1">
-                <a:lumMod val="75000"/>
-              </a:schemeClr>
-            </a:solidFill>
-            <a:ln>
-              <a:noFill/>
-            </a:ln>
-          </p:spPr>
-          <p:style>
-            <a:lnRef idx="2">
-              <a:schemeClr val="accent1">
-                <a:shade val="50000"/>
-              </a:schemeClr>
-            </a:lnRef>
-            <a:fillRef idx="1">
-              <a:schemeClr val="accent1"/>
-            </a:fillRef>
-            <a:effectRef idx="0">
-              <a:schemeClr val="accent1"/>
-            </a:effectRef>
-            <a:fontRef idx="minor">
-              <a:schemeClr val="lt1"/>
-            </a:fontRef>
-          </p:style>
-          <p:txBody>
-            <a:bodyPr rtlCol="0" anchor="ctr"/>
-            <a:lstStyle/>
-            <a:p>
-              <a:pPr algn="ctr"/>
-              <a:endParaRPr lang="en-US" sz="1000"/>
-            </a:p>
-          </p:txBody>
-        </p:sp>
-        <p:pic>
-          <p:nvPicPr>
-            <p:cNvPr id="27" name="Picture 26">
-              <a:extLst>
-                <a:ext uri="{FF2B5EF4-FFF2-40B4-BE49-F238E27FC236}">
-                  <a16:creationId xmlns:a16="http://schemas.microsoft.com/office/drawing/2014/main" id="{D301984E-10F9-8F49-A831-4C259100130E}"/>
-                </a:ext>
-              </a:extLst>
-            </p:cNvPr>
-            <p:cNvPicPr>
-              <a:picLocks noChangeAspect="1"/>
-            </p:cNvPicPr>
-            <p:nvPr/>
-          </p:nvPicPr>
-          <p:blipFill>
-            <a:blip r:embed="rId8">
-              <a:extLst>
-                <a:ext uri="{BEBA8EAE-BF5A-486C-A8C5-ECC9F3942E4B}">
-                  <a14:imgProps xmlns:a14="http://schemas.microsoft.com/office/drawing/2010/main">
-                    <a14:imgLayer r:embed="rId9">
-                      <a14:imgEffect>
-                        <a14:backgroundRemoval t="0" b="100000" l="375" r="100000"/>
-                      </a14:imgEffect>
-                    </a14:imgLayer>
-                  </a14:imgProps>
-                </a:ext>
-              </a:extLst>
-            </a:blip>
-            <a:stretch>
-              <a:fillRect/>
-            </a:stretch>
-          </p:blipFill>
-          <p:spPr>
-            <a:xfrm rot="2683863">
-              <a:off x="966745" y="2480435"/>
-              <a:ext cx="115128" cy="115128"/>
-            </a:xfrm>
-            <a:prstGeom prst="rect">
-              <a:avLst/>
-            </a:prstGeom>
-          </p:spPr>
-        </p:pic>
-        <p:pic>
-          <p:nvPicPr>
-            <p:cNvPr id="28" name="Picture 27">
-              <a:extLst>
-                <a:ext uri="{FF2B5EF4-FFF2-40B4-BE49-F238E27FC236}">
-                  <a16:creationId xmlns:a16="http://schemas.microsoft.com/office/drawing/2014/main" id="{08010147-BF8F-E145-AAC1-2A44B3BBEC9F}"/>
-                </a:ext>
-              </a:extLst>
-            </p:cNvPr>
-            <p:cNvPicPr>
-              <a:picLocks noChangeAspect="1"/>
-            </p:cNvPicPr>
-            <p:nvPr/>
-          </p:nvPicPr>
-          <p:blipFill>
-            <a:blip r:embed="rId8">
-              <a:extLst>
-                <a:ext uri="{BEBA8EAE-BF5A-486C-A8C5-ECC9F3942E4B}">
-                  <a14:imgProps xmlns:a14="http://schemas.microsoft.com/office/drawing/2010/main">
-                    <a14:imgLayer r:embed="rId10">
-                      <a14:imgEffect>
-                        <a14:backgroundRemoval t="0" b="100000" l="375" r="100000"/>
-                      </a14:imgEffect>
-                    </a14:imgLayer>
-                  </a14:imgProps>
-                </a:ext>
-              </a:extLst>
-            </a:blip>
-            <a:stretch>
-              <a:fillRect/>
-            </a:stretch>
-          </p:blipFill>
-          <p:spPr>
-            <a:xfrm rot="2683863">
-              <a:off x="1082408" y="2479798"/>
-              <a:ext cx="115128" cy="115128"/>
-            </a:xfrm>
-            <a:prstGeom prst="rect">
-              <a:avLst/>
-            </a:prstGeom>
-          </p:spPr>
-        </p:pic>
-        <p:pic>
-          <p:nvPicPr>
-            <p:cNvPr id="29" name="Picture 28">
-              <a:extLst>
-                <a:ext uri="{FF2B5EF4-FFF2-40B4-BE49-F238E27FC236}">
-                  <a16:creationId xmlns:a16="http://schemas.microsoft.com/office/drawing/2014/main" id="{F8B4CCD8-B999-C945-B74C-BA61174076F2}"/>
-                </a:ext>
-              </a:extLst>
-            </p:cNvPr>
-            <p:cNvPicPr>
-              <a:picLocks noChangeAspect="1"/>
-            </p:cNvPicPr>
-            <p:nvPr/>
-          </p:nvPicPr>
-          <p:blipFill rotWithShape="1">
-            <a:blip r:embed="rId11">
-              <a:duotone>
-                <a:prstClr val="black"/>
-                <a:schemeClr val="tx2">
-                  <a:tint val="45000"/>
-                  <a:satMod val="400000"/>
-                </a:schemeClr>
-              </a:duotone>
-            </a:blip>
-            <a:srcRect t="2" r="20344" b="-2"/>
-            <a:stretch/>
-          </p:blipFill>
-          <p:spPr>
-            <a:xfrm>
-              <a:off x="964548" y="2571974"/>
-              <a:ext cx="238208" cy="45719"/>
-            </a:xfrm>
-            <a:prstGeom prst="rect">
-              <a:avLst/>
-            </a:prstGeom>
-          </p:spPr>
-        </p:pic>
-      </p:grpSp>
-      <p:cxnSp>
-        <p:nvCxnSpPr>
-          <p:cNvPr id="30" name="Straight Arrow Connector 29">
-            <a:extLst>
-              <a:ext uri="{FF2B5EF4-FFF2-40B4-BE49-F238E27FC236}">
-                <a16:creationId xmlns:a16="http://schemas.microsoft.com/office/drawing/2014/main" id="{6114D3A3-A9A8-FC41-80F9-9FE594520CB6}"/>
-              </a:ext>
-            </a:extLst>
-          </p:cNvPr>
-          <p:cNvCxnSpPr>
-            <a:cxnSpLocks/>
-          </p:cNvCxnSpPr>
-          <p:nvPr/>
-        </p:nvCxnSpPr>
-        <p:spPr>
-          <a:xfrm>
-            <a:off x="930315" y="1948663"/>
-            <a:ext cx="0" cy="303867"/>
-          </a:xfrm>
-          <a:prstGeom prst="straightConnector1">
-            <a:avLst/>
-          </a:prstGeom>
-          <a:ln w="19050" cap="rnd">
-            <a:solidFill>
-              <a:schemeClr val="tx1"/>
-            </a:solidFill>
-            <a:tailEnd type="triangle" w="sm" len="sm"/>
-          </a:ln>
-        </p:spPr>
-        <p:style>
-          <a:lnRef idx="1">
-            <a:schemeClr val="accent1"/>
-          </a:lnRef>
-          <a:fillRef idx="0">
-            <a:schemeClr val="accent1"/>
-          </a:fillRef>
-          <a:effectRef idx="0">
-            <a:schemeClr val="accent1"/>
-          </a:effectRef>
-          <a:fontRef idx="minor">
-            <a:schemeClr val="tx1"/>
-          </a:fontRef>
-        </p:style>
-      </p:cxnSp>
-      <p:cxnSp>
-        <p:nvCxnSpPr>
-          <p:cNvPr id="31" name="Straight Arrow Connector 30">
-            <a:extLst>
-              <a:ext uri="{FF2B5EF4-FFF2-40B4-BE49-F238E27FC236}">
-                <a16:creationId xmlns:a16="http://schemas.microsoft.com/office/drawing/2014/main" id="{EDEC4043-C22E-A14F-93E4-F540334DDE72}"/>
-              </a:ext>
-            </a:extLst>
-          </p:cNvPr>
-          <p:cNvCxnSpPr>
-            <a:cxnSpLocks/>
-          </p:cNvCxnSpPr>
-          <p:nvPr/>
-        </p:nvCxnSpPr>
-        <p:spPr>
-          <a:xfrm flipH="1" flipV="1">
-            <a:off x="524449" y="2772538"/>
-            <a:ext cx="670" cy="295462"/>
-          </a:xfrm>
-          <a:prstGeom prst="straightConnector1">
-            <a:avLst/>
-          </a:prstGeom>
-          <a:ln w="19050" cap="rnd">
-            <a:solidFill>
-              <a:schemeClr val="tx1"/>
-            </a:solidFill>
-            <a:tailEnd type="triangle" w="sm" len="sm"/>
-          </a:ln>
-        </p:spPr>
-        <p:style>
-          <a:lnRef idx="1">
-            <a:schemeClr val="accent1"/>
-          </a:lnRef>
-          <a:fillRef idx="0">
-            <a:schemeClr val="accent1"/>
-          </a:fillRef>
-          <a:effectRef idx="0">
-            <a:schemeClr val="accent1"/>
-          </a:effectRef>
-          <a:fontRef idx="minor">
-            <a:schemeClr val="tx1"/>
-          </a:fontRef>
-        </p:style>
-      </p:cxnSp>
-      <p:sp>
-        <p:nvSpPr>
-          <p:cNvPr id="32" name="TextBox 31">
-            <a:extLst>
-              <a:ext uri="{FF2B5EF4-FFF2-40B4-BE49-F238E27FC236}">
-                <a16:creationId xmlns:a16="http://schemas.microsoft.com/office/drawing/2014/main" id="{C5330CB1-06D0-034D-B049-184B62CDFA72}"/>
-              </a:ext>
-            </a:extLst>
-          </p:cNvPr>
-          <p:cNvSpPr txBox="1"/>
-          <p:nvPr/>
-        </p:nvSpPr>
-        <p:spPr>
-          <a:xfrm>
-            <a:off x="-72349" y="7125"/>
-            <a:ext cx="1034180" cy="215444"/>
-          </a:xfrm>
-          <a:prstGeom prst="rect">
-            <a:avLst/>
-          </a:prstGeom>
-          <a:noFill/>
-        </p:spPr>
-        <p:txBody>
-          <a:bodyPr wrap="square" rtlCol="0">
-            <a:spAutoFit/>
-          </a:bodyPr>
-          <a:lstStyle/>
-          <a:p>
-            <a:r>
-              <a:rPr lang="en-US" sz="800" b="1" dirty="0">
-                <a:latin typeface="Arial" panose="020B0604020202020204" pitchFamily="34" charset="0"/>
-                <a:cs typeface="Arial" panose="020B0604020202020204" pitchFamily="34" charset="0"/>
-              </a:rPr>
-              <a:t>SPORULATION</a:t>
-            </a:r>
-          </a:p>
-        </p:txBody>
-      </p:sp>
-      <p:sp>
-        <p:nvSpPr>
-          <p:cNvPr id="33" name="TextBox 32">
-            <a:extLst>
-              <a:ext uri="{FF2B5EF4-FFF2-40B4-BE49-F238E27FC236}">
-                <a16:creationId xmlns:a16="http://schemas.microsoft.com/office/drawing/2014/main" id="{84BF4E5E-921F-A64D-B26F-A0962D37F560}"/>
-              </a:ext>
-            </a:extLst>
-          </p:cNvPr>
-          <p:cNvSpPr txBox="1"/>
-          <p:nvPr/>
-        </p:nvSpPr>
-        <p:spPr>
-          <a:xfrm>
-            <a:off x="796569" y="-532"/>
-            <a:ext cx="1689507" cy="215444"/>
-          </a:xfrm>
-          <a:prstGeom prst="rect">
-            <a:avLst/>
-          </a:prstGeom>
-          <a:noFill/>
-        </p:spPr>
-        <p:txBody>
-          <a:bodyPr wrap="square" rtlCol="0">
-            <a:spAutoFit/>
-          </a:bodyPr>
-          <a:lstStyle/>
-          <a:p>
-            <a:pPr algn="ctr"/>
-            <a:r>
-              <a:rPr lang="en-US" sz="800" b="1" dirty="0">
-                <a:latin typeface="Arial" panose="020B0604020202020204" pitchFamily="34" charset="0"/>
-                <a:cs typeface="Arial" panose="020B0604020202020204" pitchFamily="34" charset="0"/>
-              </a:rPr>
-              <a:t>RELATIVE ABUNDANCE</a:t>
-            </a:r>
-          </a:p>
-        </p:txBody>
-      </p:sp>
-      <p:sp>
-        <p:nvSpPr>
-          <p:cNvPr id="34" name="TextBox 33">
-            <a:extLst>
-              <a:ext uri="{FF2B5EF4-FFF2-40B4-BE49-F238E27FC236}">
-                <a16:creationId xmlns:a16="http://schemas.microsoft.com/office/drawing/2014/main" id="{BCC02267-765E-AA4F-8C69-6D2396F15C1F}"/>
-              </a:ext>
-            </a:extLst>
-          </p:cNvPr>
-          <p:cNvSpPr txBox="1"/>
-          <p:nvPr/>
-        </p:nvSpPr>
-        <p:spPr>
-          <a:xfrm>
-            <a:off x="412966" y="1132298"/>
-            <a:ext cx="991220" cy="215444"/>
-          </a:xfrm>
-          <a:prstGeom prst="rect">
-            <a:avLst/>
-          </a:prstGeom>
-          <a:noFill/>
-        </p:spPr>
-        <p:txBody>
-          <a:bodyPr wrap="square" rtlCol="0">
-            <a:spAutoFit/>
-          </a:bodyPr>
-          <a:lstStyle/>
-          <a:p>
-            <a:pPr algn="ctr"/>
-            <a:r>
-              <a:rPr lang="en-US" sz="800" b="1" dirty="0">
-                <a:latin typeface="Arial" panose="020B0604020202020204" pitchFamily="34" charset="0"/>
-                <a:cs typeface="Arial" panose="020B0604020202020204" pitchFamily="34" charset="0"/>
-              </a:rPr>
-              <a:t> RELATEDNESS</a:t>
-            </a:r>
-          </a:p>
-        </p:txBody>
-      </p:sp>
-      <p:grpSp>
-        <p:nvGrpSpPr>
-          <p:cNvPr id="35" name="Group 34">
-            <a:extLst>
-              <a:ext uri="{FF2B5EF4-FFF2-40B4-BE49-F238E27FC236}">
-                <a16:creationId xmlns:a16="http://schemas.microsoft.com/office/drawing/2014/main" id="{51A07C75-E951-8D44-8C07-F0D3BACF2EF6}"/>
-              </a:ext>
-            </a:extLst>
-          </p:cNvPr>
-          <p:cNvGrpSpPr/>
-          <p:nvPr/>
-        </p:nvGrpSpPr>
-        <p:grpSpPr>
-          <a:xfrm>
-            <a:off x="77627" y="346780"/>
-            <a:ext cx="503999" cy="503999"/>
-            <a:chOff x="493798" y="265415"/>
-            <a:chExt cx="736893" cy="730633"/>
-          </a:xfrm>
-        </p:grpSpPr>
-        <p:sp>
-          <p:nvSpPr>
-            <p:cNvPr id="36" name="Oval 35">
-              <a:extLst>
-                <a:ext uri="{FF2B5EF4-FFF2-40B4-BE49-F238E27FC236}">
-                  <a16:creationId xmlns:a16="http://schemas.microsoft.com/office/drawing/2014/main" id="{29533558-0AE5-8E44-B47C-CC1285DB889C}"/>
-                </a:ext>
-              </a:extLst>
-            </p:cNvPr>
-            <p:cNvSpPr>
-              <a:spLocks noChangeAspect="1"/>
-            </p:cNvSpPr>
-            <p:nvPr/>
-          </p:nvSpPr>
-          <p:spPr>
-            <a:xfrm>
-              <a:off x="493798" y="265415"/>
-              <a:ext cx="736893" cy="730633"/>
-            </a:xfrm>
-            <a:prstGeom prst="ellipse">
-              <a:avLst/>
-            </a:prstGeom>
-            <a:solidFill>
-              <a:schemeClr val="accent6">
-                <a:lumMod val="60000"/>
-                <a:lumOff val="40000"/>
-              </a:schemeClr>
-            </a:solidFill>
-            <a:ln>
-              <a:noFill/>
-            </a:ln>
-          </p:spPr>
-          <p:style>
-            <a:lnRef idx="2">
-              <a:schemeClr val="accent1">
-                <a:shade val="50000"/>
-              </a:schemeClr>
-            </a:lnRef>
-            <a:fillRef idx="1">
-              <a:schemeClr val="accent1"/>
-            </a:fillRef>
-            <a:effectRef idx="0">
-              <a:schemeClr val="accent1"/>
-            </a:effectRef>
-            <a:fontRef idx="minor">
-              <a:schemeClr val="lt1"/>
-            </a:fontRef>
-          </p:style>
-          <p:txBody>
-            <a:bodyPr rtlCol="0" anchor="ctr"/>
-            <a:lstStyle/>
-            <a:p>
-              <a:pPr algn="ctr"/>
-              <a:endParaRPr lang="en-US" sz="1000"/>
-            </a:p>
-          </p:txBody>
-        </p:sp>
-        <p:pic>
-          <p:nvPicPr>
-            <p:cNvPr id="37" name="Picture 36">
-              <a:extLst>
-                <a:ext uri="{FF2B5EF4-FFF2-40B4-BE49-F238E27FC236}">
-                  <a16:creationId xmlns:a16="http://schemas.microsoft.com/office/drawing/2014/main" id="{6146B286-D020-BC4A-97E7-B7CEF7CFED88}"/>
-                </a:ext>
-              </a:extLst>
-            </p:cNvPr>
-            <p:cNvPicPr>
-              <a:picLocks noChangeAspect="1"/>
-            </p:cNvPicPr>
-            <p:nvPr/>
-          </p:nvPicPr>
-          <p:blipFill rotWithShape="1">
-            <a:blip r:embed="rId12"/>
-            <a:srcRect/>
-            <a:stretch/>
-          </p:blipFill>
-          <p:spPr>
-            <a:xfrm>
-              <a:off x="611960" y="329073"/>
-              <a:ext cx="463260" cy="626257"/>
-            </a:xfrm>
-            <a:prstGeom prst="roundRect">
-              <a:avLst>
-                <a:gd name="adj" fmla="val 24982"/>
-              </a:avLst>
-            </a:prstGeom>
-          </p:spPr>
-        </p:pic>
-      </p:grpSp>
-      <p:grpSp>
-        <p:nvGrpSpPr>
-          <p:cNvPr id="38" name="Group 37">
-            <a:extLst>
-              <a:ext uri="{FF2B5EF4-FFF2-40B4-BE49-F238E27FC236}">
-                <a16:creationId xmlns:a16="http://schemas.microsoft.com/office/drawing/2014/main" id="{D0F20B13-273F-C648-A057-328CD6694660}"/>
-              </a:ext>
-            </a:extLst>
-          </p:cNvPr>
-          <p:cNvGrpSpPr>
-            <a:grpSpLocks noChangeAspect="1"/>
-          </p:cNvGrpSpPr>
-          <p:nvPr/>
-        </p:nvGrpSpPr>
-        <p:grpSpPr>
-          <a:xfrm>
-            <a:off x="430539" y="1322959"/>
-            <a:ext cx="989843" cy="624937"/>
-            <a:chOff x="997114" y="1239143"/>
-            <a:chExt cx="893132" cy="563881"/>
-          </a:xfrm>
-        </p:grpSpPr>
-        <p:sp>
-          <p:nvSpPr>
-            <p:cNvPr id="39" name="Rounded Rectangle 38">
-              <a:extLst>
-                <a:ext uri="{FF2B5EF4-FFF2-40B4-BE49-F238E27FC236}">
-                  <a16:creationId xmlns:a16="http://schemas.microsoft.com/office/drawing/2014/main" id="{34E1AF46-731A-8C4A-93B2-E079C884E868}"/>
-                </a:ext>
-              </a:extLst>
-            </p:cNvPr>
-            <p:cNvSpPr/>
-            <p:nvPr/>
-          </p:nvSpPr>
-          <p:spPr>
-            <a:xfrm>
-              <a:off x="997114" y="1239143"/>
-              <a:ext cx="893132" cy="563881"/>
-            </a:xfrm>
-            <a:prstGeom prst="roundRect">
-              <a:avLst/>
-            </a:prstGeom>
-            <a:solidFill>
-              <a:schemeClr val="accent2">
-                <a:lumMod val="40000"/>
-                <a:lumOff val="60000"/>
-              </a:schemeClr>
-            </a:solidFill>
-            <a:ln>
-              <a:solidFill>
-                <a:schemeClr val="tx1"/>
-              </a:solidFill>
-            </a:ln>
-          </p:spPr>
-          <p:style>
-            <a:lnRef idx="2">
-              <a:schemeClr val="accent1">
-                <a:shade val="50000"/>
-              </a:schemeClr>
-            </a:lnRef>
-            <a:fillRef idx="1">
-              <a:schemeClr val="accent1"/>
-            </a:fillRef>
-            <a:effectRef idx="0">
-              <a:schemeClr val="accent1"/>
-            </a:effectRef>
-            <a:fontRef idx="minor">
-              <a:schemeClr val="lt1"/>
-            </a:fontRef>
-          </p:style>
-          <p:txBody>
-            <a:bodyPr rot="0" spcFirstLastPara="0" vertOverflow="overflow" horzOverflow="overflow" vert="horz" wrap="square" lIns="91440" tIns="45720" rIns="91440" bIns="45720" numCol="1" spcCol="0" rtlCol="0" fromWordArt="0" anchor="ctr" anchorCtr="0" forceAA="0" compatLnSpc="1">
-              <a:prstTxWarp prst="textNoShape">
-                <a:avLst/>
-              </a:prstTxWarp>
-              <a:noAutofit/>
-            </a:bodyPr>
-            <a:lstStyle/>
-            <a:p>
-              <a:pPr algn="ctr"/>
-              <a:endParaRPr lang="en-US"/>
-            </a:p>
-          </p:txBody>
-        </p:sp>
-        <p:grpSp>
-          <p:nvGrpSpPr>
-            <p:cNvPr id="40" name="Group 39">
-              <a:extLst>
-                <a:ext uri="{FF2B5EF4-FFF2-40B4-BE49-F238E27FC236}">
-                  <a16:creationId xmlns:a16="http://schemas.microsoft.com/office/drawing/2014/main" id="{ADA0D0AF-2D25-4645-A7BE-18844BE8DDA0}"/>
-                </a:ext>
-              </a:extLst>
-            </p:cNvPr>
-            <p:cNvGrpSpPr/>
-            <p:nvPr/>
-          </p:nvGrpSpPr>
-          <p:grpSpPr>
-            <a:xfrm>
-              <a:off x="1357067" y="1409560"/>
-              <a:ext cx="108000" cy="108000"/>
-              <a:chOff x="67032" y="1457755"/>
-              <a:chExt cx="230400" cy="230400"/>
-            </a:xfrm>
-          </p:grpSpPr>
-          <p:sp>
-            <p:nvSpPr>
-              <p:cNvPr id="87" name="Arc 86">
-                <a:extLst>
-                  <a:ext uri="{FF2B5EF4-FFF2-40B4-BE49-F238E27FC236}">
-                    <a16:creationId xmlns:a16="http://schemas.microsoft.com/office/drawing/2014/main" id="{121D3837-89B4-DD4C-A4D2-FD5A9F9C0715}"/>
-                  </a:ext>
-                </a:extLst>
-              </p:cNvPr>
-              <p:cNvSpPr>
-                <a:spLocks/>
-              </p:cNvSpPr>
-              <p:nvPr/>
-            </p:nvSpPr>
-            <p:spPr>
-              <a:xfrm rot="18001998">
-                <a:off x="67032" y="1457755"/>
-                <a:ext cx="230400" cy="230400"/>
-              </a:xfrm>
-              <a:prstGeom prst="arc">
-                <a:avLst>
-                  <a:gd name="adj1" fmla="val 10632298"/>
-                  <a:gd name="adj2" fmla="val 10457479"/>
-                </a:avLst>
-              </a:prstGeom>
-              <a:ln w="19050">
-                <a:solidFill>
-                  <a:schemeClr val="tx1"/>
-                </a:solidFill>
-              </a:ln>
-            </p:spPr>
-            <p:style>
-              <a:lnRef idx="1">
-                <a:schemeClr val="accent1"/>
-              </a:lnRef>
-              <a:fillRef idx="0">
-                <a:schemeClr val="accent1"/>
-              </a:fillRef>
-              <a:effectRef idx="0">
-                <a:schemeClr val="accent1"/>
-              </a:effectRef>
-              <a:fontRef idx="minor">
-                <a:schemeClr val="tx1"/>
-              </a:fontRef>
-            </p:style>
-            <p:txBody>
-              <a:bodyPr rot="0" spcFirstLastPara="0" vertOverflow="overflow" horzOverflow="overflow" vert="horz" wrap="square" lIns="84777" tIns="42389" rIns="84777" bIns="42389" numCol="1" spcCol="0" rtlCol="0" fromWordArt="0" anchor="ctr" anchorCtr="0" forceAA="0" compatLnSpc="1">
-                <a:prstTxWarp prst="textNoShape">
-                  <a:avLst/>
-                </a:prstTxWarp>
-                <a:noAutofit/>
-              </a:bodyPr>
-              <a:lstStyle/>
-              <a:p>
-                <a:pPr algn="ctr"/>
-                <a:endParaRPr lang="en-US" sz="482"/>
-              </a:p>
-            </p:txBody>
-          </p:sp>
-          <p:sp>
-            <p:nvSpPr>
-              <p:cNvPr id="88" name="Arc 87">
-                <a:extLst>
-                  <a:ext uri="{FF2B5EF4-FFF2-40B4-BE49-F238E27FC236}">
-                    <a16:creationId xmlns:a16="http://schemas.microsoft.com/office/drawing/2014/main" id="{52D98DFD-F5D4-F54D-B761-129221793115}"/>
-                  </a:ext>
-                </a:extLst>
-              </p:cNvPr>
-              <p:cNvSpPr>
-                <a:spLocks/>
-              </p:cNvSpPr>
-              <p:nvPr/>
-            </p:nvSpPr>
-            <p:spPr>
-              <a:xfrm rot="17037771">
-                <a:off x="67032" y="1457755"/>
-                <a:ext cx="230400" cy="230400"/>
-              </a:xfrm>
-              <a:prstGeom prst="arc">
-                <a:avLst>
-                  <a:gd name="adj1" fmla="val 10632298"/>
-                  <a:gd name="adj2" fmla="val 13222257"/>
-                </a:avLst>
-              </a:prstGeom>
-              <a:ln w="19050">
-                <a:solidFill>
-                  <a:schemeClr val="bg1">
-                    <a:lumMod val="65000"/>
-                  </a:schemeClr>
-                </a:solidFill>
-              </a:ln>
-            </p:spPr>
-            <p:style>
-              <a:lnRef idx="1">
-                <a:schemeClr val="accent1"/>
-              </a:lnRef>
-              <a:fillRef idx="0">
-                <a:schemeClr val="accent1"/>
-              </a:fillRef>
-              <a:effectRef idx="0">
-                <a:schemeClr val="accent1"/>
-              </a:effectRef>
-              <a:fontRef idx="minor">
-                <a:schemeClr val="tx1"/>
-              </a:fontRef>
-            </p:style>
-            <p:txBody>
-              <a:bodyPr rot="0" spcFirstLastPara="0" vertOverflow="overflow" horzOverflow="overflow" vert="horz" wrap="square" lIns="84777" tIns="42389" rIns="84777" bIns="42389" numCol="1" spcCol="0" rtlCol="0" fromWordArt="0" anchor="ctr" anchorCtr="0" forceAA="0" compatLnSpc="1">
-                <a:prstTxWarp prst="textNoShape">
-                  <a:avLst/>
-                </a:prstTxWarp>
-                <a:noAutofit/>
-              </a:bodyPr>
-              <a:lstStyle/>
-              <a:p>
-                <a:pPr algn="ctr"/>
-                <a:endParaRPr lang="en-US" sz="482"/>
-              </a:p>
-            </p:txBody>
-          </p:sp>
-          <p:sp>
-            <p:nvSpPr>
-              <p:cNvPr id="89" name="Arc 88">
-                <a:extLst>
-                  <a:ext uri="{FF2B5EF4-FFF2-40B4-BE49-F238E27FC236}">
-                    <a16:creationId xmlns:a16="http://schemas.microsoft.com/office/drawing/2014/main" id="{BC51CD66-E72F-C34E-A616-8DB48EFF89F3}"/>
-                  </a:ext>
-                </a:extLst>
-              </p:cNvPr>
-              <p:cNvSpPr>
-                <a:spLocks/>
-              </p:cNvSpPr>
-              <p:nvPr/>
-            </p:nvSpPr>
-            <p:spPr>
-              <a:xfrm rot="17037771">
-                <a:off x="67032" y="1457755"/>
-                <a:ext cx="230400" cy="230400"/>
-              </a:xfrm>
-              <a:prstGeom prst="arc">
-                <a:avLst>
-                  <a:gd name="adj1" fmla="val 21133676"/>
-                  <a:gd name="adj2" fmla="val 413615"/>
-                </a:avLst>
-              </a:prstGeom>
-              <a:ln w="19050">
-                <a:solidFill>
-                  <a:schemeClr val="bg1">
-                    <a:lumMod val="65000"/>
-                  </a:schemeClr>
-                </a:solidFill>
-              </a:ln>
-            </p:spPr>
-            <p:style>
-              <a:lnRef idx="1">
-                <a:schemeClr val="accent1"/>
-              </a:lnRef>
-              <a:fillRef idx="0">
-                <a:schemeClr val="accent1"/>
-              </a:fillRef>
-              <a:effectRef idx="0">
-                <a:schemeClr val="accent1"/>
-              </a:effectRef>
-              <a:fontRef idx="minor">
-                <a:schemeClr val="tx1"/>
-              </a:fontRef>
-            </p:style>
-            <p:txBody>
-              <a:bodyPr rot="0" spcFirstLastPara="0" vertOverflow="overflow" horzOverflow="overflow" vert="horz" wrap="square" lIns="84777" tIns="42389" rIns="84777" bIns="42389" numCol="1" spcCol="0" rtlCol="0" fromWordArt="0" anchor="ctr" anchorCtr="0" forceAA="0" compatLnSpc="1">
-                <a:prstTxWarp prst="textNoShape">
-                  <a:avLst/>
-                </a:prstTxWarp>
-                <a:noAutofit/>
-              </a:bodyPr>
-              <a:lstStyle/>
-              <a:p>
-                <a:pPr algn="ctr"/>
-                <a:endParaRPr lang="en-US" sz="482"/>
-              </a:p>
-            </p:txBody>
-          </p:sp>
-          <p:sp>
-            <p:nvSpPr>
-              <p:cNvPr id="90" name="Arc 89">
-                <a:extLst>
-                  <a:ext uri="{FF2B5EF4-FFF2-40B4-BE49-F238E27FC236}">
-                    <a16:creationId xmlns:a16="http://schemas.microsoft.com/office/drawing/2014/main" id="{59F8B2A6-81D8-8C42-AD68-660C0FC5302D}"/>
-                  </a:ext>
-                </a:extLst>
-              </p:cNvPr>
-              <p:cNvSpPr>
-                <a:spLocks/>
-              </p:cNvSpPr>
-              <p:nvPr/>
-            </p:nvSpPr>
-            <p:spPr>
-              <a:xfrm rot="17037771">
-                <a:off x="67032" y="1457755"/>
-                <a:ext cx="230400" cy="230400"/>
-              </a:xfrm>
-              <a:prstGeom prst="arc">
-                <a:avLst>
-                  <a:gd name="adj1" fmla="val 17886997"/>
-                  <a:gd name="adj2" fmla="val 18582721"/>
-                </a:avLst>
-              </a:prstGeom>
-              <a:ln w="19050">
-                <a:solidFill>
-                  <a:schemeClr val="accent4"/>
-                </a:solidFill>
-              </a:ln>
-            </p:spPr>
-            <p:style>
-              <a:lnRef idx="1">
-                <a:schemeClr val="accent1"/>
-              </a:lnRef>
-              <a:fillRef idx="0">
-                <a:schemeClr val="accent1"/>
-              </a:fillRef>
-              <a:effectRef idx="0">
-                <a:schemeClr val="accent1"/>
-              </a:effectRef>
-              <a:fontRef idx="minor">
-                <a:schemeClr val="tx1"/>
-              </a:fontRef>
-            </p:style>
-            <p:txBody>
-              <a:bodyPr rot="0" spcFirstLastPara="0" vertOverflow="overflow" horzOverflow="overflow" vert="horz" wrap="square" lIns="84777" tIns="42389" rIns="84777" bIns="42389" numCol="1" spcCol="0" rtlCol="0" fromWordArt="0" anchor="ctr" anchorCtr="0" forceAA="0" compatLnSpc="1">
-                <a:prstTxWarp prst="textNoShape">
-                  <a:avLst/>
-                </a:prstTxWarp>
-                <a:noAutofit/>
-              </a:bodyPr>
-              <a:lstStyle/>
-              <a:p>
-                <a:pPr algn="ctr"/>
-                <a:endParaRPr lang="en-US" sz="482"/>
-              </a:p>
-            </p:txBody>
-          </p:sp>
-          <p:sp>
-            <p:nvSpPr>
-              <p:cNvPr id="91" name="Arc 90">
-                <a:extLst>
-                  <a:ext uri="{FF2B5EF4-FFF2-40B4-BE49-F238E27FC236}">
-                    <a16:creationId xmlns:a16="http://schemas.microsoft.com/office/drawing/2014/main" id="{35771B50-55BF-C042-AD27-11E7C6E5B2F5}"/>
-                  </a:ext>
-                </a:extLst>
-              </p:cNvPr>
-              <p:cNvSpPr>
-                <a:spLocks/>
-              </p:cNvSpPr>
-              <p:nvPr/>
-            </p:nvSpPr>
-            <p:spPr>
-              <a:xfrm rot="17037771">
-                <a:off x="67032" y="1457755"/>
-                <a:ext cx="230400" cy="230400"/>
-              </a:xfrm>
-              <a:prstGeom prst="arc">
-                <a:avLst>
-                  <a:gd name="adj1" fmla="val 6765503"/>
-                  <a:gd name="adj2" fmla="val 8334758"/>
-                </a:avLst>
-              </a:prstGeom>
-              <a:ln w="19050">
-                <a:solidFill>
-                  <a:schemeClr val="bg1">
-                    <a:lumMod val="65000"/>
-                  </a:schemeClr>
-                </a:solidFill>
-              </a:ln>
-            </p:spPr>
-            <p:style>
-              <a:lnRef idx="1">
-                <a:schemeClr val="accent1"/>
-              </a:lnRef>
-              <a:fillRef idx="0">
-                <a:schemeClr val="accent1"/>
-              </a:fillRef>
-              <a:effectRef idx="0">
-                <a:schemeClr val="accent1"/>
-              </a:effectRef>
-              <a:fontRef idx="minor">
-                <a:schemeClr val="tx1"/>
-              </a:fontRef>
-            </p:style>
-            <p:txBody>
-              <a:bodyPr rot="0" spcFirstLastPara="0" vertOverflow="overflow" horzOverflow="overflow" vert="horz" wrap="square" lIns="84777" tIns="42389" rIns="84777" bIns="42389" numCol="1" spcCol="0" rtlCol="0" fromWordArt="0" anchor="ctr" anchorCtr="0" forceAA="0" compatLnSpc="1">
-                <a:prstTxWarp prst="textNoShape">
-                  <a:avLst/>
-                </a:prstTxWarp>
-                <a:noAutofit/>
-              </a:bodyPr>
-              <a:lstStyle/>
-              <a:p>
-                <a:pPr algn="ctr"/>
-                <a:endParaRPr lang="en-US" sz="482"/>
-              </a:p>
-            </p:txBody>
-          </p:sp>
-          <p:sp>
-            <p:nvSpPr>
-              <p:cNvPr id="92" name="Arc 91">
-                <a:extLst>
-                  <a:ext uri="{FF2B5EF4-FFF2-40B4-BE49-F238E27FC236}">
-                    <a16:creationId xmlns:a16="http://schemas.microsoft.com/office/drawing/2014/main" id="{5A9DD579-1016-8A47-9F1F-E936F3429156}"/>
-                  </a:ext>
-                </a:extLst>
-              </p:cNvPr>
-              <p:cNvSpPr>
-                <a:spLocks/>
-              </p:cNvSpPr>
-              <p:nvPr/>
-            </p:nvSpPr>
-            <p:spPr>
-              <a:xfrm rot="17037771">
-                <a:off x="67032" y="1457755"/>
-                <a:ext cx="230400" cy="230400"/>
-              </a:xfrm>
-              <a:prstGeom prst="arc">
-                <a:avLst>
-                  <a:gd name="adj1" fmla="val 15155045"/>
-                  <a:gd name="adj2" fmla="val 19579549"/>
-                </a:avLst>
-              </a:prstGeom>
-              <a:ln w="19050">
-                <a:solidFill>
-                  <a:srgbClr val="00B0F0"/>
-                </a:solidFill>
-              </a:ln>
-            </p:spPr>
-            <p:style>
-              <a:lnRef idx="1">
-                <a:schemeClr val="accent1"/>
-              </a:lnRef>
-              <a:fillRef idx="0">
-                <a:schemeClr val="accent1"/>
-              </a:fillRef>
-              <a:effectRef idx="0">
-                <a:schemeClr val="accent1"/>
-              </a:effectRef>
-              <a:fontRef idx="minor">
-                <a:schemeClr val="tx1"/>
-              </a:fontRef>
-            </p:style>
-            <p:txBody>
-              <a:bodyPr rot="0" spcFirstLastPara="0" vertOverflow="overflow" horzOverflow="overflow" vert="horz" wrap="square" lIns="84777" tIns="42389" rIns="84777" bIns="42389" numCol="1" spcCol="0" rtlCol="0" fromWordArt="0" anchor="ctr" anchorCtr="0" forceAA="0" compatLnSpc="1">
-                <a:prstTxWarp prst="textNoShape">
-                  <a:avLst/>
-                </a:prstTxWarp>
-                <a:noAutofit/>
-              </a:bodyPr>
-              <a:lstStyle/>
-              <a:p>
-                <a:pPr algn="ctr"/>
-                <a:endParaRPr lang="en-US" sz="482"/>
-              </a:p>
-            </p:txBody>
-          </p:sp>
-        </p:grpSp>
-        <p:grpSp>
-          <p:nvGrpSpPr>
-            <p:cNvPr id="41" name="Group 40">
-              <a:extLst>
-                <a:ext uri="{FF2B5EF4-FFF2-40B4-BE49-F238E27FC236}">
-                  <a16:creationId xmlns:a16="http://schemas.microsoft.com/office/drawing/2014/main" id="{CD189020-B59B-024F-87A7-BF778F81A36A}"/>
-                </a:ext>
-              </a:extLst>
-            </p:cNvPr>
-            <p:cNvGrpSpPr/>
-            <p:nvPr/>
-          </p:nvGrpSpPr>
-          <p:grpSpPr>
-            <a:xfrm>
-              <a:off x="1641418" y="1268162"/>
-              <a:ext cx="108000" cy="108000"/>
-              <a:chOff x="468957" y="1453633"/>
-              <a:chExt cx="230400" cy="230400"/>
-            </a:xfrm>
-          </p:grpSpPr>
-          <p:sp>
-            <p:nvSpPr>
-              <p:cNvPr id="79" name="Arc 78">
-                <a:extLst>
-                  <a:ext uri="{FF2B5EF4-FFF2-40B4-BE49-F238E27FC236}">
-                    <a16:creationId xmlns:a16="http://schemas.microsoft.com/office/drawing/2014/main" id="{52E9E546-9765-E24B-8639-78C48BE65D73}"/>
-                  </a:ext>
-                </a:extLst>
-              </p:cNvPr>
-              <p:cNvSpPr>
-                <a:spLocks/>
-              </p:cNvSpPr>
-              <p:nvPr/>
-            </p:nvSpPr>
-            <p:spPr>
-              <a:xfrm rot="18001998">
-                <a:off x="468957" y="1453633"/>
-                <a:ext cx="230400" cy="230400"/>
-              </a:xfrm>
-              <a:prstGeom prst="arc">
-                <a:avLst>
-                  <a:gd name="adj1" fmla="val 10632298"/>
-                  <a:gd name="adj2" fmla="val 10457479"/>
-                </a:avLst>
-              </a:prstGeom>
-              <a:ln w="19050">
-                <a:solidFill>
-                  <a:schemeClr val="tx1"/>
-                </a:solidFill>
-              </a:ln>
-            </p:spPr>
-            <p:style>
-              <a:lnRef idx="1">
-                <a:schemeClr val="accent1"/>
-              </a:lnRef>
-              <a:fillRef idx="0">
-                <a:schemeClr val="accent1"/>
-              </a:fillRef>
-              <a:effectRef idx="0">
-                <a:schemeClr val="accent1"/>
-              </a:effectRef>
-              <a:fontRef idx="minor">
-                <a:schemeClr val="tx1"/>
-              </a:fontRef>
-            </p:style>
-            <p:txBody>
-              <a:bodyPr rot="0" spcFirstLastPara="0" vertOverflow="overflow" horzOverflow="overflow" vert="horz" wrap="square" lIns="84777" tIns="42389" rIns="84777" bIns="42389" numCol="1" spcCol="0" rtlCol="0" fromWordArt="0" anchor="ctr" anchorCtr="0" forceAA="0" compatLnSpc="1">
-                <a:prstTxWarp prst="textNoShape">
-                  <a:avLst/>
-                </a:prstTxWarp>
-                <a:noAutofit/>
-              </a:bodyPr>
-              <a:lstStyle/>
-              <a:p>
-                <a:pPr algn="ctr"/>
-                <a:endParaRPr lang="en-US" sz="482"/>
-              </a:p>
-            </p:txBody>
-          </p:sp>
-          <p:grpSp>
-            <p:nvGrpSpPr>
-              <p:cNvPr id="80" name="Group 79">
-                <a:extLst>
-                  <a:ext uri="{FF2B5EF4-FFF2-40B4-BE49-F238E27FC236}">
-                    <a16:creationId xmlns:a16="http://schemas.microsoft.com/office/drawing/2014/main" id="{5C1F0A33-3A25-2045-BB21-B8AB5609636E}"/>
-                  </a:ext>
-                </a:extLst>
-              </p:cNvPr>
-              <p:cNvGrpSpPr/>
-              <p:nvPr/>
-            </p:nvGrpSpPr>
-            <p:grpSpPr>
-              <a:xfrm>
-                <a:off x="468957" y="1453633"/>
-                <a:ext cx="230400" cy="230400"/>
-                <a:chOff x="468957" y="1453633"/>
-                <a:chExt cx="230400" cy="230400"/>
-              </a:xfrm>
-            </p:grpSpPr>
-            <p:sp>
-              <p:nvSpPr>
-                <p:cNvPr id="81" name="Arc 80">
-                  <a:extLst>
-                    <a:ext uri="{FF2B5EF4-FFF2-40B4-BE49-F238E27FC236}">
-                      <a16:creationId xmlns:a16="http://schemas.microsoft.com/office/drawing/2014/main" id="{7D047B1B-ADEC-224B-9133-F2F5E431914F}"/>
-                    </a:ext>
-                  </a:extLst>
-                </p:cNvPr>
-                <p:cNvSpPr>
-                  <a:spLocks/>
-                </p:cNvSpPr>
-                <p:nvPr/>
-              </p:nvSpPr>
-              <p:spPr>
-                <a:xfrm rot="6681197">
-                  <a:off x="468957" y="1453633"/>
-                  <a:ext cx="230400" cy="230400"/>
-                </a:xfrm>
-                <a:prstGeom prst="arc">
-                  <a:avLst>
-                    <a:gd name="adj1" fmla="val 21133676"/>
-                    <a:gd name="adj2" fmla="val 413615"/>
-                  </a:avLst>
-                </a:prstGeom>
-                <a:ln w="19050">
-                  <a:solidFill>
-                    <a:schemeClr val="bg1">
-                      <a:lumMod val="65000"/>
-                    </a:schemeClr>
-                  </a:solidFill>
-                </a:ln>
-              </p:spPr>
-              <p:style>
-                <a:lnRef idx="1">
-                  <a:schemeClr val="accent1"/>
-                </a:lnRef>
-                <a:fillRef idx="0">
-                  <a:schemeClr val="accent1"/>
-                </a:fillRef>
-                <a:effectRef idx="0">
-                  <a:schemeClr val="accent1"/>
-                </a:effectRef>
-                <a:fontRef idx="minor">
-                  <a:schemeClr val="tx1"/>
-                </a:fontRef>
-              </p:style>
-              <p:txBody>
-                <a:bodyPr rot="0" spcFirstLastPara="0" vertOverflow="overflow" horzOverflow="overflow" vert="horz" wrap="square" lIns="84777" tIns="42389" rIns="84777" bIns="42389" numCol="1" spcCol="0" rtlCol="0" fromWordArt="0" anchor="ctr" anchorCtr="0" forceAA="0" compatLnSpc="1">
-                  <a:prstTxWarp prst="textNoShape">
-                    <a:avLst/>
-                  </a:prstTxWarp>
-                  <a:noAutofit/>
-                </a:bodyPr>
-                <a:lstStyle/>
-                <a:p>
-                  <a:pPr algn="ctr"/>
-                  <a:endParaRPr lang="en-US" sz="482"/>
-                </a:p>
-              </p:txBody>
-            </p:sp>
-            <p:grpSp>
-              <p:nvGrpSpPr>
-                <p:cNvPr id="82" name="Group 81">
-                  <a:extLst>
-                    <a:ext uri="{FF2B5EF4-FFF2-40B4-BE49-F238E27FC236}">
-                      <a16:creationId xmlns:a16="http://schemas.microsoft.com/office/drawing/2014/main" id="{1D0283E8-5C76-1D42-A3F1-1EB98445C8B4}"/>
-                    </a:ext>
-                  </a:extLst>
-                </p:cNvPr>
-                <p:cNvGrpSpPr/>
-                <p:nvPr/>
-              </p:nvGrpSpPr>
-              <p:grpSpPr>
-                <a:xfrm>
-                  <a:off x="468957" y="1453633"/>
-                  <a:ext cx="230400" cy="230400"/>
-                  <a:chOff x="468957" y="1453633"/>
-                  <a:chExt cx="230400" cy="230400"/>
-                </a:xfrm>
-              </p:grpSpPr>
-              <p:sp>
-                <p:nvSpPr>
-                  <p:cNvPr id="83" name="Arc 82">
-                    <a:extLst>
-                      <a:ext uri="{FF2B5EF4-FFF2-40B4-BE49-F238E27FC236}">
-                        <a16:creationId xmlns:a16="http://schemas.microsoft.com/office/drawing/2014/main" id="{D485148F-1139-1645-BD0D-5EDEB0520F22}"/>
-                      </a:ext>
-                    </a:extLst>
-                  </p:cNvPr>
-                  <p:cNvSpPr>
-                    <a:spLocks/>
-                  </p:cNvSpPr>
-                  <p:nvPr/>
-                </p:nvSpPr>
-                <p:spPr>
-                  <a:xfrm rot="10073888">
-                    <a:off x="468957" y="1453633"/>
-                    <a:ext cx="230400" cy="230400"/>
-                  </a:xfrm>
-                  <a:prstGeom prst="arc">
-                    <a:avLst>
-                      <a:gd name="adj1" fmla="val 10632298"/>
-                      <a:gd name="adj2" fmla="val 13222257"/>
-                    </a:avLst>
-                  </a:prstGeom>
-                  <a:ln w="19050">
-                    <a:solidFill>
-                      <a:schemeClr val="bg1">
-                        <a:lumMod val="65000"/>
-                      </a:schemeClr>
-                    </a:solidFill>
-                  </a:ln>
-                </p:spPr>
-                <p:style>
-                  <a:lnRef idx="1">
-                    <a:schemeClr val="accent1"/>
-                  </a:lnRef>
-                  <a:fillRef idx="0">
-                    <a:schemeClr val="accent1"/>
-                  </a:fillRef>
-                  <a:effectRef idx="0">
-                    <a:schemeClr val="accent1"/>
-                  </a:effectRef>
-                  <a:fontRef idx="minor">
-                    <a:schemeClr val="tx1"/>
-                  </a:fontRef>
-                </p:style>
-                <p:txBody>
-                  <a:bodyPr rot="0" spcFirstLastPara="0" vertOverflow="overflow" horzOverflow="overflow" vert="horz" wrap="square" lIns="84777" tIns="42389" rIns="84777" bIns="42389" numCol="1" spcCol="0" rtlCol="0" fromWordArt="0" anchor="ctr" anchorCtr="0" forceAA="0" compatLnSpc="1">
-                    <a:prstTxWarp prst="textNoShape">
-                      <a:avLst/>
-                    </a:prstTxWarp>
-                    <a:noAutofit/>
-                  </a:bodyPr>
-                  <a:lstStyle/>
-                  <a:p>
-                    <a:pPr algn="ctr"/>
-                    <a:endParaRPr lang="en-US" sz="482"/>
-                  </a:p>
-                </p:txBody>
-              </p:sp>
-              <p:sp>
-                <p:nvSpPr>
-                  <p:cNvPr id="84" name="Arc 83">
-                    <a:extLst>
-                      <a:ext uri="{FF2B5EF4-FFF2-40B4-BE49-F238E27FC236}">
-                        <a16:creationId xmlns:a16="http://schemas.microsoft.com/office/drawing/2014/main" id="{E14B4D2D-CF03-C447-BE17-05C218777C53}"/>
-                      </a:ext>
-                    </a:extLst>
-                  </p:cNvPr>
-                  <p:cNvSpPr>
-                    <a:spLocks/>
-                  </p:cNvSpPr>
-                  <p:nvPr/>
-                </p:nvSpPr>
-                <p:spPr>
-                  <a:xfrm rot="17037771">
-                    <a:off x="468957" y="1453633"/>
-                    <a:ext cx="230400" cy="230400"/>
-                  </a:xfrm>
-                  <a:prstGeom prst="arc">
-                    <a:avLst>
-                      <a:gd name="adj1" fmla="val 17886997"/>
-                      <a:gd name="adj2" fmla="val 18582721"/>
-                    </a:avLst>
-                  </a:prstGeom>
-                  <a:ln w="19050">
-                    <a:solidFill>
-                      <a:schemeClr val="accent4"/>
-                    </a:solidFill>
-                  </a:ln>
-                </p:spPr>
-                <p:style>
-                  <a:lnRef idx="1">
-                    <a:schemeClr val="accent1"/>
-                  </a:lnRef>
-                  <a:fillRef idx="0">
-                    <a:schemeClr val="accent1"/>
-                  </a:fillRef>
-                  <a:effectRef idx="0">
-                    <a:schemeClr val="accent1"/>
-                  </a:effectRef>
-                  <a:fontRef idx="minor">
-                    <a:schemeClr val="tx1"/>
-                  </a:fontRef>
-                </p:style>
-                <p:txBody>
-                  <a:bodyPr rot="0" spcFirstLastPara="0" vertOverflow="overflow" horzOverflow="overflow" vert="horz" wrap="square" lIns="84777" tIns="42389" rIns="84777" bIns="42389" numCol="1" spcCol="0" rtlCol="0" fromWordArt="0" anchor="ctr" anchorCtr="0" forceAA="0" compatLnSpc="1">
-                    <a:prstTxWarp prst="textNoShape">
-                      <a:avLst/>
-                    </a:prstTxWarp>
-                    <a:noAutofit/>
-                  </a:bodyPr>
-                  <a:lstStyle/>
-                  <a:p>
-                    <a:pPr algn="ctr"/>
-                    <a:endParaRPr lang="en-US" sz="482"/>
-                  </a:p>
-                </p:txBody>
-              </p:sp>
-              <p:sp>
-                <p:nvSpPr>
-                  <p:cNvPr id="85" name="Arc 84">
-                    <a:extLst>
-                      <a:ext uri="{FF2B5EF4-FFF2-40B4-BE49-F238E27FC236}">
-                        <a16:creationId xmlns:a16="http://schemas.microsoft.com/office/drawing/2014/main" id="{B9E02425-6C33-0440-B9D6-36401E8ECA84}"/>
-                      </a:ext>
-                    </a:extLst>
-                  </p:cNvPr>
-                  <p:cNvSpPr>
-                    <a:spLocks/>
-                  </p:cNvSpPr>
-                  <p:nvPr/>
-                </p:nvSpPr>
-                <p:spPr>
-                  <a:xfrm rot="17037771">
-                    <a:off x="468957" y="1453633"/>
-                    <a:ext cx="230400" cy="230400"/>
-                  </a:xfrm>
-                  <a:prstGeom prst="arc">
-                    <a:avLst>
-                      <a:gd name="adj1" fmla="val 6765503"/>
-                      <a:gd name="adj2" fmla="val 8334758"/>
-                    </a:avLst>
-                  </a:prstGeom>
-                  <a:ln w="19050">
-                    <a:solidFill>
-                      <a:schemeClr val="bg1">
-                        <a:lumMod val="65000"/>
-                      </a:schemeClr>
-                    </a:solidFill>
-                  </a:ln>
-                </p:spPr>
-                <p:style>
-                  <a:lnRef idx="1">
-                    <a:schemeClr val="accent1"/>
-                  </a:lnRef>
-                  <a:fillRef idx="0">
-                    <a:schemeClr val="accent1"/>
-                  </a:fillRef>
-                  <a:effectRef idx="0">
-                    <a:schemeClr val="accent1"/>
-                  </a:effectRef>
-                  <a:fontRef idx="minor">
-                    <a:schemeClr val="tx1"/>
-                  </a:fontRef>
-                </p:style>
-                <p:txBody>
-                  <a:bodyPr rot="0" spcFirstLastPara="0" vertOverflow="overflow" horzOverflow="overflow" vert="horz" wrap="square" lIns="84777" tIns="42389" rIns="84777" bIns="42389" numCol="1" spcCol="0" rtlCol="0" fromWordArt="0" anchor="ctr" anchorCtr="0" forceAA="0" compatLnSpc="1">
-                    <a:prstTxWarp prst="textNoShape">
-                      <a:avLst/>
-                    </a:prstTxWarp>
-                    <a:noAutofit/>
-                  </a:bodyPr>
-                  <a:lstStyle/>
-                  <a:p>
-                    <a:pPr algn="ctr"/>
-                    <a:endParaRPr lang="en-US" sz="482"/>
-                  </a:p>
-                </p:txBody>
-              </p:sp>
-              <p:sp>
-                <p:nvSpPr>
-                  <p:cNvPr id="86" name="Arc 85">
-                    <a:extLst>
-                      <a:ext uri="{FF2B5EF4-FFF2-40B4-BE49-F238E27FC236}">
-                        <a16:creationId xmlns:a16="http://schemas.microsoft.com/office/drawing/2014/main" id="{CAD8C283-952D-EC47-B374-3F06406C58AF}"/>
-                      </a:ext>
-                    </a:extLst>
-                  </p:cNvPr>
-                  <p:cNvSpPr>
-                    <a:spLocks/>
-                  </p:cNvSpPr>
-                  <p:nvPr/>
-                </p:nvSpPr>
-                <p:spPr>
-                  <a:xfrm rot="17037771">
-                    <a:off x="468957" y="1453633"/>
-                    <a:ext cx="230400" cy="230400"/>
-                  </a:xfrm>
-                  <a:prstGeom prst="arc">
-                    <a:avLst>
-                      <a:gd name="adj1" fmla="val 15155045"/>
-                      <a:gd name="adj2" fmla="val 19579549"/>
-                    </a:avLst>
-                  </a:prstGeom>
-                  <a:ln w="19050">
-                    <a:solidFill>
-                      <a:srgbClr val="00B0F0"/>
-                    </a:solidFill>
-                  </a:ln>
-                </p:spPr>
-                <p:style>
-                  <a:lnRef idx="1">
-                    <a:schemeClr val="accent1"/>
-                  </a:lnRef>
-                  <a:fillRef idx="0">
-                    <a:schemeClr val="accent1"/>
-                  </a:fillRef>
-                  <a:effectRef idx="0">
-                    <a:schemeClr val="accent1"/>
-                  </a:effectRef>
-                  <a:fontRef idx="minor">
-                    <a:schemeClr val="tx1"/>
-                  </a:fontRef>
-                </p:style>
-                <p:txBody>
-                  <a:bodyPr rot="0" spcFirstLastPara="0" vertOverflow="overflow" horzOverflow="overflow" vert="horz" wrap="square" lIns="84777" tIns="42389" rIns="84777" bIns="42389" numCol="1" spcCol="0" rtlCol="0" fromWordArt="0" anchor="ctr" anchorCtr="0" forceAA="0" compatLnSpc="1">
-                    <a:prstTxWarp prst="textNoShape">
-                      <a:avLst/>
-                    </a:prstTxWarp>
-                    <a:noAutofit/>
-                  </a:bodyPr>
-                  <a:lstStyle/>
-                  <a:p>
-                    <a:pPr algn="ctr"/>
-                    <a:endParaRPr lang="en-US" sz="482"/>
-                  </a:p>
-                </p:txBody>
-              </p:sp>
-            </p:grpSp>
-          </p:grpSp>
-        </p:grpSp>
-        <p:grpSp>
-          <p:nvGrpSpPr>
-            <p:cNvPr id="42" name="Group 41">
-              <a:extLst>
-                <a:ext uri="{FF2B5EF4-FFF2-40B4-BE49-F238E27FC236}">
-                  <a16:creationId xmlns:a16="http://schemas.microsoft.com/office/drawing/2014/main" id="{B22799EF-2410-0648-91E1-A3F85999FBF3}"/>
-                </a:ext>
-              </a:extLst>
-            </p:cNvPr>
-            <p:cNvGrpSpPr/>
-            <p:nvPr/>
-          </p:nvGrpSpPr>
-          <p:grpSpPr>
-            <a:xfrm>
-              <a:off x="1523027" y="1613582"/>
-              <a:ext cx="108000" cy="108000"/>
-              <a:chOff x="473092" y="1789373"/>
-              <a:chExt cx="230400" cy="230400"/>
-            </a:xfrm>
-          </p:grpSpPr>
-          <p:sp>
-            <p:nvSpPr>
-              <p:cNvPr id="74" name="Arc 73">
-                <a:extLst>
-                  <a:ext uri="{FF2B5EF4-FFF2-40B4-BE49-F238E27FC236}">
-                    <a16:creationId xmlns:a16="http://schemas.microsoft.com/office/drawing/2014/main" id="{8042EC9D-539B-9C49-8187-3E832BCA6B4F}"/>
-                  </a:ext>
-                </a:extLst>
-              </p:cNvPr>
-              <p:cNvSpPr>
-                <a:spLocks/>
-              </p:cNvSpPr>
-              <p:nvPr/>
-            </p:nvSpPr>
-            <p:spPr>
-              <a:xfrm rot="18001998">
-                <a:off x="473092" y="1789373"/>
-                <a:ext cx="230400" cy="230400"/>
-              </a:xfrm>
-              <a:prstGeom prst="arc">
-                <a:avLst>
-                  <a:gd name="adj1" fmla="val 10632298"/>
-                  <a:gd name="adj2" fmla="val 10457479"/>
-                </a:avLst>
-              </a:prstGeom>
-              <a:ln w="19050">
-                <a:solidFill>
-                  <a:schemeClr val="tx1"/>
-                </a:solidFill>
-              </a:ln>
-            </p:spPr>
-            <p:style>
-              <a:lnRef idx="1">
-                <a:schemeClr val="accent1"/>
-              </a:lnRef>
-              <a:fillRef idx="0">
-                <a:schemeClr val="accent1"/>
-              </a:fillRef>
-              <a:effectRef idx="0">
-                <a:schemeClr val="accent1"/>
-              </a:effectRef>
-              <a:fontRef idx="minor">
-                <a:schemeClr val="tx1"/>
-              </a:fontRef>
-            </p:style>
-            <p:txBody>
-              <a:bodyPr rot="0" spcFirstLastPara="0" vertOverflow="overflow" horzOverflow="overflow" vert="horz" wrap="square" lIns="84777" tIns="42389" rIns="84777" bIns="42389" numCol="1" spcCol="0" rtlCol="0" fromWordArt="0" anchor="ctr" anchorCtr="0" forceAA="0" compatLnSpc="1">
-                <a:prstTxWarp prst="textNoShape">
-                  <a:avLst/>
-                </a:prstTxWarp>
-                <a:noAutofit/>
-              </a:bodyPr>
-              <a:lstStyle/>
-              <a:p>
-                <a:pPr algn="ctr"/>
-                <a:endParaRPr lang="en-US" sz="482"/>
-              </a:p>
-            </p:txBody>
-          </p:sp>
-          <p:sp>
-            <p:nvSpPr>
-              <p:cNvPr id="75" name="Arc 74">
-                <a:extLst>
-                  <a:ext uri="{FF2B5EF4-FFF2-40B4-BE49-F238E27FC236}">
-                    <a16:creationId xmlns:a16="http://schemas.microsoft.com/office/drawing/2014/main" id="{8CDCF2B2-2426-1A45-9909-3262412E06CA}"/>
-                  </a:ext>
-                </a:extLst>
-              </p:cNvPr>
-              <p:cNvSpPr>
-                <a:spLocks/>
-              </p:cNvSpPr>
-              <p:nvPr/>
-            </p:nvSpPr>
-            <p:spPr>
-              <a:xfrm rot="14602745">
-                <a:off x="473092" y="1789373"/>
-                <a:ext cx="230400" cy="230400"/>
-              </a:xfrm>
-              <a:prstGeom prst="arc">
-                <a:avLst>
-                  <a:gd name="adj1" fmla="val 10632298"/>
-                  <a:gd name="adj2" fmla="val 12037093"/>
-                </a:avLst>
-              </a:prstGeom>
-              <a:ln w="19050">
-                <a:solidFill>
-                  <a:schemeClr val="bg1">
-                    <a:lumMod val="65000"/>
-                  </a:schemeClr>
-                </a:solidFill>
-              </a:ln>
-            </p:spPr>
-            <p:style>
-              <a:lnRef idx="1">
-                <a:schemeClr val="accent1"/>
-              </a:lnRef>
-              <a:fillRef idx="0">
-                <a:schemeClr val="accent1"/>
-              </a:fillRef>
-              <a:effectRef idx="0">
-                <a:schemeClr val="accent1"/>
-              </a:effectRef>
-              <a:fontRef idx="minor">
-                <a:schemeClr val="tx1"/>
-              </a:fontRef>
-            </p:style>
-            <p:txBody>
-              <a:bodyPr rot="0" spcFirstLastPara="0" vertOverflow="overflow" horzOverflow="overflow" vert="horz" wrap="square" lIns="84777" tIns="42389" rIns="84777" bIns="42389" numCol="1" spcCol="0" rtlCol="0" fromWordArt="0" anchor="ctr" anchorCtr="0" forceAA="0" compatLnSpc="1">
-                <a:prstTxWarp prst="textNoShape">
-                  <a:avLst/>
-                </a:prstTxWarp>
-                <a:noAutofit/>
-              </a:bodyPr>
-              <a:lstStyle/>
-              <a:p>
-                <a:pPr algn="ctr"/>
-                <a:endParaRPr lang="en-US" sz="482"/>
-              </a:p>
-            </p:txBody>
-          </p:sp>
-          <p:sp>
-            <p:nvSpPr>
-              <p:cNvPr id="76" name="Arc 75">
-                <a:extLst>
-                  <a:ext uri="{FF2B5EF4-FFF2-40B4-BE49-F238E27FC236}">
-                    <a16:creationId xmlns:a16="http://schemas.microsoft.com/office/drawing/2014/main" id="{51C99663-9520-9541-BA4F-2BF012B31BD9}"/>
-                  </a:ext>
-                </a:extLst>
-              </p:cNvPr>
-              <p:cNvSpPr>
-                <a:spLocks/>
-              </p:cNvSpPr>
-              <p:nvPr/>
-            </p:nvSpPr>
-            <p:spPr>
-              <a:xfrm rot="6947102">
-                <a:off x="473092" y="1789373"/>
-                <a:ext cx="230400" cy="230400"/>
-              </a:xfrm>
-              <a:prstGeom prst="arc">
-                <a:avLst>
-                  <a:gd name="adj1" fmla="val 21133676"/>
-                  <a:gd name="adj2" fmla="val 413615"/>
-                </a:avLst>
-              </a:prstGeom>
-              <a:ln w="19050">
-                <a:solidFill>
-                  <a:schemeClr val="bg1">
-                    <a:lumMod val="65000"/>
-                  </a:schemeClr>
-                </a:solidFill>
-              </a:ln>
-            </p:spPr>
-            <p:style>
-              <a:lnRef idx="1">
-                <a:schemeClr val="accent1"/>
-              </a:lnRef>
-              <a:fillRef idx="0">
-                <a:schemeClr val="accent1"/>
-              </a:fillRef>
-              <a:effectRef idx="0">
-                <a:schemeClr val="accent1"/>
-              </a:effectRef>
-              <a:fontRef idx="minor">
-                <a:schemeClr val="tx1"/>
-              </a:fontRef>
-            </p:style>
-            <p:txBody>
-              <a:bodyPr rot="0" spcFirstLastPara="0" vertOverflow="overflow" horzOverflow="overflow" vert="horz" wrap="square" lIns="84777" tIns="42389" rIns="84777" bIns="42389" numCol="1" spcCol="0" rtlCol="0" fromWordArt="0" anchor="ctr" anchorCtr="0" forceAA="0" compatLnSpc="1">
-                <a:prstTxWarp prst="textNoShape">
-                  <a:avLst/>
-                </a:prstTxWarp>
-                <a:noAutofit/>
-              </a:bodyPr>
-              <a:lstStyle/>
-              <a:p>
-                <a:pPr algn="ctr"/>
-                <a:endParaRPr lang="en-US" sz="482"/>
-              </a:p>
-            </p:txBody>
-          </p:sp>
-          <p:sp>
-            <p:nvSpPr>
-              <p:cNvPr id="77" name="Arc 76">
-                <a:extLst>
-                  <a:ext uri="{FF2B5EF4-FFF2-40B4-BE49-F238E27FC236}">
-                    <a16:creationId xmlns:a16="http://schemas.microsoft.com/office/drawing/2014/main" id="{B41CEC94-F0F8-354F-B2AF-2FFC44459F23}"/>
-                  </a:ext>
-                </a:extLst>
-              </p:cNvPr>
-              <p:cNvSpPr>
-                <a:spLocks/>
-              </p:cNvSpPr>
-              <p:nvPr/>
-            </p:nvSpPr>
-            <p:spPr>
-              <a:xfrm rot="17037771">
-                <a:off x="473092" y="1789373"/>
-                <a:ext cx="230400" cy="230400"/>
-              </a:xfrm>
-              <a:prstGeom prst="arc">
-                <a:avLst>
-                  <a:gd name="adj1" fmla="val 17886997"/>
-                  <a:gd name="adj2" fmla="val 18582721"/>
-                </a:avLst>
-              </a:prstGeom>
-              <a:ln w="19050">
-                <a:solidFill>
-                  <a:schemeClr val="bg1">
-                    <a:lumMod val="65000"/>
-                  </a:schemeClr>
-                </a:solidFill>
-              </a:ln>
-            </p:spPr>
-            <p:style>
-              <a:lnRef idx="1">
-                <a:schemeClr val="accent1"/>
-              </a:lnRef>
-              <a:fillRef idx="0">
-                <a:schemeClr val="accent1"/>
-              </a:fillRef>
-              <a:effectRef idx="0">
-                <a:schemeClr val="accent1"/>
-              </a:effectRef>
-              <a:fontRef idx="minor">
-                <a:schemeClr val="tx1"/>
-              </a:fontRef>
-            </p:style>
-            <p:txBody>
-              <a:bodyPr rot="0" spcFirstLastPara="0" vertOverflow="overflow" horzOverflow="overflow" vert="horz" wrap="square" lIns="84777" tIns="42389" rIns="84777" bIns="42389" numCol="1" spcCol="0" rtlCol="0" fromWordArt="0" anchor="ctr" anchorCtr="0" forceAA="0" compatLnSpc="1">
-                <a:prstTxWarp prst="textNoShape">
-                  <a:avLst/>
-                </a:prstTxWarp>
-                <a:noAutofit/>
-              </a:bodyPr>
-              <a:lstStyle/>
-              <a:p>
-                <a:pPr algn="ctr"/>
-                <a:endParaRPr lang="en-US" sz="482"/>
-              </a:p>
-            </p:txBody>
-          </p:sp>
-          <p:sp>
-            <p:nvSpPr>
-              <p:cNvPr id="78" name="Arc 77">
-                <a:extLst>
-                  <a:ext uri="{FF2B5EF4-FFF2-40B4-BE49-F238E27FC236}">
-                    <a16:creationId xmlns:a16="http://schemas.microsoft.com/office/drawing/2014/main" id="{660F4793-E7F4-C94C-959A-C6D1E495EF39}"/>
-                  </a:ext>
-                </a:extLst>
-              </p:cNvPr>
-              <p:cNvSpPr>
-                <a:spLocks/>
-              </p:cNvSpPr>
-              <p:nvPr/>
-            </p:nvSpPr>
-            <p:spPr>
-              <a:xfrm rot="16031049">
-                <a:off x="473092" y="1789373"/>
-                <a:ext cx="230400" cy="230400"/>
-              </a:xfrm>
-              <a:prstGeom prst="arc">
-                <a:avLst>
-                  <a:gd name="adj1" fmla="val 6765503"/>
-                  <a:gd name="adj2" fmla="val 8334758"/>
-                </a:avLst>
-              </a:prstGeom>
-              <a:ln w="19050">
-                <a:solidFill>
-                  <a:schemeClr val="bg1">
-                    <a:lumMod val="65000"/>
-                  </a:schemeClr>
-                </a:solidFill>
-              </a:ln>
-            </p:spPr>
-            <p:style>
-              <a:lnRef idx="1">
-                <a:schemeClr val="accent1"/>
-              </a:lnRef>
-              <a:fillRef idx="0">
-                <a:schemeClr val="accent1"/>
-              </a:fillRef>
-              <a:effectRef idx="0">
-                <a:schemeClr val="accent1"/>
-              </a:effectRef>
-              <a:fontRef idx="minor">
-                <a:schemeClr val="tx1"/>
-              </a:fontRef>
-            </p:style>
-            <p:txBody>
-              <a:bodyPr rot="0" spcFirstLastPara="0" vertOverflow="overflow" horzOverflow="overflow" vert="horz" wrap="square" lIns="84777" tIns="42389" rIns="84777" bIns="42389" numCol="1" spcCol="0" rtlCol="0" fromWordArt="0" anchor="ctr" anchorCtr="0" forceAA="0" compatLnSpc="1">
-                <a:prstTxWarp prst="textNoShape">
-                  <a:avLst/>
-                </a:prstTxWarp>
-                <a:noAutofit/>
-              </a:bodyPr>
-              <a:lstStyle/>
-              <a:p>
-                <a:pPr algn="ctr"/>
-                <a:endParaRPr lang="en-US" sz="482" dirty="0"/>
-              </a:p>
-            </p:txBody>
-          </p:sp>
-        </p:grpSp>
-        <p:grpSp>
-          <p:nvGrpSpPr>
-            <p:cNvPr id="43" name="Group 42">
-              <a:extLst>
-                <a:ext uri="{FF2B5EF4-FFF2-40B4-BE49-F238E27FC236}">
-                  <a16:creationId xmlns:a16="http://schemas.microsoft.com/office/drawing/2014/main" id="{84C1BAED-707D-5B44-9F69-CAB7FE42C600}"/>
-                </a:ext>
-              </a:extLst>
-            </p:cNvPr>
-            <p:cNvGrpSpPr/>
-            <p:nvPr/>
-          </p:nvGrpSpPr>
-          <p:grpSpPr>
-            <a:xfrm>
-              <a:off x="1695418" y="1494098"/>
-              <a:ext cx="108000" cy="108000"/>
-              <a:chOff x="468957" y="1453633"/>
-              <a:chExt cx="230400" cy="230400"/>
-            </a:xfrm>
-          </p:grpSpPr>
-          <p:sp>
-            <p:nvSpPr>
-              <p:cNvPr id="66" name="Arc 65">
-                <a:extLst>
-                  <a:ext uri="{FF2B5EF4-FFF2-40B4-BE49-F238E27FC236}">
-                    <a16:creationId xmlns:a16="http://schemas.microsoft.com/office/drawing/2014/main" id="{C649C729-1518-B446-B0E9-FD1DE61056F0}"/>
-                  </a:ext>
-                </a:extLst>
-              </p:cNvPr>
-              <p:cNvSpPr>
-                <a:spLocks/>
-              </p:cNvSpPr>
-              <p:nvPr/>
-            </p:nvSpPr>
-            <p:spPr>
-              <a:xfrm rot="18001998">
-                <a:off x="468957" y="1453633"/>
-                <a:ext cx="230400" cy="230400"/>
-              </a:xfrm>
-              <a:prstGeom prst="arc">
-                <a:avLst>
-                  <a:gd name="adj1" fmla="val 10632298"/>
-                  <a:gd name="adj2" fmla="val 10457479"/>
-                </a:avLst>
-              </a:prstGeom>
-              <a:ln w="19050">
-                <a:solidFill>
-                  <a:schemeClr val="tx1"/>
-                </a:solidFill>
-              </a:ln>
-            </p:spPr>
-            <p:style>
-              <a:lnRef idx="1">
-                <a:schemeClr val="accent1"/>
-              </a:lnRef>
-              <a:fillRef idx="0">
-                <a:schemeClr val="accent1"/>
-              </a:fillRef>
-              <a:effectRef idx="0">
-                <a:schemeClr val="accent1"/>
-              </a:effectRef>
-              <a:fontRef idx="minor">
-                <a:schemeClr val="tx1"/>
-              </a:fontRef>
-            </p:style>
-            <p:txBody>
-              <a:bodyPr rot="0" spcFirstLastPara="0" vertOverflow="overflow" horzOverflow="overflow" vert="horz" wrap="square" lIns="84777" tIns="42389" rIns="84777" bIns="42389" numCol="1" spcCol="0" rtlCol="0" fromWordArt="0" anchor="ctr" anchorCtr="0" forceAA="0" compatLnSpc="1">
-                <a:prstTxWarp prst="textNoShape">
-                  <a:avLst/>
-                </a:prstTxWarp>
-                <a:noAutofit/>
-              </a:bodyPr>
-              <a:lstStyle/>
-              <a:p>
-                <a:pPr algn="ctr"/>
-                <a:endParaRPr lang="en-US" sz="482"/>
-              </a:p>
-            </p:txBody>
-          </p:sp>
-          <p:grpSp>
-            <p:nvGrpSpPr>
-              <p:cNvPr id="67" name="Group 66">
-                <a:extLst>
-                  <a:ext uri="{FF2B5EF4-FFF2-40B4-BE49-F238E27FC236}">
-                    <a16:creationId xmlns:a16="http://schemas.microsoft.com/office/drawing/2014/main" id="{72E5B320-2FFC-7941-9A98-9D7C0996209B}"/>
-                  </a:ext>
-                </a:extLst>
-              </p:cNvPr>
-              <p:cNvGrpSpPr/>
-              <p:nvPr/>
-            </p:nvGrpSpPr>
-            <p:grpSpPr>
-              <a:xfrm>
-                <a:off x="468957" y="1453633"/>
-                <a:ext cx="230400" cy="230400"/>
-                <a:chOff x="468957" y="1453633"/>
-                <a:chExt cx="230400" cy="230400"/>
-              </a:xfrm>
-            </p:grpSpPr>
-            <p:sp>
-              <p:nvSpPr>
-                <p:cNvPr id="68" name="Arc 67">
-                  <a:extLst>
-                    <a:ext uri="{FF2B5EF4-FFF2-40B4-BE49-F238E27FC236}">
-                      <a16:creationId xmlns:a16="http://schemas.microsoft.com/office/drawing/2014/main" id="{8F051B5F-515A-1C46-A38B-4502442DC0B1}"/>
-                    </a:ext>
-                  </a:extLst>
-                </p:cNvPr>
-                <p:cNvSpPr>
-                  <a:spLocks/>
-                </p:cNvSpPr>
-                <p:nvPr/>
-              </p:nvSpPr>
-              <p:spPr>
-                <a:xfrm rot="6929666">
-                  <a:off x="468957" y="1453633"/>
-                  <a:ext cx="230400" cy="230400"/>
-                </a:xfrm>
-                <a:prstGeom prst="arc">
-                  <a:avLst>
-                    <a:gd name="adj1" fmla="val 21133676"/>
-                    <a:gd name="adj2" fmla="val 413615"/>
-                  </a:avLst>
-                </a:prstGeom>
-                <a:ln w="19050">
-                  <a:solidFill>
-                    <a:schemeClr val="bg1">
-                      <a:lumMod val="65000"/>
-                    </a:schemeClr>
-                  </a:solidFill>
-                </a:ln>
-              </p:spPr>
-              <p:style>
-                <a:lnRef idx="1">
-                  <a:schemeClr val="accent1"/>
-                </a:lnRef>
-                <a:fillRef idx="0">
-                  <a:schemeClr val="accent1"/>
-                </a:fillRef>
-                <a:effectRef idx="0">
-                  <a:schemeClr val="accent1"/>
-                </a:effectRef>
-                <a:fontRef idx="minor">
-                  <a:schemeClr val="tx1"/>
-                </a:fontRef>
-              </p:style>
-              <p:txBody>
-                <a:bodyPr rot="0" spcFirstLastPara="0" vertOverflow="overflow" horzOverflow="overflow" vert="horz" wrap="square" lIns="84777" tIns="42389" rIns="84777" bIns="42389" numCol="1" spcCol="0" rtlCol="0" fromWordArt="0" anchor="ctr" anchorCtr="0" forceAA="0" compatLnSpc="1">
-                  <a:prstTxWarp prst="textNoShape">
-                    <a:avLst/>
-                  </a:prstTxWarp>
-                  <a:noAutofit/>
-                </a:bodyPr>
-                <a:lstStyle/>
-                <a:p>
-                  <a:pPr algn="ctr"/>
-                  <a:endParaRPr lang="en-US" sz="482"/>
-                </a:p>
-              </p:txBody>
-            </p:sp>
-            <p:grpSp>
-              <p:nvGrpSpPr>
-                <p:cNvPr id="69" name="Group 68">
-                  <a:extLst>
-                    <a:ext uri="{FF2B5EF4-FFF2-40B4-BE49-F238E27FC236}">
-                      <a16:creationId xmlns:a16="http://schemas.microsoft.com/office/drawing/2014/main" id="{39D30140-F5D4-AD4E-BF62-5AA3BB51FF38}"/>
-                    </a:ext>
-                  </a:extLst>
-                </p:cNvPr>
-                <p:cNvGrpSpPr/>
-                <p:nvPr/>
-              </p:nvGrpSpPr>
-              <p:grpSpPr>
-                <a:xfrm>
-                  <a:off x="468957" y="1453633"/>
-                  <a:ext cx="230400" cy="230400"/>
-                  <a:chOff x="468957" y="1453633"/>
-                  <a:chExt cx="230400" cy="230400"/>
-                </a:xfrm>
-              </p:grpSpPr>
-              <p:sp>
-                <p:nvSpPr>
-                  <p:cNvPr id="70" name="Arc 69">
-                    <a:extLst>
-                      <a:ext uri="{FF2B5EF4-FFF2-40B4-BE49-F238E27FC236}">
-                        <a16:creationId xmlns:a16="http://schemas.microsoft.com/office/drawing/2014/main" id="{79A9CB04-859D-994D-AF36-BC18B40953A6}"/>
-                      </a:ext>
-                    </a:extLst>
-                  </p:cNvPr>
-                  <p:cNvSpPr>
-                    <a:spLocks/>
-                  </p:cNvSpPr>
-                  <p:nvPr/>
-                </p:nvSpPr>
-                <p:spPr>
-                  <a:xfrm rot="10073888">
-                    <a:off x="468957" y="1453633"/>
-                    <a:ext cx="230400" cy="230400"/>
-                  </a:xfrm>
-                  <a:prstGeom prst="arc">
-                    <a:avLst>
-                      <a:gd name="adj1" fmla="val 7664043"/>
-                      <a:gd name="adj2" fmla="val 11345613"/>
-                    </a:avLst>
-                  </a:prstGeom>
-                  <a:ln w="19050">
-                    <a:solidFill>
-                      <a:schemeClr val="bg1">
-                        <a:lumMod val="65000"/>
-                      </a:schemeClr>
-                    </a:solidFill>
-                  </a:ln>
-                </p:spPr>
-                <p:style>
-                  <a:lnRef idx="1">
-                    <a:schemeClr val="accent1"/>
-                  </a:lnRef>
-                  <a:fillRef idx="0">
-                    <a:schemeClr val="accent1"/>
-                  </a:fillRef>
-                  <a:effectRef idx="0">
-                    <a:schemeClr val="accent1"/>
-                  </a:effectRef>
-                  <a:fontRef idx="minor">
-                    <a:schemeClr val="tx1"/>
-                  </a:fontRef>
-                </p:style>
-                <p:txBody>
-                  <a:bodyPr rot="0" spcFirstLastPara="0" vertOverflow="overflow" horzOverflow="overflow" vert="horz" wrap="square" lIns="84777" tIns="42389" rIns="84777" bIns="42389" numCol="1" spcCol="0" rtlCol="0" fromWordArt="0" anchor="ctr" anchorCtr="0" forceAA="0" compatLnSpc="1">
-                    <a:prstTxWarp prst="textNoShape">
-                      <a:avLst/>
-                    </a:prstTxWarp>
-                    <a:noAutofit/>
-                  </a:bodyPr>
-                  <a:lstStyle/>
-                  <a:p>
-                    <a:pPr algn="ctr"/>
-                    <a:endParaRPr lang="en-US" sz="482"/>
-                  </a:p>
-                </p:txBody>
-              </p:sp>
-              <p:sp>
-                <p:nvSpPr>
-                  <p:cNvPr id="71" name="Arc 70">
-                    <a:extLst>
-                      <a:ext uri="{FF2B5EF4-FFF2-40B4-BE49-F238E27FC236}">
-                        <a16:creationId xmlns:a16="http://schemas.microsoft.com/office/drawing/2014/main" id="{0CE50376-8A01-BB45-AB2F-B44E2BA8B08C}"/>
-                      </a:ext>
-                    </a:extLst>
-                  </p:cNvPr>
-                  <p:cNvSpPr>
-                    <a:spLocks/>
-                  </p:cNvSpPr>
-                  <p:nvPr/>
-                </p:nvSpPr>
-                <p:spPr>
-                  <a:xfrm rot="17037771">
-                    <a:off x="468957" y="1453633"/>
-                    <a:ext cx="230400" cy="230400"/>
-                  </a:xfrm>
-                  <a:prstGeom prst="arc">
-                    <a:avLst>
-                      <a:gd name="adj1" fmla="val 17886997"/>
-                      <a:gd name="adj2" fmla="val 18582721"/>
-                    </a:avLst>
-                  </a:prstGeom>
-                  <a:ln w="19050">
-                    <a:solidFill>
-                      <a:schemeClr val="accent4"/>
-                    </a:solidFill>
-                  </a:ln>
-                </p:spPr>
-                <p:style>
-                  <a:lnRef idx="1">
-                    <a:schemeClr val="accent1"/>
-                  </a:lnRef>
-                  <a:fillRef idx="0">
-                    <a:schemeClr val="accent1"/>
-                  </a:fillRef>
-                  <a:effectRef idx="0">
-                    <a:schemeClr val="accent1"/>
-                  </a:effectRef>
-                  <a:fontRef idx="minor">
-                    <a:schemeClr val="tx1"/>
-                  </a:fontRef>
-                </p:style>
-                <p:txBody>
-                  <a:bodyPr rot="0" spcFirstLastPara="0" vertOverflow="overflow" horzOverflow="overflow" vert="horz" wrap="square" lIns="84777" tIns="42389" rIns="84777" bIns="42389" numCol="1" spcCol="0" rtlCol="0" fromWordArt="0" anchor="ctr" anchorCtr="0" forceAA="0" compatLnSpc="1">
-                    <a:prstTxWarp prst="textNoShape">
-                      <a:avLst/>
-                    </a:prstTxWarp>
-                    <a:noAutofit/>
-                  </a:bodyPr>
-                  <a:lstStyle/>
-                  <a:p>
-                    <a:pPr algn="ctr"/>
-                    <a:endParaRPr lang="en-US" sz="482"/>
-                  </a:p>
-                </p:txBody>
-              </p:sp>
-              <p:sp>
-                <p:nvSpPr>
-                  <p:cNvPr id="72" name="Arc 71">
-                    <a:extLst>
-                      <a:ext uri="{FF2B5EF4-FFF2-40B4-BE49-F238E27FC236}">
-                        <a16:creationId xmlns:a16="http://schemas.microsoft.com/office/drawing/2014/main" id="{190BFD33-6324-BB4C-B0ED-B6FC3559C0FF}"/>
-                      </a:ext>
-                    </a:extLst>
-                  </p:cNvPr>
-                  <p:cNvSpPr>
-                    <a:spLocks/>
-                  </p:cNvSpPr>
-                  <p:nvPr/>
-                </p:nvSpPr>
-                <p:spPr>
-                  <a:xfrm rot="17037771">
-                    <a:off x="468957" y="1453633"/>
-                    <a:ext cx="230400" cy="230400"/>
-                  </a:xfrm>
-                  <a:prstGeom prst="arc">
-                    <a:avLst>
-                      <a:gd name="adj1" fmla="val 6765503"/>
-                      <a:gd name="adj2" fmla="val 8334758"/>
-                    </a:avLst>
-                  </a:prstGeom>
-                  <a:ln w="19050">
-                    <a:solidFill>
-                      <a:schemeClr val="bg1">
-                        <a:lumMod val="65000"/>
-                      </a:schemeClr>
-                    </a:solidFill>
-                  </a:ln>
-                </p:spPr>
-                <p:style>
-                  <a:lnRef idx="1">
-                    <a:schemeClr val="accent1"/>
-                  </a:lnRef>
-                  <a:fillRef idx="0">
-                    <a:schemeClr val="accent1"/>
-                  </a:fillRef>
-                  <a:effectRef idx="0">
-                    <a:schemeClr val="accent1"/>
-                  </a:effectRef>
-                  <a:fontRef idx="minor">
-                    <a:schemeClr val="tx1"/>
-                  </a:fontRef>
-                </p:style>
-                <p:txBody>
-                  <a:bodyPr rot="0" spcFirstLastPara="0" vertOverflow="overflow" horzOverflow="overflow" vert="horz" wrap="square" lIns="84777" tIns="42389" rIns="84777" bIns="42389" numCol="1" spcCol="0" rtlCol="0" fromWordArt="0" anchor="ctr" anchorCtr="0" forceAA="0" compatLnSpc="1">
-                    <a:prstTxWarp prst="textNoShape">
-                      <a:avLst/>
-                    </a:prstTxWarp>
-                    <a:noAutofit/>
-                  </a:bodyPr>
-                  <a:lstStyle/>
-                  <a:p>
-                    <a:pPr algn="ctr"/>
-                    <a:endParaRPr lang="en-US" sz="482"/>
-                  </a:p>
-                </p:txBody>
-              </p:sp>
-              <p:sp>
-                <p:nvSpPr>
-                  <p:cNvPr id="73" name="Arc 72">
-                    <a:extLst>
-                      <a:ext uri="{FF2B5EF4-FFF2-40B4-BE49-F238E27FC236}">
-                        <a16:creationId xmlns:a16="http://schemas.microsoft.com/office/drawing/2014/main" id="{87DFE794-2B35-4440-AE9A-364D3577D87B}"/>
-                      </a:ext>
-                    </a:extLst>
-                  </p:cNvPr>
-                  <p:cNvSpPr>
-                    <a:spLocks/>
-                  </p:cNvSpPr>
-                  <p:nvPr/>
-                </p:nvSpPr>
-                <p:spPr>
-                  <a:xfrm rot="17037771">
-                    <a:off x="468957" y="1453633"/>
-                    <a:ext cx="230400" cy="230400"/>
-                  </a:xfrm>
-                  <a:prstGeom prst="arc">
-                    <a:avLst>
-                      <a:gd name="adj1" fmla="val 15155045"/>
-                      <a:gd name="adj2" fmla="val 19579549"/>
-                    </a:avLst>
-                  </a:prstGeom>
-                  <a:ln w="19050">
-                    <a:solidFill>
-                      <a:srgbClr val="00B0F0"/>
-                    </a:solidFill>
-                  </a:ln>
-                </p:spPr>
-                <p:style>
-                  <a:lnRef idx="1">
-                    <a:schemeClr val="accent1"/>
-                  </a:lnRef>
-                  <a:fillRef idx="0">
-                    <a:schemeClr val="accent1"/>
-                  </a:fillRef>
-                  <a:effectRef idx="0">
-                    <a:schemeClr val="accent1"/>
-                  </a:effectRef>
-                  <a:fontRef idx="minor">
-                    <a:schemeClr val="tx1"/>
-                  </a:fontRef>
-                </p:style>
-                <p:txBody>
-                  <a:bodyPr rot="0" spcFirstLastPara="0" vertOverflow="overflow" horzOverflow="overflow" vert="horz" wrap="square" lIns="84777" tIns="42389" rIns="84777" bIns="42389" numCol="1" spcCol="0" rtlCol="0" fromWordArt="0" anchor="ctr" anchorCtr="0" forceAA="0" compatLnSpc="1">
-                    <a:prstTxWarp prst="textNoShape">
-                      <a:avLst/>
-                    </a:prstTxWarp>
-                    <a:noAutofit/>
-                  </a:bodyPr>
-                  <a:lstStyle/>
-                  <a:p>
-                    <a:pPr algn="ctr"/>
-                    <a:endParaRPr lang="en-US" sz="482"/>
-                  </a:p>
-                </p:txBody>
-              </p:sp>
-            </p:grpSp>
-          </p:grpSp>
-        </p:grpSp>
-        <p:grpSp>
-          <p:nvGrpSpPr>
-            <p:cNvPr id="44" name="Group 43">
-              <a:extLst>
-                <a:ext uri="{FF2B5EF4-FFF2-40B4-BE49-F238E27FC236}">
-                  <a16:creationId xmlns:a16="http://schemas.microsoft.com/office/drawing/2014/main" id="{123A6CC7-51C7-8343-BDBB-E8E982B0C156}"/>
-                </a:ext>
-              </a:extLst>
-            </p:cNvPr>
-            <p:cNvGrpSpPr/>
-            <p:nvPr/>
-          </p:nvGrpSpPr>
-          <p:grpSpPr>
-            <a:xfrm>
-              <a:off x="1061360" y="1385733"/>
-              <a:ext cx="108000" cy="108000"/>
-              <a:chOff x="468957" y="1453633"/>
-              <a:chExt cx="230400" cy="230400"/>
-            </a:xfrm>
-          </p:grpSpPr>
-          <p:sp>
-            <p:nvSpPr>
-              <p:cNvPr id="58" name="Arc 57">
-                <a:extLst>
-                  <a:ext uri="{FF2B5EF4-FFF2-40B4-BE49-F238E27FC236}">
-                    <a16:creationId xmlns:a16="http://schemas.microsoft.com/office/drawing/2014/main" id="{F819C10A-3818-3A46-92A1-C3A6DC6F816B}"/>
-                  </a:ext>
-                </a:extLst>
-              </p:cNvPr>
-              <p:cNvSpPr>
-                <a:spLocks/>
-              </p:cNvSpPr>
-              <p:nvPr/>
-            </p:nvSpPr>
-            <p:spPr>
-              <a:xfrm rot="18001998">
-                <a:off x="468957" y="1453633"/>
-                <a:ext cx="230400" cy="230400"/>
-              </a:xfrm>
-              <a:prstGeom prst="arc">
-                <a:avLst>
-                  <a:gd name="adj1" fmla="val 10632298"/>
-                  <a:gd name="adj2" fmla="val 10457479"/>
-                </a:avLst>
-              </a:prstGeom>
-              <a:ln w="19050">
-                <a:solidFill>
-                  <a:schemeClr val="tx1"/>
-                </a:solidFill>
-              </a:ln>
-            </p:spPr>
-            <p:style>
-              <a:lnRef idx="1">
-                <a:schemeClr val="accent1"/>
-              </a:lnRef>
-              <a:fillRef idx="0">
-                <a:schemeClr val="accent1"/>
-              </a:fillRef>
-              <a:effectRef idx="0">
-                <a:schemeClr val="accent1"/>
-              </a:effectRef>
-              <a:fontRef idx="minor">
-                <a:schemeClr val="tx1"/>
-              </a:fontRef>
-            </p:style>
-            <p:txBody>
-              <a:bodyPr rot="0" spcFirstLastPara="0" vertOverflow="overflow" horzOverflow="overflow" vert="horz" wrap="square" lIns="84777" tIns="42389" rIns="84777" bIns="42389" numCol="1" spcCol="0" rtlCol="0" fromWordArt="0" anchor="ctr" anchorCtr="0" forceAA="0" compatLnSpc="1">
-                <a:prstTxWarp prst="textNoShape">
-                  <a:avLst/>
-                </a:prstTxWarp>
-                <a:noAutofit/>
-              </a:bodyPr>
-              <a:lstStyle/>
-              <a:p>
-                <a:pPr algn="ctr"/>
-                <a:endParaRPr lang="en-US" sz="482"/>
-              </a:p>
-            </p:txBody>
-          </p:sp>
-          <p:grpSp>
-            <p:nvGrpSpPr>
-              <p:cNvPr id="59" name="Group 58">
-                <a:extLst>
-                  <a:ext uri="{FF2B5EF4-FFF2-40B4-BE49-F238E27FC236}">
-                    <a16:creationId xmlns:a16="http://schemas.microsoft.com/office/drawing/2014/main" id="{B37DCF19-857F-AC4F-8047-EA9AE26E8711}"/>
-                  </a:ext>
-                </a:extLst>
-              </p:cNvPr>
-              <p:cNvGrpSpPr/>
-              <p:nvPr/>
-            </p:nvGrpSpPr>
-            <p:grpSpPr>
-              <a:xfrm>
-                <a:off x="468957" y="1453633"/>
-                <a:ext cx="230400" cy="230400"/>
-                <a:chOff x="468957" y="1453633"/>
-                <a:chExt cx="230400" cy="230400"/>
-              </a:xfrm>
-            </p:grpSpPr>
-            <p:sp>
-              <p:nvSpPr>
-                <p:cNvPr id="60" name="Arc 59">
-                  <a:extLst>
-                    <a:ext uri="{FF2B5EF4-FFF2-40B4-BE49-F238E27FC236}">
-                      <a16:creationId xmlns:a16="http://schemas.microsoft.com/office/drawing/2014/main" id="{C795F736-D32F-A14D-984A-C958EBA389EF}"/>
-                    </a:ext>
-                  </a:extLst>
-                </p:cNvPr>
-                <p:cNvSpPr>
-                  <a:spLocks/>
-                </p:cNvSpPr>
-                <p:nvPr/>
-              </p:nvSpPr>
-              <p:spPr>
-                <a:xfrm rot="6681197">
-                  <a:off x="468957" y="1453633"/>
-                  <a:ext cx="230400" cy="230400"/>
-                </a:xfrm>
-                <a:prstGeom prst="arc">
-                  <a:avLst>
-                    <a:gd name="adj1" fmla="val 21133676"/>
-                    <a:gd name="adj2" fmla="val 413615"/>
-                  </a:avLst>
-                </a:prstGeom>
-                <a:ln w="19050">
-                  <a:solidFill>
-                    <a:schemeClr val="bg1">
-                      <a:lumMod val="65000"/>
-                    </a:schemeClr>
-                  </a:solidFill>
-                </a:ln>
-              </p:spPr>
-              <p:style>
-                <a:lnRef idx="1">
-                  <a:schemeClr val="accent1"/>
-                </a:lnRef>
-                <a:fillRef idx="0">
-                  <a:schemeClr val="accent1"/>
-                </a:fillRef>
-                <a:effectRef idx="0">
-                  <a:schemeClr val="accent1"/>
-                </a:effectRef>
-                <a:fontRef idx="minor">
-                  <a:schemeClr val="tx1"/>
-                </a:fontRef>
-              </p:style>
-              <p:txBody>
-                <a:bodyPr rot="0" spcFirstLastPara="0" vertOverflow="overflow" horzOverflow="overflow" vert="horz" wrap="square" lIns="84777" tIns="42389" rIns="84777" bIns="42389" numCol="1" spcCol="0" rtlCol="0" fromWordArt="0" anchor="ctr" anchorCtr="0" forceAA="0" compatLnSpc="1">
-                  <a:prstTxWarp prst="textNoShape">
-                    <a:avLst/>
-                  </a:prstTxWarp>
-                  <a:noAutofit/>
-                </a:bodyPr>
-                <a:lstStyle/>
-                <a:p>
-                  <a:pPr algn="ctr"/>
-                  <a:endParaRPr lang="en-US" sz="482"/>
-                </a:p>
-              </p:txBody>
-            </p:sp>
-            <p:grpSp>
-              <p:nvGrpSpPr>
-                <p:cNvPr id="61" name="Group 60">
-                  <a:extLst>
-                    <a:ext uri="{FF2B5EF4-FFF2-40B4-BE49-F238E27FC236}">
-                      <a16:creationId xmlns:a16="http://schemas.microsoft.com/office/drawing/2014/main" id="{35E554CC-ACA5-BC4C-8825-EEA8C1B1D3A6}"/>
-                    </a:ext>
-                  </a:extLst>
-                </p:cNvPr>
-                <p:cNvGrpSpPr/>
-                <p:nvPr/>
-              </p:nvGrpSpPr>
-              <p:grpSpPr>
-                <a:xfrm>
-                  <a:off x="468957" y="1453633"/>
-                  <a:ext cx="230400" cy="230400"/>
-                  <a:chOff x="468957" y="1453633"/>
-                  <a:chExt cx="230400" cy="230400"/>
-                </a:xfrm>
-              </p:grpSpPr>
-              <p:sp>
-                <p:nvSpPr>
-                  <p:cNvPr id="62" name="Arc 61">
-                    <a:extLst>
-                      <a:ext uri="{FF2B5EF4-FFF2-40B4-BE49-F238E27FC236}">
-                        <a16:creationId xmlns:a16="http://schemas.microsoft.com/office/drawing/2014/main" id="{B1B6773B-B28B-B24A-9159-720DA31155DE}"/>
-                      </a:ext>
-                    </a:extLst>
-                  </p:cNvPr>
-                  <p:cNvSpPr>
-                    <a:spLocks/>
-                  </p:cNvSpPr>
-                  <p:nvPr/>
-                </p:nvSpPr>
-                <p:spPr>
-                  <a:xfrm rot="10073888">
-                    <a:off x="468957" y="1453633"/>
-                    <a:ext cx="230400" cy="230400"/>
-                  </a:xfrm>
-                  <a:prstGeom prst="arc">
-                    <a:avLst>
-                      <a:gd name="adj1" fmla="val 5979254"/>
-                      <a:gd name="adj2" fmla="val 6895744"/>
-                    </a:avLst>
-                  </a:prstGeom>
-                  <a:ln w="19050">
-                    <a:solidFill>
-                      <a:schemeClr val="bg1">
-                        <a:lumMod val="65000"/>
-                      </a:schemeClr>
-                    </a:solidFill>
-                  </a:ln>
-                </p:spPr>
-                <p:style>
-                  <a:lnRef idx="1">
-                    <a:schemeClr val="accent1"/>
-                  </a:lnRef>
-                  <a:fillRef idx="0">
-                    <a:schemeClr val="accent1"/>
-                  </a:fillRef>
-                  <a:effectRef idx="0">
-                    <a:schemeClr val="accent1"/>
-                  </a:effectRef>
-                  <a:fontRef idx="minor">
-                    <a:schemeClr val="tx1"/>
-                  </a:fontRef>
-                </p:style>
-                <p:txBody>
-                  <a:bodyPr rot="0" spcFirstLastPara="0" vertOverflow="overflow" horzOverflow="overflow" vert="horz" wrap="square" lIns="84777" tIns="42389" rIns="84777" bIns="42389" numCol="1" spcCol="0" rtlCol="0" fromWordArt="0" anchor="ctr" anchorCtr="0" forceAA="0" compatLnSpc="1">
-                    <a:prstTxWarp prst="textNoShape">
-                      <a:avLst/>
-                    </a:prstTxWarp>
-                    <a:noAutofit/>
-                  </a:bodyPr>
-                  <a:lstStyle/>
-                  <a:p>
-                    <a:pPr algn="ctr"/>
-                    <a:endParaRPr lang="en-US" sz="482"/>
-                  </a:p>
-                </p:txBody>
-              </p:sp>
-              <p:sp>
-                <p:nvSpPr>
-                  <p:cNvPr id="63" name="Arc 62">
-                    <a:extLst>
-                      <a:ext uri="{FF2B5EF4-FFF2-40B4-BE49-F238E27FC236}">
-                        <a16:creationId xmlns:a16="http://schemas.microsoft.com/office/drawing/2014/main" id="{5FED6209-A664-4D4A-B9EE-807EF6200C9A}"/>
-                      </a:ext>
-                    </a:extLst>
-                  </p:cNvPr>
-                  <p:cNvSpPr>
-                    <a:spLocks/>
-                  </p:cNvSpPr>
-                  <p:nvPr/>
-                </p:nvSpPr>
-                <p:spPr>
-                  <a:xfrm rot="17037771">
-                    <a:off x="468957" y="1453633"/>
-                    <a:ext cx="230400" cy="230400"/>
-                  </a:xfrm>
-                  <a:prstGeom prst="arc">
-                    <a:avLst>
-                      <a:gd name="adj1" fmla="val 17886997"/>
-                      <a:gd name="adj2" fmla="val 18582721"/>
-                    </a:avLst>
-                  </a:prstGeom>
-                  <a:ln w="19050">
-                    <a:solidFill>
-                      <a:schemeClr val="accent4"/>
-                    </a:solidFill>
-                  </a:ln>
-                </p:spPr>
-                <p:style>
-                  <a:lnRef idx="1">
-                    <a:schemeClr val="accent1"/>
-                  </a:lnRef>
-                  <a:fillRef idx="0">
-                    <a:schemeClr val="accent1"/>
-                  </a:fillRef>
-                  <a:effectRef idx="0">
-                    <a:schemeClr val="accent1"/>
-                  </a:effectRef>
-                  <a:fontRef idx="minor">
-                    <a:schemeClr val="tx1"/>
-                  </a:fontRef>
-                </p:style>
-                <p:txBody>
-                  <a:bodyPr rot="0" spcFirstLastPara="0" vertOverflow="overflow" horzOverflow="overflow" vert="horz" wrap="square" lIns="84777" tIns="42389" rIns="84777" bIns="42389" numCol="1" spcCol="0" rtlCol="0" fromWordArt="0" anchor="ctr" anchorCtr="0" forceAA="0" compatLnSpc="1">
-                    <a:prstTxWarp prst="textNoShape">
-                      <a:avLst/>
-                    </a:prstTxWarp>
-                    <a:noAutofit/>
-                  </a:bodyPr>
-                  <a:lstStyle/>
-                  <a:p>
-                    <a:pPr algn="ctr"/>
-                    <a:endParaRPr lang="en-US" sz="482"/>
-                  </a:p>
-                </p:txBody>
-              </p:sp>
-              <p:sp>
-                <p:nvSpPr>
-                  <p:cNvPr id="64" name="Arc 63">
-                    <a:extLst>
-                      <a:ext uri="{FF2B5EF4-FFF2-40B4-BE49-F238E27FC236}">
-                        <a16:creationId xmlns:a16="http://schemas.microsoft.com/office/drawing/2014/main" id="{E0CD0526-456F-7144-BA2B-9EE63662B745}"/>
-                      </a:ext>
-                    </a:extLst>
-                  </p:cNvPr>
-                  <p:cNvSpPr>
-                    <a:spLocks/>
-                  </p:cNvSpPr>
-                  <p:nvPr/>
-                </p:nvSpPr>
-                <p:spPr>
-                  <a:xfrm rot="17037771">
-                    <a:off x="468957" y="1453633"/>
-                    <a:ext cx="230400" cy="230400"/>
-                  </a:xfrm>
-                  <a:prstGeom prst="arc">
-                    <a:avLst>
-                      <a:gd name="adj1" fmla="val 1903571"/>
-                      <a:gd name="adj2" fmla="val 3430841"/>
-                    </a:avLst>
-                  </a:prstGeom>
-                  <a:ln w="19050">
-                    <a:solidFill>
-                      <a:schemeClr val="bg1">
-                        <a:lumMod val="65000"/>
-                      </a:schemeClr>
-                    </a:solidFill>
-                  </a:ln>
-                </p:spPr>
-                <p:style>
-                  <a:lnRef idx="1">
-                    <a:schemeClr val="accent1"/>
-                  </a:lnRef>
-                  <a:fillRef idx="0">
-                    <a:schemeClr val="accent1"/>
-                  </a:fillRef>
-                  <a:effectRef idx="0">
-                    <a:schemeClr val="accent1"/>
-                  </a:effectRef>
-                  <a:fontRef idx="minor">
-                    <a:schemeClr val="tx1"/>
-                  </a:fontRef>
-                </p:style>
-                <p:txBody>
-                  <a:bodyPr rot="0" spcFirstLastPara="0" vertOverflow="overflow" horzOverflow="overflow" vert="horz" wrap="square" lIns="84777" tIns="42389" rIns="84777" bIns="42389" numCol="1" spcCol="0" rtlCol="0" fromWordArt="0" anchor="ctr" anchorCtr="0" forceAA="0" compatLnSpc="1">
-                    <a:prstTxWarp prst="textNoShape">
-                      <a:avLst/>
-                    </a:prstTxWarp>
-                    <a:noAutofit/>
-                  </a:bodyPr>
-                  <a:lstStyle/>
-                  <a:p>
-                    <a:pPr algn="ctr"/>
-                    <a:endParaRPr lang="en-US" sz="482"/>
-                  </a:p>
-                </p:txBody>
-              </p:sp>
-              <p:sp>
-                <p:nvSpPr>
-                  <p:cNvPr id="65" name="Arc 64">
-                    <a:extLst>
-                      <a:ext uri="{FF2B5EF4-FFF2-40B4-BE49-F238E27FC236}">
-                        <a16:creationId xmlns:a16="http://schemas.microsoft.com/office/drawing/2014/main" id="{190A8B31-612A-754E-828A-11E1BE422E5C}"/>
-                      </a:ext>
-                    </a:extLst>
-                  </p:cNvPr>
-                  <p:cNvSpPr>
-                    <a:spLocks/>
-                  </p:cNvSpPr>
-                  <p:nvPr/>
-                </p:nvSpPr>
-                <p:spPr>
-                  <a:xfrm rot="17037771">
-                    <a:off x="468957" y="1453633"/>
-                    <a:ext cx="230400" cy="230400"/>
-                  </a:xfrm>
-                  <a:prstGeom prst="arc">
-                    <a:avLst>
-                      <a:gd name="adj1" fmla="val 15155045"/>
-                      <a:gd name="adj2" fmla="val 19579549"/>
-                    </a:avLst>
-                  </a:prstGeom>
-                  <a:ln w="19050">
-                    <a:solidFill>
-                      <a:srgbClr val="00B0F0"/>
-                    </a:solidFill>
-                  </a:ln>
-                </p:spPr>
-                <p:style>
-                  <a:lnRef idx="1">
-                    <a:schemeClr val="accent1"/>
-                  </a:lnRef>
-                  <a:fillRef idx="0">
-                    <a:schemeClr val="accent1"/>
-                  </a:fillRef>
-                  <a:effectRef idx="0">
-                    <a:schemeClr val="accent1"/>
-                  </a:effectRef>
-                  <a:fontRef idx="minor">
-                    <a:schemeClr val="tx1"/>
-                  </a:fontRef>
-                </p:style>
-                <p:txBody>
-                  <a:bodyPr rot="0" spcFirstLastPara="0" vertOverflow="overflow" horzOverflow="overflow" vert="horz" wrap="square" lIns="84777" tIns="42389" rIns="84777" bIns="42389" numCol="1" spcCol="0" rtlCol="0" fromWordArt="0" anchor="ctr" anchorCtr="0" forceAA="0" compatLnSpc="1">
-                    <a:prstTxWarp prst="textNoShape">
-                      <a:avLst/>
-                    </a:prstTxWarp>
-                    <a:noAutofit/>
-                  </a:bodyPr>
-                  <a:lstStyle/>
-                  <a:p>
-                    <a:pPr algn="ctr"/>
-                    <a:endParaRPr lang="en-US" sz="482"/>
-                  </a:p>
-                </p:txBody>
-              </p:sp>
-            </p:grpSp>
-          </p:grpSp>
-        </p:grpSp>
-        <p:grpSp>
-          <p:nvGrpSpPr>
-            <p:cNvPr id="45" name="Group 44">
-              <a:extLst>
-                <a:ext uri="{FF2B5EF4-FFF2-40B4-BE49-F238E27FC236}">
-                  <a16:creationId xmlns:a16="http://schemas.microsoft.com/office/drawing/2014/main" id="{D38BC727-1FF0-0F4B-BC12-279688FE5ACB}"/>
-                </a:ext>
-              </a:extLst>
-            </p:cNvPr>
-            <p:cNvGrpSpPr/>
-            <p:nvPr/>
-          </p:nvGrpSpPr>
-          <p:grpSpPr>
-            <a:xfrm>
-              <a:off x="1260368" y="1651470"/>
-              <a:ext cx="108000" cy="110865"/>
-              <a:chOff x="855434" y="1717546"/>
-              <a:chExt cx="230402" cy="236512"/>
-            </a:xfrm>
-          </p:grpSpPr>
-          <p:sp>
-            <p:nvSpPr>
-              <p:cNvPr id="51" name="Arc 50">
-                <a:extLst>
-                  <a:ext uri="{FF2B5EF4-FFF2-40B4-BE49-F238E27FC236}">
-                    <a16:creationId xmlns:a16="http://schemas.microsoft.com/office/drawing/2014/main" id="{3BF96ED5-9C1B-C847-A242-5B467095721F}"/>
-                  </a:ext>
-                </a:extLst>
-              </p:cNvPr>
-              <p:cNvSpPr>
-                <a:spLocks/>
-              </p:cNvSpPr>
-              <p:nvPr/>
-            </p:nvSpPr>
-            <p:spPr>
-              <a:xfrm rot="18001998">
-                <a:off x="855440" y="1723640"/>
-                <a:ext cx="230402" cy="230390"/>
-              </a:xfrm>
-              <a:prstGeom prst="arc">
-                <a:avLst>
-                  <a:gd name="adj1" fmla="val 10632298"/>
-                  <a:gd name="adj2" fmla="val 10457479"/>
-                </a:avLst>
-              </a:prstGeom>
-              <a:ln w="19050">
-                <a:solidFill>
-                  <a:schemeClr val="tx1"/>
-                </a:solidFill>
-              </a:ln>
-            </p:spPr>
-            <p:style>
-              <a:lnRef idx="1">
-                <a:schemeClr val="accent1"/>
-              </a:lnRef>
-              <a:fillRef idx="0">
-                <a:schemeClr val="accent1"/>
-              </a:fillRef>
-              <a:effectRef idx="0">
-                <a:schemeClr val="accent1"/>
-              </a:effectRef>
-              <a:fontRef idx="minor">
-                <a:schemeClr val="tx1"/>
-              </a:fontRef>
-            </p:style>
-            <p:txBody>
-              <a:bodyPr rot="0" spcFirstLastPara="0" vertOverflow="overflow" horzOverflow="overflow" vert="horz" wrap="square" lIns="84777" tIns="42389" rIns="84777" bIns="42389" numCol="1" spcCol="0" rtlCol="0" fromWordArt="0" anchor="ctr" anchorCtr="0" forceAA="0" compatLnSpc="1">
-                <a:prstTxWarp prst="textNoShape">
-                  <a:avLst/>
-                </a:prstTxWarp>
-                <a:noAutofit/>
-              </a:bodyPr>
-              <a:lstStyle/>
-              <a:p>
-                <a:pPr algn="ctr"/>
-                <a:endParaRPr lang="en-US" sz="482"/>
-              </a:p>
-            </p:txBody>
-          </p:sp>
-          <p:grpSp>
-            <p:nvGrpSpPr>
-              <p:cNvPr id="52" name="Group 51">
-                <a:extLst>
-                  <a:ext uri="{FF2B5EF4-FFF2-40B4-BE49-F238E27FC236}">
-                    <a16:creationId xmlns:a16="http://schemas.microsoft.com/office/drawing/2014/main" id="{D6CA71A4-7366-7246-8581-2AF58E43362F}"/>
-                  </a:ext>
-                </a:extLst>
-              </p:cNvPr>
-              <p:cNvGrpSpPr/>
-              <p:nvPr/>
-            </p:nvGrpSpPr>
-            <p:grpSpPr>
-              <a:xfrm>
-                <a:off x="855434" y="1717546"/>
-                <a:ext cx="230400" cy="236512"/>
-                <a:chOff x="855434" y="1717546"/>
-                <a:chExt cx="230400" cy="236512"/>
-              </a:xfrm>
-            </p:grpSpPr>
-            <p:sp>
-              <p:nvSpPr>
-                <p:cNvPr id="53" name="Arc 52">
-                  <a:extLst>
-                    <a:ext uri="{FF2B5EF4-FFF2-40B4-BE49-F238E27FC236}">
-                      <a16:creationId xmlns:a16="http://schemas.microsoft.com/office/drawing/2014/main" id="{40BF5506-3E2C-AE44-A62E-E5CFBE07D80B}"/>
-                    </a:ext>
-                  </a:extLst>
-                </p:cNvPr>
-                <p:cNvSpPr>
-                  <a:spLocks/>
-                </p:cNvSpPr>
-                <p:nvPr/>
-              </p:nvSpPr>
-              <p:spPr>
-                <a:xfrm rot="17701178">
-                  <a:off x="855436" y="1723662"/>
-                  <a:ext cx="230397" cy="230396"/>
-                </a:xfrm>
-                <a:prstGeom prst="arc">
-                  <a:avLst>
-                    <a:gd name="adj1" fmla="val 10632298"/>
-                    <a:gd name="adj2" fmla="val 14425220"/>
-                  </a:avLst>
-                </a:prstGeom>
-                <a:ln w="19050">
-                  <a:solidFill>
-                    <a:schemeClr val="bg1">
-                      <a:lumMod val="65000"/>
-                    </a:schemeClr>
-                  </a:solidFill>
-                </a:ln>
-              </p:spPr>
-              <p:style>
-                <a:lnRef idx="1">
-                  <a:schemeClr val="accent1"/>
-                </a:lnRef>
-                <a:fillRef idx="0">
-                  <a:schemeClr val="accent1"/>
-                </a:fillRef>
-                <a:effectRef idx="0">
-                  <a:schemeClr val="accent1"/>
-                </a:effectRef>
-                <a:fontRef idx="minor">
-                  <a:schemeClr val="tx1"/>
-                </a:fontRef>
-              </p:style>
-              <p:txBody>
-                <a:bodyPr rot="0" spcFirstLastPara="0" vertOverflow="overflow" horzOverflow="overflow" vert="horz" wrap="square" lIns="84777" tIns="42389" rIns="84777" bIns="42389" numCol="1" spcCol="0" rtlCol="0" fromWordArt="0" anchor="ctr" anchorCtr="0" forceAA="0" compatLnSpc="1">
-                  <a:prstTxWarp prst="textNoShape">
-                    <a:avLst/>
-                  </a:prstTxWarp>
-                  <a:noAutofit/>
-                </a:bodyPr>
-                <a:lstStyle/>
-                <a:p>
-                  <a:pPr algn="ctr"/>
-                  <a:endParaRPr lang="en-US" sz="482"/>
-                </a:p>
-              </p:txBody>
-            </p:sp>
-            <p:grpSp>
-              <p:nvGrpSpPr>
-                <p:cNvPr id="54" name="Group 53">
-                  <a:extLst>
-                    <a:ext uri="{FF2B5EF4-FFF2-40B4-BE49-F238E27FC236}">
-                      <a16:creationId xmlns:a16="http://schemas.microsoft.com/office/drawing/2014/main" id="{D70AF48F-7F29-8D44-8DB4-357B8430A8AA}"/>
-                    </a:ext>
-                  </a:extLst>
-                </p:cNvPr>
-                <p:cNvGrpSpPr/>
-                <p:nvPr/>
-              </p:nvGrpSpPr>
-              <p:grpSpPr>
-                <a:xfrm>
-                  <a:off x="855434" y="1717546"/>
-                  <a:ext cx="230400" cy="236489"/>
-                  <a:chOff x="855434" y="1717546"/>
-                  <a:chExt cx="230400" cy="236489"/>
-                </a:xfrm>
-              </p:grpSpPr>
-              <p:sp>
-                <p:nvSpPr>
-                  <p:cNvPr id="55" name="Arc 54">
-                    <a:extLst>
-                      <a:ext uri="{FF2B5EF4-FFF2-40B4-BE49-F238E27FC236}">
-                        <a16:creationId xmlns:a16="http://schemas.microsoft.com/office/drawing/2014/main" id="{5A4FBAB5-9DA8-EE41-A53A-14A808F1D49D}"/>
-                      </a:ext>
-                    </a:extLst>
-                  </p:cNvPr>
-                  <p:cNvSpPr>
-                    <a:spLocks/>
-                  </p:cNvSpPr>
-                  <p:nvPr/>
-                </p:nvSpPr>
-                <p:spPr>
-                  <a:xfrm rot="17037771">
-                    <a:off x="855434" y="1717548"/>
-                    <a:ext cx="230401" cy="230398"/>
-                  </a:xfrm>
-                  <a:prstGeom prst="arc">
-                    <a:avLst>
-                      <a:gd name="adj1" fmla="val 21133676"/>
-                      <a:gd name="adj2" fmla="val 413615"/>
-                    </a:avLst>
-                  </a:prstGeom>
-                  <a:ln w="19050">
-                    <a:solidFill>
-                      <a:schemeClr val="bg1">
-                        <a:lumMod val="65000"/>
-                      </a:schemeClr>
-                    </a:solidFill>
-                  </a:ln>
-                </p:spPr>
-                <p:style>
-                  <a:lnRef idx="1">
-                    <a:schemeClr val="accent1"/>
-                  </a:lnRef>
-                  <a:fillRef idx="0">
-                    <a:schemeClr val="accent1"/>
-                  </a:fillRef>
-                  <a:effectRef idx="0">
-                    <a:schemeClr val="accent1"/>
-                  </a:effectRef>
-                  <a:fontRef idx="minor">
-                    <a:schemeClr val="tx1"/>
-                  </a:fontRef>
-                </p:style>
-                <p:txBody>
-                  <a:bodyPr rot="0" spcFirstLastPara="0" vertOverflow="overflow" horzOverflow="overflow" vert="horz" wrap="square" lIns="84777" tIns="42389" rIns="84777" bIns="42389" numCol="1" spcCol="0" rtlCol="0" fromWordArt="0" anchor="ctr" anchorCtr="0" forceAA="0" compatLnSpc="1">
-                    <a:prstTxWarp prst="textNoShape">
-                      <a:avLst/>
-                    </a:prstTxWarp>
-                    <a:noAutofit/>
-                  </a:bodyPr>
-                  <a:lstStyle/>
-                  <a:p>
-                    <a:pPr algn="ctr"/>
-                    <a:endParaRPr lang="en-US" sz="482"/>
-                  </a:p>
-                </p:txBody>
-              </p:sp>
-              <p:sp>
-                <p:nvSpPr>
-                  <p:cNvPr id="56" name="Arc 55">
-                    <a:extLst>
-                      <a:ext uri="{FF2B5EF4-FFF2-40B4-BE49-F238E27FC236}">
-                        <a16:creationId xmlns:a16="http://schemas.microsoft.com/office/drawing/2014/main" id="{ABD731D0-0F0B-1D4B-BFE1-0AD9792358AF}"/>
-                      </a:ext>
-                    </a:extLst>
-                  </p:cNvPr>
-                  <p:cNvSpPr>
-                    <a:spLocks/>
-                  </p:cNvSpPr>
-                  <p:nvPr/>
-                </p:nvSpPr>
-                <p:spPr>
-                  <a:xfrm rot="17037771">
-                    <a:off x="855433" y="1717549"/>
-                    <a:ext cx="230403" cy="230398"/>
-                  </a:xfrm>
-                  <a:prstGeom prst="arc">
-                    <a:avLst>
-                      <a:gd name="adj1" fmla="val 17886997"/>
-                      <a:gd name="adj2" fmla="val 18582721"/>
-                    </a:avLst>
-                  </a:prstGeom>
-                  <a:ln w="19050">
-                    <a:solidFill>
-                      <a:schemeClr val="bg1">
-                        <a:lumMod val="65000"/>
-                      </a:schemeClr>
-                    </a:solidFill>
-                  </a:ln>
-                </p:spPr>
-                <p:style>
-                  <a:lnRef idx="1">
-                    <a:schemeClr val="accent1"/>
-                  </a:lnRef>
-                  <a:fillRef idx="0">
-                    <a:schemeClr val="accent1"/>
-                  </a:fillRef>
-                  <a:effectRef idx="0">
-                    <a:schemeClr val="accent1"/>
-                  </a:effectRef>
-                  <a:fontRef idx="minor">
-                    <a:schemeClr val="tx1"/>
-                  </a:fontRef>
-                </p:style>
-                <p:txBody>
-                  <a:bodyPr rot="0" spcFirstLastPara="0" vertOverflow="overflow" horzOverflow="overflow" vert="horz" wrap="square" lIns="84777" tIns="42389" rIns="84777" bIns="42389" numCol="1" spcCol="0" rtlCol="0" fromWordArt="0" anchor="ctr" anchorCtr="0" forceAA="0" compatLnSpc="1">
-                    <a:prstTxWarp prst="textNoShape">
-                      <a:avLst/>
-                    </a:prstTxWarp>
-                    <a:noAutofit/>
-                  </a:bodyPr>
-                  <a:lstStyle/>
-                  <a:p>
-                    <a:pPr algn="ctr"/>
-                    <a:endParaRPr lang="en-US" sz="482"/>
-                  </a:p>
-                </p:txBody>
-              </p:sp>
-              <p:sp>
-                <p:nvSpPr>
-                  <p:cNvPr id="57" name="Arc 56">
-                    <a:extLst>
-                      <a:ext uri="{FF2B5EF4-FFF2-40B4-BE49-F238E27FC236}">
-                        <a16:creationId xmlns:a16="http://schemas.microsoft.com/office/drawing/2014/main" id="{681A21E3-5E46-A04E-871A-E3132F0E0098}"/>
-                      </a:ext>
-                    </a:extLst>
-                  </p:cNvPr>
-                  <p:cNvSpPr>
-                    <a:spLocks/>
-                  </p:cNvSpPr>
-                  <p:nvPr/>
-                </p:nvSpPr>
-                <p:spPr>
-                  <a:xfrm rot="11844296">
-                    <a:off x="855434" y="1723638"/>
-                    <a:ext cx="230400" cy="230397"/>
-                  </a:xfrm>
-                  <a:prstGeom prst="arc">
-                    <a:avLst>
-                      <a:gd name="adj1" fmla="val 6765503"/>
-                      <a:gd name="adj2" fmla="val 8334758"/>
-                    </a:avLst>
-                  </a:prstGeom>
-                  <a:ln w="19050">
-                    <a:solidFill>
-                      <a:schemeClr val="bg1">
-                        <a:lumMod val="65000"/>
-                      </a:schemeClr>
-                    </a:solidFill>
-                  </a:ln>
-                </p:spPr>
-                <p:style>
-                  <a:lnRef idx="1">
-                    <a:schemeClr val="accent1"/>
-                  </a:lnRef>
-                  <a:fillRef idx="0">
-                    <a:schemeClr val="accent1"/>
-                  </a:fillRef>
-                  <a:effectRef idx="0">
-                    <a:schemeClr val="accent1"/>
-                  </a:effectRef>
-                  <a:fontRef idx="minor">
-                    <a:schemeClr val="tx1"/>
-                  </a:fontRef>
-                </p:style>
-                <p:txBody>
-                  <a:bodyPr rot="0" spcFirstLastPara="0" vertOverflow="overflow" horzOverflow="overflow" vert="horz" wrap="square" lIns="84777" tIns="42389" rIns="84777" bIns="42389" numCol="1" spcCol="0" rtlCol="0" fromWordArt="0" anchor="ctr" anchorCtr="0" forceAA="0" compatLnSpc="1">
-                    <a:prstTxWarp prst="textNoShape">
-                      <a:avLst/>
-                    </a:prstTxWarp>
-                    <a:noAutofit/>
-                  </a:bodyPr>
-                  <a:lstStyle/>
-                  <a:p>
-                    <a:pPr algn="ctr"/>
-                    <a:endParaRPr lang="en-US" sz="482"/>
-                  </a:p>
-                </p:txBody>
-              </p:sp>
-            </p:grpSp>
-          </p:grpSp>
-        </p:grpSp>
-        <p:cxnSp>
-          <p:nvCxnSpPr>
-            <p:cNvPr id="46" name="Straight Arrow Connector 45">
-              <a:extLst>
-                <a:ext uri="{FF2B5EF4-FFF2-40B4-BE49-F238E27FC236}">
-                  <a16:creationId xmlns:a16="http://schemas.microsoft.com/office/drawing/2014/main" id="{18EEB3D9-5A70-4B4A-A79B-58E3D712F830}"/>
-                </a:ext>
-              </a:extLst>
-            </p:cNvPr>
-            <p:cNvCxnSpPr>
-              <a:cxnSpLocks/>
-            </p:cNvCxnSpPr>
-            <p:nvPr/>
-          </p:nvCxnSpPr>
-          <p:spPr>
-            <a:xfrm flipH="1" flipV="1">
-              <a:off x="1203341" y="1439733"/>
-              <a:ext cx="114060" cy="2076"/>
-            </a:xfrm>
-            <a:prstGeom prst="straightConnector1">
-              <a:avLst/>
-            </a:prstGeom>
-            <a:ln w="12700" cap="rnd">
-              <a:solidFill>
-                <a:schemeClr val="tx1"/>
-              </a:solidFill>
-              <a:round/>
-              <a:tailEnd type="triangle" w="sm" len="sm"/>
-            </a:ln>
-          </p:spPr>
-          <p:style>
-            <a:lnRef idx="1">
-              <a:schemeClr val="accent1"/>
-            </a:lnRef>
-            <a:fillRef idx="0">
-              <a:schemeClr val="accent1"/>
-            </a:fillRef>
-            <a:effectRef idx="0">
-              <a:schemeClr val="accent1"/>
-            </a:effectRef>
-            <a:fontRef idx="minor">
-              <a:schemeClr val="tx1"/>
-            </a:fontRef>
-          </p:style>
-        </p:cxnSp>
-        <p:cxnSp>
-          <p:nvCxnSpPr>
-            <p:cNvPr id="47" name="Straight Arrow Connector 46">
-              <a:extLst>
-                <a:ext uri="{FF2B5EF4-FFF2-40B4-BE49-F238E27FC236}">
-                  <a16:creationId xmlns:a16="http://schemas.microsoft.com/office/drawing/2014/main" id="{4C62C3A7-3326-CF43-A401-A67481E5F107}"/>
-                </a:ext>
-              </a:extLst>
-            </p:cNvPr>
-            <p:cNvCxnSpPr>
-              <a:cxnSpLocks/>
-            </p:cNvCxnSpPr>
-            <p:nvPr/>
-          </p:nvCxnSpPr>
-          <p:spPr>
-            <a:xfrm flipH="1">
-              <a:off x="1345631" y="1543475"/>
-              <a:ext cx="32126" cy="99841"/>
-            </a:xfrm>
-            <a:prstGeom prst="straightConnector1">
-              <a:avLst/>
-            </a:prstGeom>
-            <a:ln w="12700" cap="rnd">
-              <a:solidFill>
-                <a:schemeClr val="tx1"/>
-              </a:solidFill>
-              <a:round/>
-              <a:tailEnd type="triangle" w="sm" len="sm"/>
-            </a:ln>
-          </p:spPr>
-          <p:style>
-            <a:lnRef idx="1">
-              <a:schemeClr val="accent1"/>
-            </a:lnRef>
-            <a:fillRef idx="0">
-              <a:schemeClr val="accent1"/>
-            </a:fillRef>
-            <a:effectRef idx="0">
-              <a:schemeClr val="accent1"/>
-            </a:effectRef>
-            <a:fontRef idx="minor">
-              <a:schemeClr val="tx1"/>
-            </a:fontRef>
-          </p:style>
-        </p:cxnSp>
-        <p:cxnSp>
-          <p:nvCxnSpPr>
-            <p:cNvPr id="48" name="Straight Arrow Connector 47">
-              <a:extLst>
-                <a:ext uri="{FF2B5EF4-FFF2-40B4-BE49-F238E27FC236}">
-                  <a16:creationId xmlns:a16="http://schemas.microsoft.com/office/drawing/2014/main" id="{005696F7-76CE-6B48-8EE0-91D2EB9FFDC7}"/>
-                </a:ext>
-              </a:extLst>
-            </p:cNvPr>
-            <p:cNvCxnSpPr>
-              <a:cxnSpLocks/>
-            </p:cNvCxnSpPr>
-            <p:nvPr/>
-          </p:nvCxnSpPr>
-          <p:spPr>
-            <a:xfrm flipV="1">
-              <a:off x="1491685" y="1394838"/>
-              <a:ext cx="111431" cy="40170"/>
-            </a:xfrm>
-            <a:prstGeom prst="straightConnector1">
-              <a:avLst/>
-            </a:prstGeom>
-            <a:ln w="12700" cap="rnd">
-              <a:solidFill>
-                <a:schemeClr val="tx1"/>
-              </a:solidFill>
-              <a:round/>
-              <a:tailEnd type="triangle" w="sm" len="sm"/>
-            </a:ln>
-          </p:spPr>
-          <p:style>
-            <a:lnRef idx="1">
-              <a:schemeClr val="accent1"/>
-            </a:lnRef>
-            <a:fillRef idx="0">
-              <a:schemeClr val="accent1"/>
-            </a:fillRef>
-            <a:effectRef idx="0">
-              <a:schemeClr val="accent1"/>
-            </a:effectRef>
-            <a:fontRef idx="minor">
-              <a:schemeClr val="tx1"/>
-            </a:fontRef>
-          </p:style>
-        </p:cxnSp>
-        <p:cxnSp>
-          <p:nvCxnSpPr>
-            <p:cNvPr id="49" name="Straight Arrow Connector 48">
-              <a:extLst>
-                <a:ext uri="{FF2B5EF4-FFF2-40B4-BE49-F238E27FC236}">
-                  <a16:creationId xmlns:a16="http://schemas.microsoft.com/office/drawing/2014/main" id="{90E52C70-3FE9-6949-A476-37AED2B8E586}"/>
-                </a:ext>
-              </a:extLst>
-            </p:cNvPr>
-            <p:cNvCxnSpPr>
-              <a:cxnSpLocks/>
-            </p:cNvCxnSpPr>
-            <p:nvPr/>
-          </p:nvCxnSpPr>
-          <p:spPr>
-            <a:xfrm>
-              <a:off x="1484584" y="1475297"/>
-              <a:ext cx="185122" cy="43383"/>
-            </a:xfrm>
-            <a:prstGeom prst="straightConnector1">
-              <a:avLst/>
-            </a:prstGeom>
-            <a:ln w="12700" cap="rnd">
-              <a:solidFill>
-                <a:schemeClr val="tx1"/>
-              </a:solidFill>
-              <a:round/>
-              <a:tailEnd type="triangle" w="sm" len="sm"/>
-            </a:ln>
-          </p:spPr>
-          <p:style>
-            <a:lnRef idx="1">
-              <a:schemeClr val="accent1"/>
-            </a:lnRef>
-            <a:fillRef idx="0">
-              <a:schemeClr val="accent1"/>
-            </a:fillRef>
-            <a:effectRef idx="0">
-              <a:schemeClr val="accent1"/>
-            </a:effectRef>
-            <a:fontRef idx="minor">
-              <a:schemeClr val="tx1"/>
-            </a:fontRef>
-          </p:style>
-        </p:cxnSp>
-        <p:cxnSp>
-          <p:nvCxnSpPr>
-            <p:cNvPr id="50" name="Straight Arrow Connector 49">
-              <a:extLst>
-                <a:ext uri="{FF2B5EF4-FFF2-40B4-BE49-F238E27FC236}">
-                  <a16:creationId xmlns:a16="http://schemas.microsoft.com/office/drawing/2014/main" id="{B865D73A-0820-9B4C-A005-BC3AEFB6FE66}"/>
-                </a:ext>
-              </a:extLst>
-            </p:cNvPr>
-            <p:cNvCxnSpPr>
-              <a:cxnSpLocks/>
-            </p:cNvCxnSpPr>
-            <p:nvPr/>
-          </p:nvCxnSpPr>
-          <p:spPr>
-            <a:xfrm>
-              <a:off x="1456660" y="1524886"/>
-              <a:ext cx="73620" cy="69935"/>
-            </a:xfrm>
-            <a:prstGeom prst="straightConnector1">
-              <a:avLst/>
-            </a:prstGeom>
-            <a:ln w="12700" cap="rnd">
-              <a:solidFill>
-                <a:schemeClr val="tx1"/>
-              </a:solidFill>
-              <a:round/>
-              <a:tailEnd type="triangle" w="sm" len="sm"/>
-            </a:ln>
-          </p:spPr>
-          <p:style>
-            <a:lnRef idx="1">
-              <a:schemeClr val="accent1"/>
-            </a:lnRef>
-            <a:fillRef idx="0">
-              <a:schemeClr val="accent1"/>
-            </a:fillRef>
-            <a:effectRef idx="0">
-              <a:schemeClr val="accent1"/>
-            </a:effectRef>
-            <a:fontRef idx="minor">
-              <a:schemeClr val="tx1"/>
-            </a:fontRef>
-          </p:style>
-        </p:cxnSp>
-      </p:grpSp>
-      <p:cxnSp>
-        <p:nvCxnSpPr>
-          <p:cNvPr id="93" name="Straight Arrow Connector 92">
-            <a:extLst>
-              <a:ext uri="{FF2B5EF4-FFF2-40B4-BE49-F238E27FC236}">
-                <a16:creationId xmlns:a16="http://schemas.microsoft.com/office/drawing/2014/main" id="{1A8C30D0-D029-3746-8AC8-61190117E013}"/>
-              </a:ext>
-            </a:extLst>
-          </p:cNvPr>
-          <p:cNvCxnSpPr>
-            <a:cxnSpLocks/>
-          </p:cNvCxnSpPr>
-          <p:nvPr/>
-        </p:nvCxnSpPr>
-        <p:spPr>
-          <a:xfrm>
-            <a:off x="2256135" y="572400"/>
-            <a:ext cx="6294" cy="1686792"/>
-          </a:xfrm>
-          <a:prstGeom prst="straightConnector1">
-            <a:avLst/>
-          </a:prstGeom>
-          <a:ln w="19050" cap="rnd">
-            <a:solidFill>
-              <a:schemeClr val="tx1"/>
-            </a:solidFill>
-            <a:prstDash val="sysDot"/>
-            <a:tailEnd type="triangle" w="sm" len="sm"/>
-          </a:ln>
-        </p:spPr>
-        <p:style>
-          <a:lnRef idx="1">
-            <a:schemeClr val="accent1"/>
-          </a:lnRef>
-          <a:fillRef idx="0">
-            <a:schemeClr val="accent1"/>
-          </a:fillRef>
-          <a:effectRef idx="0">
-            <a:schemeClr val="accent1"/>
-          </a:effectRef>
-          <a:fontRef idx="minor">
-            <a:schemeClr val="tx1"/>
-          </a:fontRef>
-        </p:style>
-      </p:cxnSp>
-      <p:sp>
-        <p:nvSpPr>
-          <p:cNvPr id="94" name="Right Brace 93">
-            <a:extLst>
-              <a:ext uri="{FF2B5EF4-FFF2-40B4-BE49-F238E27FC236}">
-                <a16:creationId xmlns:a16="http://schemas.microsoft.com/office/drawing/2014/main" id="{7E338204-DF38-7541-A14B-1A0BE5AAF787}"/>
-              </a:ext>
-            </a:extLst>
-          </p:cNvPr>
-          <p:cNvSpPr/>
-          <p:nvPr/>
-        </p:nvSpPr>
-        <p:spPr>
-          <a:xfrm>
-            <a:off x="1745270" y="351248"/>
-            <a:ext cx="83868" cy="443089"/>
-          </a:xfrm>
-          <a:prstGeom prst="rightBrace">
-            <a:avLst>
-              <a:gd name="adj1" fmla="val 75603"/>
-              <a:gd name="adj2" fmla="val 50000"/>
-            </a:avLst>
-          </a:prstGeom>
-          <a:ln w="19050">
-            <a:solidFill>
-              <a:schemeClr val="tx1"/>
-            </a:solidFill>
-          </a:ln>
-        </p:spPr>
-        <p:style>
-          <a:lnRef idx="1">
-            <a:schemeClr val="accent1"/>
-          </a:lnRef>
-          <a:fillRef idx="0">
-            <a:schemeClr val="accent1"/>
-          </a:fillRef>
-          <a:effectRef idx="0">
-            <a:schemeClr val="accent1"/>
-          </a:effectRef>
-          <a:fontRef idx="minor">
-            <a:schemeClr val="tx1"/>
-          </a:fontRef>
-        </p:style>
-        <p:txBody>
-          <a:bodyPr rot="0" spcFirstLastPara="0" vertOverflow="overflow" horzOverflow="overflow" vert="horz" wrap="square" lIns="91440" tIns="45720" rIns="91440" bIns="45720" numCol="1" spcCol="0" rtlCol="0" fromWordArt="0" anchor="ctr" anchorCtr="0" forceAA="0" compatLnSpc="1">
-            <a:prstTxWarp prst="textNoShape">
-              <a:avLst/>
-            </a:prstTxWarp>
-            <a:noAutofit/>
-          </a:bodyPr>
-          <a:lstStyle/>
-          <a:p>
-            <a:pPr algn="ctr"/>
-            <a:endParaRPr lang="en-US"/>
-          </a:p>
-        </p:txBody>
-      </p:sp>
-      <p:cxnSp>
-        <p:nvCxnSpPr>
-          <p:cNvPr id="95" name="Straight Arrow Connector 94">
-            <a:extLst>
-              <a:ext uri="{FF2B5EF4-FFF2-40B4-BE49-F238E27FC236}">
-                <a16:creationId xmlns:a16="http://schemas.microsoft.com/office/drawing/2014/main" id="{72B20801-6B54-5549-BB10-D4E2160432EC}"/>
-              </a:ext>
-            </a:extLst>
-          </p:cNvPr>
-          <p:cNvCxnSpPr>
-            <a:cxnSpLocks/>
-          </p:cNvCxnSpPr>
-          <p:nvPr/>
-        </p:nvCxnSpPr>
-        <p:spPr>
-          <a:xfrm>
-            <a:off x="411704" y="917259"/>
-            <a:ext cx="114384" cy="229976"/>
-          </a:xfrm>
-          <a:prstGeom prst="straightConnector1">
-            <a:avLst/>
-          </a:prstGeom>
-          <a:ln w="19050" cap="rnd">
-            <a:solidFill>
-              <a:schemeClr val="tx1"/>
-            </a:solidFill>
-            <a:tailEnd type="triangle" w="sm" len="sm"/>
-          </a:ln>
-        </p:spPr>
-        <p:style>
-          <a:lnRef idx="1">
-            <a:schemeClr val="accent1"/>
-          </a:lnRef>
-          <a:fillRef idx="0">
-            <a:schemeClr val="accent1"/>
-          </a:fillRef>
-          <a:effectRef idx="0">
-            <a:schemeClr val="accent1"/>
-          </a:effectRef>
-          <a:fontRef idx="minor">
-            <a:schemeClr val="tx1"/>
-          </a:fontRef>
-        </p:style>
-      </p:cxnSp>
-      <p:cxnSp>
-        <p:nvCxnSpPr>
-          <p:cNvPr id="96" name="Straight Arrow Connector 95">
-            <a:extLst>
-              <a:ext uri="{FF2B5EF4-FFF2-40B4-BE49-F238E27FC236}">
-                <a16:creationId xmlns:a16="http://schemas.microsoft.com/office/drawing/2014/main" id="{CBC6EA6A-F96C-A248-91B7-DDF4325EFEBF}"/>
-              </a:ext>
-            </a:extLst>
-          </p:cNvPr>
-          <p:cNvCxnSpPr>
-            <a:cxnSpLocks/>
-          </p:cNvCxnSpPr>
-          <p:nvPr/>
-        </p:nvCxnSpPr>
-        <p:spPr>
-          <a:xfrm flipH="1">
-            <a:off x="1270698" y="917172"/>
-            <a:ext cx="114384" cy="229976"/>
-          </a:xfrm>
-          <a:prstGeom prst="straightConnector1">
-            <a:avLst/>
-          </a:prstGeom>
-          <a:ln w="19050" cap="rnd">
-            <a:solidFill>
-              <a:schemeClr val="tx1"/>
-            </a:solidFill>
-            <a:tailEnd type="triangle" w="sm" len="sm"/>
-          </a:ln>
-        </p:spPr>
-        <p:style>
-          <a:lnRef idx="1">
-            <a:schemeClr val="accent1"/>
-          </a:lnRef>
-          <a:fillRef idx="0">
-            <a:schemeClr val="accent1"/>
-          </a:fillRef>
-          <a:effectRef idx="0">
-            <a:schemeClr val="accent1"/>
-          </a:effectRef>
-          <a:fontRef idx="minor">
-            <a:schemeClr val="tx1"/>
-          </a:fontRef>
-        </p:style>
-      </p:cxnSp>
-      <p:sp>
-        <p:nvSpPr>
-          <p:cNvPr id="97" name="TextBox 96">
-            <a:extLst>
-              <a:ext uri="{FF2B5EF4-FFF2-40B4-BE49-F238E27FC236}">
-                <a16:creationId xmlns:a16="http://schemas.microsoft.com/office/drawing/2014/main" id="{F70D9E71-F4EB-2542-B3E1-3ED64C8E9D66}"/>
-              </a:ext>
-            </a:extLst>
-          </p:cNvPr>
-          <p:cNvSpPr txBox="1"/>
-          <p:nvPr/>
-        </p:nvSpPr>
-        <p:spPr>
-          <a:xfrm>
-            <a:off x="-182365" y="155747"/>
-            <a:ext cx="1344323" cy="290849"/>
-          </a:xfrm>
-          <a:prstGeom prst="rect">
-            <a:avLst/>
-          </a:prstGeom>
-          <a:noFill/>
-        </p:spPr>
-        <p:txBody>
-          <a:bodyPr wrap="square" rtlCol="0">
-            <a:spAutoFit/>
-          </a:bodyPr>
-          <a:lstStyle/>
-          <a:p>
-            <a:pPr algn="ctr"/>
-            <a:r>
-              <a:rPr lang="en-US" sz="600" i="1" dirty="0">
-                <a:latin typeface="Arial" panose="020B0604020202020204" pitchFamily="34" charset="0"/>
-                <a:cs typeface="Arial" panose="020B0604020202020204" pitchFamily="34" charset="0"/>
-              </a:rPr>
-              <a:t>Between hosts transmission</a:t>
-            </a:r>
-          </a:p>
-          <a:p>
-            <a:pPr algn="ctr"/>
-            <a:endParaRPr lang="en-US" dirty="0"/>
-          </a:p>
-        </p:txBody>
-      </p:sp>
-      <p:sp>
-        <p:nvSpPr>
-          <p:cNvPr id="98" name="TextBox 97">
-            <a:extLst>
-              <a:ext uri="{FF2B5EF4-FFF2-40B4-BE49-F238E27FC236}">
-                <a16:creationId xmlns:a16="http://schemas.microsoft.com/office/drawing/2014/main" id="{F9CC77D0-5E30-8449-8CC4-9099E803150D}"/>
-              </a:ext>
-            </a:extLst>
-          </p:cNvPr>
-          <p:cNvSpPr txBox="1"/>
-          <p:nvPr/>
-        </p:nvSpPr>
-        <p:spPr>
-          <a:xfrm>
-            <a:off x="953198" y="146147"/>
-            <a:ext cx="1037521" cy="290849"/>
-          </a:xfrm>
-          <a:prstGeom prst="rect">
-            <a:avLst/>
-          </a:prstGeom>
-          <a:noFill/>
-        </p:spPr>
-        <p:txBody>
-          <a:bodyPr wrap="square" rtlCol="0">
-            <a:spAutoFit/>
-          </a:bodyPr>
-          <a:lstStyle/>
-          <a:p>
-            <a:pPr algn="ctr"/>
-            <a:r>
-              <a:rPr lang="en-US" sz="600" i="1" dirty="0">
-                <a:latin typeface="Arial" panose="020B0604020202020204" pitchFamily="34" charset="0"/>
-                <a:cs typeface="Arial" panose="020B0604020202020204" pitchFamily="34" charset="0"/>
-              </a:rPr>
-              <a:t>Within hosts competition</a:t>
-            </a:r>
-          </a:p>
-          <a:p>
-            <a:pPr algn="ctr"/>
-            <a:endParaRPr lang="en-US" dirty="0"/>
-          </a:p>
-        </p:txBody>
-      </p:sp>
-      <p:cxnSp>
-        <p:nvCxnSpPr>
-          <p:cNvPr id="99" name="Straight Connector 98">
-            <a:extLst>
-              <a:ext uri="{FF2B5EF4-FFF2-40B4-BE49-F238E27FC236}">
-                <a16:creationId xmlns:a16="http://schemas.microsoft.com/office/drawing/2014/main" id="{98CD893F-04DD-3549-9220-E025D839D6F8}"/>
-              </a:ext>
-            </a:extLst>
-          </p:cNvPr>
-          <p:cNvCxnSpPr>
-            <a:cxnSpLocks/>
-          </p:cNvCxnSpPr>
-          <p:nvPr/>
-        </p:nvCxnSpPr>
-        <p:spPr>
-          <a:xfrm>
-            <a:off x="1827174" y="570317"/>
-            <a:ext cx="50673" cy="1088"/>
-          </a:xfrm>
-          <a:prstGeom prst="line">
-            <a:avLst/>
-          </a:prstGeom>
-          <a:ln w="19050" cap="rnd">
-            <a:solidFill>
-              <a:schemeClr val="tx1"/>
-            </a:solidFill>
-          </a:ln>
-        </p:spPr>
-        <p:style>
-          <a:lnRef idx="1">
-            <a:schemeClr val="accent1"/>
-          </a:lnRef>
-          <a:fillRef idx="0">
-            <a:schemeClr val="accent1"/>
-          </a:fillRef>
-          <a:effectRef idx="0">
-            <a:schemeClr val="accent1"/>
-          </a:effectRef>
-          <a:fontRef idx="minor">
-            <a:schemeClr val="tx1"/>
-          </a:fontRef>
-        </p:style>
-      </p:cxnSp>
-      <p:cxnSp>
-        <p:nvCxnSpPr>
-          <p:cNvPr id="100" name="Straight Arrow Connector 99">
-            <a:extLst>
-              <a:ext uri="{FF2B5EF4-FFF2-40B4-BE49-F238E27FC236}">
-                <a16:creationId xmlns:a16="http://schemas.microsoft.com/office/drawing/2014/main" id="{1A039878-E261-D245-826B-BB09AC1EEC6D}"/>
-              </a:ext>
-            </a:extLst>
-          </p:cNvPr>
-          <p:cNvCxnSpPr>
-            <a:cxnSpLocks/>
-          </p:cNvCxnSpPr>
-          <p:nvPr/>
-        </p:nvCxnSpPr>
-        <p:spPr>
-          <a:xfrm>
-            <a:off x="524449" y="1948663"/>
-            <a:ext cx="0" cy="303867"/>
-          </a:xfrm>
-          <a:prstGeom prst="straightConnector1">
-            <a:avLst/>
-          </a:prstGeom>
-          <a:ln w="19050" cap="rnd">
-            <a:solidFill>
-              <a:schemeClr val="tx1"/>
-            </a:solidFill>
-            <a:prstDash val="sysDot"/>
-            <a:tailEnd type="triangle" w="sm" len="sm"/>
-          </a:ln>
-        </p:spPr>
-        <p:style>
-          <a:lnRef idx="1">
-            <a:schemeClr val="accent1"/>
-          </a:lnRef>
-          <a:fillRef idx="0">
-            <a:schemeClr val="accent1"/>
-          </a:fillRef>
-          <a:effectRef idx="0">
-            <a:schemeClr val="accent1"/>
-          </a:effectRef>
-          <a:fontRef idx="minor">
-            <a:schemeClr val="tx1"/>
-          </a:fontRef>
-        </p:style>
-      </p:cxnSp>
-      <p:cxnSp>
-        <p:nvCxnSpPr>
-          <p:cNvPr id="101" name="Straight Arrow Connector 100">
-            <a:extLst>
-              <a:ext uri="{FF2B5EF4-FFF2-40B4-BE49-F238E27FC236}">
-                <a16:creationId xmlns:a16="http://schemas.microsoft.com/office/drawing/2014/main" id="{9DCA50A5-C156-FD49-8F3D-57295C30D8E4}"/>
-              </a:ext>
-            </a:extLst>
-          </p:cNvPr>
-          <p:cNvCxnSpPr>
-            <a:cxnSpLocks/>
-          </p:cNvCxnSpPr>
-          <p:nvPr/>
-        </p:nvCxnSpPr>
-        <p:spPr>
-          <a:xfrm>
-            <a:off x="1325672" y="1948663"/>
-            <a:ext cx="0" cy="303867"/>
-          </a:xfrm>
-          <a:prstGeom prst="straightConnector1">
-            <a:avLst/>
-          </a:prstGeom>
-          <a:ln w="19050" cap="rnd">
-            <a:solidFill>
-              <a:schemeClr val="tx1"/>
-            </a:solidFill>
-            <a:tailEnd type="triangle" w="sm" len="sm"/>
-          </a:ln>
-        </p:spPr>
-        <p:style>
-          <a:lnRef idx="1">
-            <a:schemeClr val="accent1"/>
-          </a:lnRef>
-          <a:fillRef idx="0">
-            <a:schemeClr val="accent1"/>
-          </a:fillRef>
-          <a:effectRef idx="0">
-            <a:schemeClr val="accent1"/>
-          </a:effectRef>
-          <a:fontRef idx="minor">
-            <a:schemeClr val="tx1"/>
-          </a:fontRef>
-        </p:style>
-      </p:cxnSp>
-      <p:sp>
-        <p:nvSpPr>
-          <p:cNvPr id="102" name="Round Diagonal Corner Rectangle 101">
-            <a:extLst>
-              <a:ext uri="{FF2B5EF4-FFF2-40B4-BE49-F238E27FC236}">
-                <a16:creationId xmlns:a16="http://schemas.microsoft.com/office/drawing/2014/main" id="{39E13316-E817-1E4F-8259-E06668957327}"/>
-              </a:ext>
-            </a:extLst>
-          </p:cNvPr>
-          <p:cNvSpPr/>
-          <p:nvPr/>
-        </p:nvSpPr>
-        <p:spPr>
-          <a:xfrm>
-            <a:off x="2484945" y="18786"/>
-            <a:ext cx="652734" cy="196435"/>
-          </a:xfrm>
-          <a:prstGeom prst="round2DiagRect">
-            <a:avLst>
-              <a:gd name="adj1" fmla="val 50000"/>
-              <a:gd name="adj2" fmla="val 0"/>
-            </a:avLst>
-          </a:prstGeom>
-          <a:solidFill>
-            <a:srgbClr val="AAD28E"/>
-          </a:solidFill>
-          <a:ln>
-            <a:solidFill>
-              <a:schemeClr val="accent6">
-                <a:lumMod val="50000"/>
-              </a:schemeClr>
-            </a:solidFill>
-          </a:ln>
-          <a:effectLst>
-            <a:outerShdw blurRad="50800" dist="38100" dir="8100000" algn="tr" rotWithShape="0">
-              <a:prstClr val="black">
-                <a:alpha val="40000"/>
-              </a:prstClr>
-            </a:outerShdw>
-          </a:effectLst>
-        </p:spPr>
-        <p:style>
-          <a:lnRef idx="2">
-            <a:schemeClr val="accent1">
-              <a:shade val="50000"/>
-            </a:schemeClr>
-          </a:lnRef>
-          <a:fillRef idx="1">
-            <a:schemeClr val="accent1"/>
-          </a:fillRef>
-          <a:effectRef idx="0">
-            <a:schemeClr val="accent1"/>
-          </a:effectRef>
-          <a:fontRef idx="minor">
-            <a:schemeClr val="lt1"/>
-          </a:fontRef>
-        </p:style>
-        <p:txBody>
-          <a:bodyPr rot="0" spcFirstLastPara="0" vertOverflow="overflow" horzOverflow="overflow" vert="horz" wrap="square" lIns="91440" tIns="45720" rIns="91440" bIns="45720" numCol="1" spcCol="0" rtlCol="0" fromWordArt="0" anchor="ctr" anchorCtr="0" forceAA="0" compatLnSpc="1">
-            <a:prstTxWarp prst="textNoShape">
-              <a:avLst/>
-            </a:prstTxWarp>
-            <a:noAutofit/>
-          </a:bodyPr>
-          <a:lstStyle/>
-          <a:p>
-            <a:pPr algn="ctr"/>
-            <a:endParaRPr lang="en-US"/>
-          </a:p>
-        </p:txBody>
-      </p:sp>
-      <p:sp>
-        <p:nvSpPr>
-          <p:cNvPr id="103" name="Round Diagonal Corner Rectangle 102">
-            <a:extLst>
-              <a:ext uri="{FF2B5EF4-FFF2-40B4-BE49-F238E27FC236}">
-                <a16:creationId xmlns:a16="http://schemas.microsoft.com/office/drawing/2014/main" id="{87CFB39C-F8B2-B146-BFF8-5DBAB7AEC7B1}"/>
-              </a:ext>
-            </a:extLst>
-          </p:cNvPr>
-          <p:cNvSpPr/>
-          <p:nvPr/>
-        </p:nvSpPr>
-        <p:spPr>
-          <a:xfrm>
-            <a:off x="2489144" y="1029789"/>
-            <a:ext cx="646411" cy="196435"/>
-          </a:xfrm>
-          <a:prstGeom prst="round2DiagRect">
-            <a:avLst>
-              <a:gd name="adj1" fmla="val 50000"/>
-              <a:gd name="adj2" fmla="val 0"/>
-            </a:avLst>
-          </a:prstGeom>
-          <a:solidFill>
-            <a:srgbClr val="F8CBAE"/>
-          </a:solidFill>
-          <a:ln>
-            <a:solidFill>
-              <a:schemeClr val="accent2">
-                <a:lumMod val="75000"/>
-              </a:schemeClr>
-            </a:solidFill>
-          </a:ln>
-          <a:effectLst>
-            <a:outerShdw blurRad="50800" dist="38100" dir="8100000" algn="tr" rotWithShape="0">
-              <a:prstClr val="black">
-                <a:alpha val="40000"/>
-              </a:prstClr>
-            </a:outerShdw>
-          </a:effectLst>
-        </p:spPr>
-        <p:style>
-          <a:lnRef idx="2">
-            <a:schemeClr val="accent1">
-              <a:shade val="50000"/>
-            </a:schemeClr>
-          </a:lnRef>
-          <a:fillRef idx="1">
-            <a:schemeClr val="accent1"/>
-          </a:fillRef>
-          <a:effectRef idx="0">
-            <a:schemeClr val="accent1"/>
-          </a:effectRef>
-          <a:fontRef idx="minor">
-            <a:schemeClr val="lt1"/>
-          </a:fontRef>
-        </p:style>
-        <p:txBody>
-          <a:bodyPr rot="0" spcFirstLastPara="0" vertOverflow="overflow" horzOverflow="overflow" vert="horz" wrap="square" lIns="91440" tIns="45720" rIns="91440" bIns="45720" numCol="1" spcCol="0" rtlCol="0" fromWordArt="0" anchor="ctr" anchorCtr="0" forceAA="0" compatLnSpc="1">
-            <a:prstTxWarp prst="textNoShape">
-              <a:avLst/>
-            </a:prstTxWarp>
-            <a:noAutofit/>
-          </a:bodyPr>
-          <a:lstStyle/>
-          <a:p>
-            <a:pPr algn="ctr"/>
-            <a:endParaRPr lang="en-US"/>
-          </a:p>
-        </p:txBody>
-      </p:sp>
-      <p:sp>
-        <p:nvSpPr>
-          <p:cNvPr id="104" name="Round Diagonal Corner Rectangle 103">
-            <a:extLst>
-              <a:ext uri="{FF2B5EF4-FFF2-40B4-BE49-F238E27FC236}">
-                <a16:creationId xmlns:a16="http://schemas.microsoft.com/office/drawing/2014/main" id="{0933BC11-F9A2-CD43-80DA-2802A60B296C}"/>
-              </a:ext>
-            </a:extLst>
-          </p:cNvPr>
-          <p:cNvSpPr/>
-          <p:nvPr/>
-        </p:nvSpPr>
-        <p:spPr>
-          <a:xfrm>
-            <a:off x="2484951" y="2070717"/>
-            <a:ext cx="646411" cy="196435"/>
-          </a:xfrm>
-          <a:prstGeom prst="round2DiagRect">
-            <a:avLst>
-              <a:gd name="adj1" fmla="val 50000"/>
-              <a:gd name="adj2" fmla="val 0"/>
-            </a:avLst>
-          </a:prstGeom>
-          <a:solidFill>
-            <a:srgbClr val="B3C7E7"/>
-          </a:solidFill>
-          <a:ln>
-            <a:solidFill>
-              <a:schemeClr val="accent5">
-                <a:lumMod val="50000"/>
-              </a:schemeClr>
-            </a:solidFill>
-          </a:ln>
-          <a:effectLst>
-            <a:outerShdw blurRad="50800" dist="38100" dir="8100000" algn="tr" rotWithShape="0">
-              <a:prstClr val="black">
-                <a:alpha val="40000"/>
-              </a:prstClr>
-            </a:outerShdw>
-          </a:effectLst>
-        </p:spPr>
-        <p:style>
-          <a:lnRef idx="2">
-            <a:schemeClr val="accent1">
-              <a:shade val="50000"/>
-            </a:schemeClr>
-          </a:lnRef>
-          <a:fillRef idx="1">
-            <a:schemeClr val="accent1"/>
-          </a:fillRef>
-          <a:effectRef idx="0">
-            <a:schemeClr val="accent1"/>
-          </a:effectRef>
-          <a:fontRef idx="minor">
-            <a:schemeClr val="lt1"/>
-          </a:fontRef>
-        </p:style>
-        <p:txBody>
-          <a:bodyPr rot="0" spcFirstLastPara="0" vertOverflow="overflow" horzOverflow="overflow" vert="horz" wrap="square" lIns="91440" tIns="45720" rIns="91440" bIns="45720" numCol="1" spcCol="0" rtlCol="0" fromWordArt="0" anchor="ctr" anchorCtr="0" forceAA="0" compatLnSpc="1">
-            <a:prstTxWarp prst="textNoShape">
-              <a:avLst/>
-            </a:prstTxWarp>
-            <a:noAutofit/>
-          </a:bodyPr>
-          <a:lstStyle/>
-          <a:p>
-            <a:pPr algn="ctr"/>
-            <a:endParaRPr lang="en-US"/>
-          </a:p>
-        </p:txBody>
-      </p:sp>
-      <p:sp>
-        <p:nvSpPr>
-          <p:cNvPr id="105" name="Round Diagonal Corner Rectangle 104">
-            <a:extLst>
-              <a:ext uri="{FF2B5EF4-FFF2-40B4-BE49-F238E27FC236}">
-                <a16:creationId xmlns:a16="http://schemas.microsoft.com/office/drawing/2014/main" id="{B32CAC6F-32C8-584E-A552-FEBF86D6424F}"/>
-              </a:ext>
-            </a:extLst>
-          </p:cNvPr>
-          <p:cNvSpPr/>
-          <p:nvPr/>
-        </p:nvSpPr>
-        <p:spPr>
-          <a:xfrm>
-            <a:off x="2484945" y="2877874"/>
-            <a:ext cx="646412" cy="196435"/>
-          </a:xfrm>
-          <a:prstGeom prst="round2DiagRect">
-            <a:avLst>
-              <a:gd name="adj1" fmla="val 50000"/>
-              <a:gd name="adj2" fmla="val 0"/>
-            </a:avLst>
-          </a:prstGeom>
-          <a:solidFill>
-            <a:srgbClr val="BFBFBF"/>
-          </a:solidFill>
-          <a:ln>
-            <a:solidFill>
-              <a:schemeClr val="bg2">
-                <a:lumMod val="25000"/>
-              </a:schemeClr>
-            </a:solidFill>
-          </a:ln>
-          <a:effectLst>
-            <a:outerShdw blurRad="50800" dist="38100" dir="8100000" algn="tr" rotWithShape="0">
-              <a:prstClr val="black">
-                <a:alpha val="40000"/>
-              </a:prstClr>
-            </a:outerShdw>
-          </a:effectLst>
-        </p:spPr>
-        <p:style>
-          <a:lnRef idx="2">
-            <a:schemeClr val="accent1">
-              <a:shade val="50000"/>
-            </a:schemeClr>
-          </a:lnRef>
-          <a:fillRef idx="1">
-            <a:schemeClr val="accent1"/>
-          </a:fillRef>
-          <a:effectRef idx="0">
-            <a:schemeClr val="accent1"/>
-          </a:effectRef>
-          <a:fontRef idx="minor">
-            <a:schemeClr val="lt1"/>
-          </a:fontRef>
-        </p:style>
-        <p:txBody>
-          <a:bodyPr rot="0" spcFirstLastPara="0" vertOverflow="overflow" horzOverflow="overflow" vert="horz" wrap="square" lIns="91440" tIns="45720" rIns="91440" bIns="45720" numCol="1" spcCol="0" rtlCol="0" fromWordArt="0" anchor="ctr" anchorCtr="0" forceAA="0" compatLnSpc="1">
-            <a:prstTxWarp prst="textNoShape">
-              <a:avLst/>
-            </a:prstTxWarp>
-            <a:noAutofit/>
-          </a:bodyPr>
-          <a:lstStyle/>
-          <a:p>
-            <a:pPr algn="ctr"/>
-            <a:endParaRPr lang="en-US"/>
-          </a:p>
-        </p:txBody>
-      </p:sp>
-      <p:sp>
-        <p:nvSpPr>
-          <p:cNvPr id="106" name="TextBox 105">
-            <a:extLst>
-              <a:ext uri="{FF2B5EF4-FFF2-40B4-BE49-F238E27FC236}">
-                <a16:creationId xmlns:a16="http://schemas.microsoft.com/office/drawing/2014/main" id="{BCE0E734-E6A6-4B49-8C52-40BCDC4EF5D7}"/>
-              </a:ext>
-            </a:extLst>
-          </p:cNvPr>
-          <p:cNvSpPr txBox="1"/>
-          <p:nvPr/>
-        </p:nvSpPr>
-        <p:spPr>
-          <a:xfrm>
-            <a:off x="2416788" y="27771"/>
-            <a:ext cx="824711" cy="184666"/>
-          </a:xfrm>
-          <a:prstGeom prst="rect">
-            <a:avLst/>
-          </a:prstGeom>
-          <a:noFill/>
-        </p:spPr>
-        <p:txBody>
-          <a:bodyPr wrap="square" rtlCol="0">
-            <a:spAutoFit/>
-          </a:bodyPr>
-          <a:lstStyle/>
-          <a:p>
-            <a:pPr algn="ctr"/>
-            <a:r>
-              <a:rPr lang="en-US" sz="600" b="1" i="1" dirty="0">
-                <a:latin typeface="Arial" panose="020B0604020202020204" pitchFamily="34" charset="0"/>
-                <a:cs typeface="Arial" panose="020B0604020202020204" pitchFamily="34" charset="0"/>
-              </a:rPr>
-              <a:t>ECOLOGY</a:t>
-            </a:r>
-          </a:p>
-        </p:txBody>
-      </p:sp>
-      <p:sp>
-        <p:nvSpPr>
-          <p:cNvPr id="107" name="TextBox 106">
-            <a:extLst>
-              <a:ext uri="{FF2B5EF4-FFF2-40B4-BE49-F238E27FC236}">
-                <a16:creationId xmlns:a16="http://schemas.microsoft.com/office/drawing/2014/main" id="{9D72C68B-2EF0-274A-83E7-568B98225527}"/>
-              </a:ext>
-            </a:extLst>
-          </p:cNvPr>
-          <p:cNvSpPr txBox="1"/>
-          <p:nvPr/>
-        </p:nvSpPr>
-        <p:spPr>
-          <a:xfrm>
-            <a:off x="2338915" y="2072742"/>
-            <a:ext cx="934198" cy="184666"/>
-          </a:xfrm>
-          <a:prstGeom prst="rect">
-            <a:avLst/>
-          </a:prstGeom>
-          <a:noFill/>
-        </p:spPr>
-        <p:txBody>
-          <a:bodyPr wrap="square" rtlCol="0">
-            <a:spAutoFit/>
-          </a:bodyPr>
-          <a:lstStyle/>
-          <a:p>
-            <a:pPr algn="ctr"/>
-            <a:r>
-              <a:rPr lang="en-US" sz="600" b="1" i="1" dirty="0">
-                <a:latin typeface="Arial" panose="020B0604020202020204" pitchFamily="34" charset="0"/>
-                <a:cs typeface="Arial" panose="020B0604020202020204" pitchFamily="34" charset="0"/>
-              </a:rPr>
-              <a:t>COOPERATION</a:t>
-            </a:r>
-          </a:p>
-        </p:txBody>
-      </p:sp>
-      <p:sp>
-        <p:nvSpPr>
-          <p:cNvPr id="108" name="TextBox 107">
-            <a:extLst>
-              <a:ext uri="{FF2B5EF4-FFF2-40B4-BE49-F238E27FC236}">
-                <a16:creationId xmlns:a16="http://schemas.microsoft.com/office/drawing/2014/main" id="{6F0019B8-A655-0A43-9D10-EC8DA5400E30}"/>
-              </a:ext>
-            </a:extLst>
-          </p:cNvPr>
-          <p:cNvSpPr txBox="1"/>
-          <p:nvPr/>
-        </p:nvSpPr>
-        <p:spPr>
-          <a:xfrm>
-            <a:off x="2423807" y="2877603"/>
-            <a:ext cx="795475" cy="184666"/>
-          </a:xfrm>
-          <a:prstGeom prst="rect">
-            <a:avLst/>
-          </a:prstGeom>
-          <a:noFill/>
-        </p:spPr>
-        <p:txBody>
-          <a:bodyPr wrap="square" rtlCol="0">
-            <a:spAutoFit/>
-          </a:bodyPr>
-          <a:lstStyle/>
-          <a:p>
-            <a:pPr algn="ctr"/>
-            <a:r>
-              <a:rPr lang="en-US" sz="600" b="1" i="1" dirty="0">
-                <a:latin typeface="Arial" panose="020B0604020202020204" pitchFamily="34" charset="0"/>
-                <a:cs typeface="Arial" panose="020B0604020202020204" pitchFamily="34" charset="0"/>
-              </a:rPr>
-              <a:t>COVARIATE(S)</a:t>
-            </a:r>
-          </a:p>
-        </p:txBody>
-      </p:sp>
-      <p:cxnSp>
-        <p:nvCxnSpPr>
-          <p:cNvPr id="109" name="Straight Arrow Connector 108">
-            <a:extLst>
-              <a:ext uri="{FF2B5EF4-FFF2-40B4-BE49-F238E27FC236}">
-                <a16:creationId xmlns:a16="http://schemas.microsoft.com/office/drawing/2014/main" id="{6253A117-3C12-B44C-91EC-7759763ADE68}"/>
-              </a:ext>
-            </a:extLst>
-          </p:cNvPr>
-          <p:cNvCxnSpPr>
-            <a:cxnSpLocks/>
-          </p:cNvCxnSpPr>
-          <p:nvPr/>
-        </p:nvCxnSpPr>
-        <p:spPr>
-          <a:xfrm flipV="1">
-            <a:off x="925580" y="2772538"/>
-            <a:ext cx="0" cy="295462"/>
-          </a:xfrm>
-          <a:prstGeom prst="straightConnector1">
-            <a:avLst/>
-          </a:prstGeom>
-          <a:ln w="19050" cap="rnd">
-            <a:solidFill>
-              <a:schemeClr val="tx1"/>
-            </a:solidFill>
-            <a:tailEnd type="triangle" w="sm" len="sm"/>
-          </a:ln>
-        </p:spPr>
-        <p:style>
-          <a:lnRef idx="1">
-            <a:schemeClr val="accent1"/>
-          </a:lnRef>
-          <a:fillRef idx="0">
-            <a:schemeClr val="accent1"/>
-          </a:fillRef>
-          <a:effectRef idx="0">
-            <a:schemeClr val="accent1"/>
-          </a:effectRef>
-          <a:fontRef idx="minor">
-            <a:schemeClr val="tx1"/>
-          </a:fontRef>
-        </p:style>
-      </p:cxnSp>
-      <p:cxnSp>
-        <p:nvCxnSpPr>
-          <p:cNvPr id="110" name="Straight Arrow Connector 109">
-            <a:extLst>
-              <a:ext uri="{FF2B5EF4-FFF2-40B4-BE49-F238E27FC236}">
-                <a16:creationId xmlns:a16="http://schemas.microsoft.com/office/drawing/2014/main" id="{13392523-9719-5844-8F8F-AA8FEE69DD33}"/>
-              </a:ext>
-            </a:extLst>
-          </p:cNvPr>
-          <p:cNvCxnSpPr>
-            <a:cxnSpLocks/>
-          </p:cNvCxnSpPr>
-          <p:nvPr/>
-        </p:nvCxnSpPr>
-        <p:spPr>
-          <a:xfrm flipV="1">
-            <a:off x="1325672" y="2772538"/>
-            <a:ext cx="0" cy="295462"/>
-          </a:xfrm>
-          <a:prstGeom prst="straightConnector1">
-            <a:avLst/>
-          </a:prstGeom>
-          <a:ln w="19050" cap="rnd">
-            <a:solidFill>
-              <a:schemeClr val="tx1"/>
-            </a:solidFill>
-            <a:tailEnd type="triangle" w="sm" len="sm"/>
-          </a:ln>
-        </p:spPr>
-        <p:style>
-          <a:lnRef idx="1">
-            <a:schemeClr val="accent1"/>
-          </a:lnRef>
-          <a:fillRef idx="0">
-            <a:schemeClr val="accent1"/>
-          </a:fillRef>
-          <a:effectRef idx="0">
-            <a:schemeClr val="accent1"/>
-          </a:effectRef>
-          <a:fontRef idx="minor">
-            <a:schemeClr val="tx1"/>
-          </a:fontRef>
-        </p:style>
-      </p:cxnSp>
-      <p:cxnSp>
-        <p:nvCxnSpPr>
-          <p:cNvPr id="111" name="Straight Arrow Connector 110">
-            <a:extLst>
-              <a:ext uri="{FF2B5EF4-FFF2-40B4-BE49-F238E27FC236}">
-                <a16:creationId xmlns:a16="http://schemas.microsoft.com/office/drawing/2014/main" id="{E7D0293B-6F1A-6248-929E-DBF4DC7A8EE1}"/>
-              </a:ext>
-            </a:extLst>
-          </p:cNvPr>
-          <p:cNvCxnSpPr>
-            <a:cxnSpLocks/>
-          </p:cNvCxnSpPr>
-          <p:nvPr/>
-        </p:nvCxnSpPr>
-        <p:spPr>
-          <a:xfrm flipV="1">
-            <a:off x="2270716" y="2772538"/>
-            <a:ext cx="0" cy="295462"/>
-          </a:xfrm>
-          <a:prstGeom prst="straightConnector1">
-            <a:avLst/>
-          </a:prstGeom>
-          <a:ln w="19050" cap="rnd">
-            <a:solidFill>
-              <a:schemeClr val="tx1"/>
-            </a:solidFill>
-            <a:tailEnd type="triangle" w="sm" len="sm"/>
-          </a:ln>
-        </p:spPr>
-        <p:style>
-          <a:lnRef idx="1">
-            <a:schemeClr val="accent1"/>
-          </a:lnRef>
-          <a:fillRef idx="0">
-            <a:schemeClr val="accent1"/>
-          </a:fillRef>
-          <a:effectRef idx="0">
-            <a:schemeClr val="accent1"/>
-          </a:effectRef>
-          <a:fontRef idx="minor">
-            <a:schemeClr val="tx1"/>
-          </a:fontRef>
-        </p:style>
-      </p:cxnSp>
-      <p:cxnSp>
-        <p:nvCxnSpPr>
-          <p:cNvPr id="112" name="Straight Arrow Connector 111">
-            <a:extLst>
-              <a:ext uri="{FF2B5EF4-FFF2-40B4-BE49-F238E27FC236}">
-                <a16:creationId xmlns:a16="http://schemas.microsoft.com/office/drawing/2014/main" id="{010308D7-E070-5A4E-9067-AB092BA965C7}"/>
-              </a:ext>
-            </a:extLst>
-          </p:cNvPr>
-          <p:cNvCxnSpPr>
-            <a:cxnSpLocks/>
-          </p:cNvCxnSpPr>
-          <p:nvPr/>
-        </p:nvCxnSpPr>
-        <p:spPr>
-          <a:xfrm flipV="1">
-            <a:off x="42054" y="3390395"/>
-            <a:ext cx="133400" cy="1"/>
-          </a:xfrm>
-          <a:prstGeom prst="straightConnector1">
-            <a:avLst/>
-          </a:prstGeom>
-          <a:ln w="19050" cap="rnd">
-            <a:solidFill>
-              <a:schemeClr val="tx1"/>
-            </a:solidFill>
-            <a:tailEnd type="triangle" w="sm" len="sm"/>
-          </a:ln>
-        </p:spPr>
-        <p:style>
-          <a:lnRef idx="1">
-            <a:schemeClr val="accent1"/>
-          </a:lnRef>
-          <a:fillRef idx="0">
-            <a:schemeClr val="accent1"/>
-          </a:fillRef>
-          <a:effectRef idx="0">
-            <a:schemeClr val="accent1"/>
-          </a:effectRef>
-          <a:fontRef idx="minor">
-            <a:schemeClr val="tx1"/>
-          </a:fontRef>
-        </p:style>
-      </p:cxnSp>
-      <p:cxnSp>
-        <p:nvCxnSpPr>
-          <p:cNvPr id="113" name="Straight Arrow Connector 112">
-            <a:extLst>
-              <a:ext uri="{FF2B5EF4-FFF2-40B4-BE49-F238E27FC236}">
-                <a16:creationId xmlns:a16="http://schemas.microsoft.com/office/drawing/2014/main" id="{A1C5F188-1818-4744-9C76-0E1CA581F9F2}"/>
-              </a:ext>
-            </a:extLst>
-          </p:cNvPr>
-          <p:cNvCxnSpPr>
-            <a:cxnSpLocks/>
-          </p:cNvCxnSpPr>
-          <p:nvPr/>
-        </p:nvCxnSpPr>
-        <p:spPr>
-          <a:xfrm flipV="1">
-            <a:off x="42054" y="3501780"/>
-            <a:ext cx="133400" cy="1"/>
-          </a:xfrm>
-          <a:prstGeom prst="straightConnector1">
-            <a:avLst/>
-          </a:prstGeom>
-          <a:ln w="19050" cap="rnd">
-            <a:solidFill>
-              <a:schemeClr val="tx1"/>
-            </a:solidFill>
-            <a:prstDash val="sysDot"/>
-            <a:tailEnd type="triangle" w="sm" len="sm"/>
-          </a:ln>
-        </p:spPr>
-        <p:style>
-          <a:lnRef idx="1">
-            <a:schemeClr val="accent1"/>
-          </a:lnRef>
-          <a:fillRef idx="0">
-            <a:schemeClr val="accent1"/>
-          </a:fillRef>
-          <a:effectRef idx="0">
-            <a:schemeClr val="accent1"/>
-          </a:effectRef>
-          <a:fontRef idx="minor">
-            <a:schemeClr val="tx1"/>
-          </a:fontRef>
-        </p:style>
-      </p:cxnSp>
-      <p:grpSp>
-        <p:nvGrpSpPr>
-          <p:cNvPr id="114" name="Group 113">
-            <a:extLst>
-              <a:ext uri="{FF2B5EF4-FFF2-40B4-BE49-F238E27FC236}">
-                <a16:creationId xmlns:a16="http://schemas.microsoft.com/office/drawing/2014/main" id="{3EEBB87F-8267-4242-878B-C74BF2D1C13C}"/>
-              </a:ext>
-            </a:extLst>
-          </p:cNvPr>
-          <p:cNvGrpSpPr/>
-          <p:nvPr/>
-        </p:nvGrpSpPr>
-        <p:grpSpPr>
-          <a:xfrm>
-            <a:off x="1897015" y="1994699"/>
-            <a:ext cx="108000" cy="108000"/>
-            <a:chOff x="1240945" y="91235"/>
-            <a:chExt cx="508318" cy="504000"/>
-          </a:xfrm>
-        </p:grpSpPr>
-        <p:sp>
-          <p:nvSpPr>
-            <p:cNvPr id="115" name="Oval 114">
-              <a:extLst>
-                <a:ext uri="{FF2B5EF4-FFF2-40B4-BE49-F238E27FC236}">
-                  <a16:creationId xmlns:a16="http://schemas.microsoft.com/office/drawing/2014/main" id="{ABF5C186-134F-9846-A938-235E4A1FC45F}"/>
-                </a:ext>
-              </a:extLst>
-            </p:cNvPr>
-            <p:cNvSpPr>
-              <a:spLocks noChangeAspect="1"/>
-            </p:cNvSpPr>
-            <p:nvPr/>
-          </p:nvSpPr>
-          <p:spPr>
-            <a:xfrm>
-              <a:off x="1240945" y="91235"/>
-              <a:ext cx="508318" cy="504000"/>
-            </a:xfrm>
-            <a:prstGeom prst="ellipse">
-              <a:avLst/>
-            </a:prstGeom>
-            <a:solidFill>
-              <a:schemeClr val="accent6">
-                <a:lumMod val="60000"/>
-                <a:lumOff val="40000"/>
-              </a:schemeClr>
-            </a:solidFill>
-            <a:ln>
-              <a:noFill/>
-            </a:ln>
-          </p:spPr>
-          <p:style>
-            <a:lnRef idx="2">
-              <a:schemeClr val="accent1">
-                <a:shade val="50000"/>
-              </a:schemeClr>
-            </a:lnRef>
-            <a:fillRef idx="1">
-              <a:schemeClr val="accent1"/>
-            </a:fillRef>
-            <a:effectRef idx="0">
-              <a:schemeClr val="accent1"/>
-            </a:effectRef>
-            <a:fontRef idx="minor">
-              <a:schemeClr val="lt1"/>
-            </a:fontRef>
-          </p:style>
-          <p:txBody>
-            <a:bodyPr rtlCol="0" anchor="ctr"/>
-            <a:lstStyle/>
-            <a:p>
-              <a:pPr algn="ctr"/>
-              <a:endParaRPr lang="en-US" sz="1000"/>
-            </a:p>
-          </p:txBody>
-        </p:sp>
-        <p:grpSp>
-          <p:nvGrpSpPr>
-            <p:cNvPr id="116" name="Group 115">
-              <a:extLst>
-                <a:ext uri="{FF2B5EF4-FFF2-40B4-BE49-F238E27FC236}">
-                  <a16:creationId xmlns:a16="http://schemas.microsoft.com/office/drawing/2014/main" id="{5AB132C1-0AAA-AD4F-88B8-5820FA4E5DB5}"/>
-                </a:ext>
-              </a:extLst>
-            </p:cNvPr>
-            <p:cNvGrpSpPr/>
-            <p:nvPr/>
-          </p:nvGrpSpPr>
-          <p:grpSpPr>
-            <a:xfrm>
-              <a:off x="1393825" y="195395"/>
-              <a:ext cx="254000" cy="316800"/>
-              <a:chOff x="1393825" y="163846"/>
-              <a:chExt cx="254000" cy="316800"/>
-            </a:xfrm>
-          </p:grpSpPr>
-          <p:cxnSp>
-            <p:nvCxnSpPr>
-              <p:cNvPr id="117" name="Straight Connector 116">
-                <a:extLst>
-                  <a:ext uri="{FF2B5EF4-FFF2-40B4-BE49-F238E27FC236}">
-                    <a16:creationId xmlns:a16="http://schemas.microsoft.com/office/drawing/2014/main" id="{D05051AF-17E5-7A4F-853E-B7E6C816087C}"/>
-                  </a:ext>
-                </a:extLst>
-              </p:cNvPr>
-              <p:cNvCxnSpPr/>
-              <p:nvPr/>
-            </p:nvCxnSpPr>
-            <p:spPr>
-              <a:xfrm>
-                <a:off x="1393825" y="163846"/>
-                <a:ext cx="0" cy="316800"/>
-              </a:xfrm>
-              <a:prstGeom prst="line">
-                <a:avLst/>
-              </a:prstGeom>
-              <a:ln>
-                <a:solidFill>
-                  <a:schemeClr val="tx1"/>
-                </a:solidFill>
-              </a:ln>
-            </p:spPr>
-            <p:style>
-              <a:lnRef idx="1">
-                <a:schemeClr val="accent1"/>
-              </a:lnRef>
-              <a:fillRef idx="0">
-                <a:schemeClr val="accent1"/>
-              </a:fillRef>
-              <a:effectRef idx="0">
-                <a:schemeClr val="accent1"/>
-              </a:effectRef>
-              <a:fontRef idx="minor">
-                <a:schemeClr val="tx1"/>
-              </a:fontRef>
-            </p:style>
-          </p:cxnSp>
-          <p:sp>
-            <p:nvSpPr>
-              <p:cNvPr id="118" name="Rectangle 117">
-                <a:extLst>
-                  <a:ext uri="{FF2B5EF4-FFF2-40B4-BE49-F238E27FC236}">
-                    <a16:creationId xmlns:a16="http://schemas.microsoft.com/office/drawing/2014/main" id="{232F58D2-424D-4D4A-B14D-9FE6E154A5B9}"/>
-                  </a:ext>
-                </a:extLst>
-              </p:cNvPr>
-              <p:cNvSpPr/>
-              <p:nvPr/>
-            </p:nvSpPr>
-            <p:spPr>
-              <a:xfrm>
-                <a:off x="1397000" y="180975"/>
-                <a:ext cx="250825" cy="45719"/>
-              </a:xfrm>
-              <a:prstGeom prst="rect">
-                <a:avLst/>
-              </a:prstGeom>
-              <a:solidFill>
-                <a:schemeClr val="tx1">
-                  <a:lumMod val="75000"/>
-                  <a:lumOff val="25000"/>
-                </a:schemeClr>
-              </a:solidFill>
-              <a:ln>
-                <a:solidFill>
-                  <a:schemeClr val="tx1"/>
-                </a:solidFill>
-              </a:ln>
-            </p:spPr>
-            <p:style>
-              <a:lnRef idx="2">
-                <a:schemeClr val="accent1">
-                  <a:shade val="50000"/>
-                </a:schemeClr>
-              </a:lnRef>
-              <a:fillRef idx="1">
-                <a:schemeClr val="accent1"/>
-              </a:fillRef>
-              <a:effectRef idx="0">
-                <a:schemeClr val="accent1"/>
-              </a:effectRef>
-              <a:fontRef idx="minor">
-                <a:schemeClr val="lt1"/>
-              </a:fontRef>
-            </p:style>
-            <p:txBody>
-              <a:bodyPr rtlCol="0" anchor="ctr"/>
-              <a:lstStyle/>
-              <a:p>
-                <a:pPr algn="ctr"/>
-                <a:endParaRPr lang="en-US" sz="1000"/>
-              </a:p>
-            </p:txBody>
-          </p:sp>
-          <p:sp>
-            <p:nvSpPr>
-              <p:cNvPr id="119" name="Rectangle 118">
-                <a:extLst>
-                  <a:ext uri="{FF2B5EF4-FFF2-40B4-BE49-F238E27FC236}">
-                    <a16:creationId xmlns:a16="http://schemas.microsoft.com/office/drawing/2014/main" id="{70FC1EC0-3777-214F-8636-C9A9C845D7CA}"/>
-                  </a:ext>
-                </a:extLst>
-              </p:cNvPr>
-              <p:cNvSpPr/>
-              <p:nvPr/>
-            </p:nvSpPr>
-            <p:spPr>
-              <a:xfrm>
-                <a:off x="1397000" y="226286"/>
-                <a:ext cx="180000" cy="45719"/>
-              </a:xfrm>
-              <a:prstGeom prst="rect">
-                <a:avLst/>
-              </a:prstGeom>
-              <a:solidFill>
-                <a:schemeClr val="tx1">
-                  <a:lumMod val="75000"/>
-                  <a:lumOff val="25000"/>
-                </a:schemeClr>
-              </a:solidFill>
-              <a:ln>
-                <a:solidFill>
-                  <a:schemeClr val="tx1"/>
-                </a:solidFill>
-              </a:ln>
-            </p:spPr>
-            <p:style>
-              <a:lnRef idx="2">
-                <a:schemeClr val="accent1">
-                  <a:shade val="50000"/>
-                </a:schemeClr>
-              </a:lnRef>
-              <a:fillRef idx="1">
-                <a:schemeClr val="accent1"/>
-              </a:fillRef>
-              <a:effectRef idx="0">
-                <a:schemeClr val="accent1"/>
-              </a:effectRef>
-              <a:fontRef idx="minor">
-                <a:schemeClr val="lt1"/>
-              </a:fontRef>
-            </p:style>
-            <p:txBody>
-              <a:bodyPr rtlCol="0" anchor="ctr"/>
-              <a:lstStyle/>
-              <a:p>
-                <a:pPr algn="ctr"/>
-                <a:endParaRPr lang="en-US" sz="1000"/>
-              </a:p>
-            </p:txBody>
-          </p:sp>
-          <p:sp>
-            <p:nvSpPr>
-              <p:cNvPr id="120" name="Rectangle 119">
-                <a:extLst>
-                  <a:ext uri="{FF2B5EF4-FFF2-40B4-BE49-F238E27FC236}">
-                    <a16:creationId xmlns:a16="http://schemas.microsoft.com/office/drawing/2014/main" id="{9CB0F585-1394-CD4B-A05D-84DDC4B65050}"/>
-                  </a:ext>
-                </a:extLst>
-              </p:cNvPr>
-              <p:cNvSpPr/>
-              <p:nvPr/>
-            </p:nvSpPr>
-            <p:spPr>
-              <a:xfrm>
-                <a:off x="1397000" y="274435"/>
-                <a:ext cx="144000" cy="45719"/>
-              </a:xfrm>
-              <a:prstGeom prst="rect">
-                <a:avLst/>
-              </a:prstGeom>
-              <a:solidFill>
-                <a:schemeClr val="tx1">
-                  <a:lumMod val="75000"/>
-                  <a:lumOff val="25000"/>
-                </a:schemeClr>
-              </a:solidFill>
-              <a:ln>
-                <a:solidFill>
-                  <a:schemeClr val="tx1"/>
-                </a:solidFill>
-              </a:ln>
-            </p:spPr>
-            <p:style>
-              <a:lnRef idx="2">
-                <a:schemeClr val="accent1">
-                  <a:shade val="50000"/>
-                </a:schemeClr>
-              </a:lnRef>
-              <a:fillRef idx="1">
-                <a:schemeClr val="accent1"/>
-              </a:fillRef>
-              <a:effectRef idx="0">
-                <a:schemeClr val="accent1"/>
-              </a:effectRef>
-              <a:fontRef idx="minor">
-                <a:schemeClr val="lt1"/>
-              </a:fontRef>
-            </p:style>
-            <p:txBody>
-              <a:bodyPr rtlCol="0" anchor="ctr"/>
-              <a:lstStyle/>
-              <a:p>
-                <a:pPr algn="ctr"/>
-                <a:endParaRPr lang="en-US" sz="1000"/>
-              </a:p>
-            </p:txBody>
-          </p:sp>
-          <p:sp>
-            <p:nvSpPr>
-              <p:cNvPr id="121" name="Rectangle 120">
-                <a:extLst>
-                  <a:ext uri="{FF2B5EF4-FFF2-40B4-BE49-F238E27FC236}">
-                    <a16:creationId xmlns:a16="http://schemas.microsoft.com/office/drawing/2014/main" id="{CDA8BA79-E600-CE4D-947B-EB264515B6CD}"/>
-                  </a:ext>
-                </a:extLst>
-              </p:cNvPr>
-              <p:cNvSpPr/>
-              <p:nvPr/>
-            </p:nvSpPr>
-            <p:spPr>
-              <a:xfrm>
-                <a:off x="1397000" y="320612"/>
-                <a:ext cx="72000" cy="45719"/>
-              </a:xfrm>
-              <a:prstGeom prst="rect">
-                <a:avLst/>
-              </a:prstGeom>
-              <a:solidFill>
-                <a:schemeClr val="tx1">
-                  <a:lumMod val="75000"/>
-                  <a:lumOff val="25000"/>
-                </a:schemeClr>
-              </a:solidFill>
-              <a:ln>
-                <a:solidFill>
-                  <a:schemeClr val="tx1"/>
-                </a:solidFill>
-              </a:ln>
-            </p:spPr>
-            <p:style>
-              <a:lnRef idx="2">
-                <a:schemeClr val="accent1">
-                  <a:shade val="50000"/>
-                </a:schemeClr>
-              </a:lnRef>
-              <a:fillRef idx="1">
-                <a:schemeClr val="accent1"/>
-              </a:fillRef>
-              <a:effectRef idx="0">
-                <a:schemeClr val="accent1"/>
-              </a:effectRef>
-              <a:fontRef idx="minor">
-                <a:schemeClr val="lt1"/>
-              </a:fontRef>
-            </p:style>
-            <p:txBody>
-              <a:bodyPr rtlCol="0" anchor="ctr"/>
-              <a:lstStyle/>
-              <a:p>
-                <a:pPr algn="ctr"/>
-                <a:endParaRPr lang="en-US" sz="1000"/>
-              </a:p>
-            </p:txBody>
-          </p:sp>
-          <p:sp>
-            <p:nvSpPr>
-              <p:cNvPr id="122" name="Rectangle 121">
-                <a:extLst>
-                  <a:ext uri="{FF2B5EF4-FFF2-40B4-BE49-F238E27FC236}">
-                    <a16:creationId xmlns:a16="http://schemas.microsoft.com/office/drawing/2014/main" id="{527CCAFC-F59E-8F43-8357-625CF33F7084}"/>
-                  </a:ext>
-                </a:extLst>
-              </p:cNvPr>
-              <p:cNvSpPr/>
-              <p:nvPr/>
-            </p:nvSpPr>
-            <p:spPr>
-              <a:xfrm>
-                <a:off x="1397000" y="365062"/>
-                <a:ext cx="36000" cy="45719"/>
-              </a:xfrm>
-              <a:prstGeom prst="rect">
-                <a:avLst/>
-              </a:prstGeom>
-              <a:solidFill>
-                <a:schemeClr val="tx1">
-                  <a:lumMod val="75000"/>
-                  <a:lumOff val="25000"/>
-                </a:schemeClr>
-              </a:solidFill>
-              <a:ln>
-                <a:solidFill>
-                  <a:schemeClr val="tx1"/>
-                </a:solidFill>
-              </a:ln>
-            </p:spPr>
-            <p:style>
-              <a:lnRef idx="2">
-                <a:schemeClr val="accent1">
-                  <a:shade val="50000"/>
-                </a:schemeClr>
-              </a:lnRef>
-              <a:fillRef idx="1">
-                <a:schemeClr val="accent1"/>
-              </a:fillRef>
-              <a:effectRef idx="0">
-                <a:schemeClr val="accent1"/>
-              </a:effectRef>
-              <a:fontRef idx="minor">
-                <a:schemeClr val="lt1"/>
-              </a:fontRef>
-            </p:style>
-            <p:txBody>
-              <a:bodyPr rtlCol="0" anchor="ctr"/>
-              <a:lstStyle/>
-              <a:p>
-                <a:pPr algn="ctr"/>
-                <a:endParaRPr lang="en-US" sz="1000"/>
-              </a:p>
-            </p:txBody>
-          </p:sp>
-          <p:sp>
-            <p:nvSpPr>
-              <p:cNvPr id="123" name="Rectangle 122">
-                <a:extLst>
-                  <a:ext uri="{FF2B5EF4-FFF2-40B4-BE49-F238E27FC236}">
-                    <a16:creationId xmlns:a16="http://schemas.microsoft.com/office/drawing/2014/main" id="{FDC785B6-C24D-8744-9144-E14FD4F82B7E}"/>
-                  </a:ext>
-                </a:extLst>
-              </p:cNvPr>
-              <p:cNvSpPr/>
-              <p:nvPr/>
-            </p:nvSpPr>
-            <p:spPr>
-              <a:xfrm>
-                <a:off x="1397000" y="412687"/>
-                <a:ext cx="18000" cy="45719"/>
-              </a:xfrm>
-              <a:prstGeom prst="rect">
-                <a:avLst/>
-              </a:prstGeom>
-              <a:solidFill>
-                <a:schemeClr val="tx1">
-                  <a:lumMod val="75000"/>
-                  <a:lumOff val="25000"/>
-                </a:schemeClr>
-              </a:solidFill>
-              <a:ln>
-                <a:solidFill>
-                  <a:schemeClr val="tx1"/>
-                </a:solidFill>
-              </a:ln>
-            </p:spPr>
-            <p:style>
-              <a:lnRef idx="2">
-                <a:schemeClr val="accent1">
-                  <a:shade val="50000"/>
-                </a:schemeClr>
-              </a:lnRef>
-              <a:fillRef idx="1">
-                <a:schemeClr val="accent1"/>
-              </a:fillRef>
-              <a:effectRef idx="0">
-                <a:schemeClr val="accent1"/>
-              </a:effectRef>
-              <a:fontRef idx="minor">
-                <a:schemeClr val="lt1"/>
-              </a:fontRef>
-            </p:style>
-            <p:txBody>
-              <a:bodyPr rtlCol="0" anchor="ctr"/>
-              <a:lstStyle/>
-              <a:p>
-                <a:pPr algn="ctr"/>
-                <a:endParaRPr lang="en-US" sz="1000"/>
-              </a:p>
-            </p:txBody>
-          </p:sp>
-        </p:grpSp>
-      </p:grpSp>
-      <p:grpSp>
-        <p:nvGrpSpPr>
-          <p:cNvPr id="124" name="Group 123">
-            <a:extLst>
-              <a:ext uri="{FF2B5EF4-FFF2-40B4-BE49-F238E27FC236}">
-                <a16:creationId xmlns:a16="http://schemas.microsoft.com/office/drawing/2014/main" id="{6BD6F99C-3AB6-2B4C-BE30-356A8E969F0C}"/>
-              </a:ext>
-            </a:extLst>
-          </p:cNvPr>
-          <p:cNvGrpSpPr/>
-          <p:nvPr/>
-        </p:nvGrpSpPr>
-        <p:grpSpPr>
-          <a:xfrm>
-            <a:off x="1896135" y="2120497"/>
-            <a:ext cx="108000" cy="108000"/>
-            <a:chOff x="493798" y="265415"/>
-            <a:chExt cx="736893" cy="730633"/>
-          </a:xfrm>
-        </p:grpSpPr>
-        <p:sp>
-          <p:nvSpPr>
-            <p:cNvPr id="125" name="Oval 124">
-              <a:extLst>
-                <a:ext uri="{FF2B5EF4-FFF2-40B4-BE49-F238E27FC236}">
-                  <a16:creationId xmlns:a16="http://schemas.microsoft.com/office/drawing/2014/main" id="{C7155C47-2EDE-A948-A741-97D776344B81}"/>
-                </a:ext>
-              </a:extLst>
-            </p:cNvPr>
-            <p:cNvSpPr>
-              <a:spLocks noChangeAspect="1"/>
-            </p:cNvSpPr>
-            <p:nvPr/>
-          </p:nvSpPr>
-          <p:spPr>
-            <a:xfrm>
-              <a:off x="493798" y="265415"/>
-              <a:ext cx="736893" cy="730633"/>
-            </a:xfrm>
-            <a:prstGeom prst="ellipse">
-              <a:avLst/>
-            </a:prstGeom>
-            <a:solidFill>
-              <a:schemeClr val="accent6">
-                <a:lumMod val="60000"/>
-                <a:lumOff val="40000"/>
-              </a:schemeClr>
-            </a:solidFill>
-            <a:ln>
-              <a:noFill/>
-            </a:ln>
-          </p:spPr>
-          <p:style>
-            <a:lnRef idx="2">
-              <a:schemeClr val="accent1">
-                <a:shade val="50000"/>
-              </a:schemeClr>
-            </a:lnRef>
-            <a:fillRef idx="1">
-              <a:schemeClr val="accent1"/>
-            </a:fillRef>
-            <a:effectRef idx="0">
-              <a:schemeClr val="accent1"/>
-            </a:effectRef>
-            <a:fontRef idx="minor">
-              <a:schemeClr val="lt1"/>
-            </a:fontRef>
-          </p:style>
-          <p:txBody>
-            <a:bodyPr rtlCol="0" anchor="ctr"/>
-            <a:lstStyle/>
-            <a:p>
-              <a:pPr algn="ctr"/>
-              <a:endParaRPr lang="en-US" sz="1000"/>
-            </a:p>
-          </p:txBody>
-        </p:sp>
-        <p:pic>
-          <p:nvPicPr>
-            <p:cNvPr id="126" name="Picture 125">
-              <a:extLst>
-                <a:ext uri="{FF2B5EF4-FFF2-40B4-BE49-F238E27FC236}">
-                  <a16:creationId xmlns:a16="http://schemas.microsoft.com/office/drawing/2014/main" id="{A3195696-BA6E-E245-9ADE-7BDF69235B76}"/>
-                </a:ext>
-              </a:extLst>
-            </p:cNvPr>
-            <p:cNvPicPr>
-              <a:picLocks noChangeAspect="1"/>
-            </p:cNvPicPr>
-            <p:nvPr/>
-          </p:nvPicPr>
-          <p:blipFill rotWithShape="1">
-            <a:blip r:embed="rId12"/>
-            <a:srcRect/>
-            <a:stretch/>
-          </p:blipFill>
-          <p:spPr>
-            <a:xfrm>
-              <a:off x="611960" y="329073"/>
-              <a:ext cx="463260" cy="626257"/>
-            </a:xfrm>
-            <a:prstGeom prst="roundRect">
-              <a:avLst>
-                <a:gd name="adj" fmla="val 24982"/>
-              </a:avLst>
-            </a:prstGeom>
-          </p:spPr>
-        </p:pic>
-      </p:grpSp>
-      <p:grpSp>
-        <p:nvGrpSpPr>
-          <p:cNvPr id="128" name="Group 127">
-            <a:extLst>
-              <a:ext uri="{FF2B5EF4-FFF2-40B4-BE49-F238E27FC236}">
-                <a16:creationId xmlns:a16="http://schemas.microsoft.com/office/drawing/2014/main" id="{DAB5C18F-570E-B241-A004-FE2A22E0FA8D}"/>
-              </a:ext>
-            </a:extLst>
-          </p:cNvPr>
-          <p:cNvGrpSpPr/>
-          <p:nvPr/>
-        </p:nvGrpSpPr>
-        <p:grpSpPr>
-          <a:xfrm>
-            <a:off x="2287024" y="1990397"/>
-            <a:ext cx="108000" cy="108000"/>
-            <a:chOff x="1240945" y="91235"/>
-            <a:chExt cx="508318" cy="504000"/>
-          </a:xfrm>
-        </p:grpSpPr>
-        <p:sp>
-          <p:nvSpPr>
-            <p:cNvPr id="129" name="Oval 128">
-              <a:extLst>
-                <a:ext uri="{FF2B5EF4-FFF2-40B4-BE49-F238E27FC236}">
-                  <a16:creationId xmlns:a16="http://schemas.microsoft.com/office/drawing/2014/main" id="{780232C9-E4B2-974A-9421-0D5D9EA38610}"/>
-                </a:ext>
-              </a:extLst>
-            </p:cNvPr>
-            <p:cNvSpPr>
-              <a:spLocks noChangeAspect="1"/>
-            </p:cNvSpPr>
-            <p:nvPr/>
-          </p:nvSpPr>
-          <p:spPr>
-            <a:xfrm>
-              <a:off x="1240945" y="91235"/>
-              <a:ext cx="508318" cy="504000"/>
-            </a:xfrm>
-            <a:prstGeom prst="ellipse">
-              <a:avLst/>
-            </a:prstGeom>
-            <a:solidFill>
-              <a:schemeClr val="accent6">
-                <a:lumMod val="60000"/>
-                <a:lumOff val="40000"/>
-              </a:schemeClr>
-            </a:solidFill>
-            <a:ln>
-              <a:noFill/>
-            </a:ln>
-          </p:spPr>
-          <p:style>
-            <a:lnRef idx="2">
-              <a:schemeClr val="accent1">
-                <a:shade val="50000"/>
-              </a:schemeClr>
-            </a:lnRef>
-            <a:fillRef idx="1">
-              <a:schemeClr val="accent1"/>
-            </a:fillRef>
-            <a:effectRef idx="0">
-              <a:schemeClr val="accent1"/>
-            </a:effectRef>
-            <a:fontRef idx="minor">
-              <a:schemeClr val="lt1"/>
-            </a:fontRef>
-          </p:style>
-          <p:txBody>
-            <a:bodyPr rtlCol="0" anchor="ctr"/>
-            <a:lstStyle/>
-            <a:p>
-              <a:pPr algn="ctr"/>
-              <a:endParaRPr lang="en-US" sz="1000"/>
-            </a:p>
-          </p:txBody>
-        </p:sp>
-        <p:grpSp>
-          <p:nvGrpSpPr>
-            <p:cNvPr id="130" name="Group 129">
-              <a:extLst>
-                <a:ext uri="{FF2B5EF4-FFF2-40B4-BE49-F238E27FC236}">
-                  <a16:creationId xmlns:a16="http://schemas.microsoft.com/office/drawing/2014/main" id="{31AF83AA-6F5F-3D48-B9AD-DB07985A7F83}"/>
-                </a:ext>
-              </a:extLst>
-            </p:cNvPr>
-            <p:cNvGrpSpPr/>
-            <p:nvPr/>
-          </p:nvGrpSpPr>
-          <p:grpSpPr>
-            <a:xfrm>
-              <a:off x="1393825" y="195395"/>
-              <a:ext cx="254000" cy="316800"/>
-              <a:chOff x="1393825" y="163846"/>
-              <a:chExt cx="254000" cy="316800"/>
-            </a:xfrm>
-          </p:grpSpPr>
-          <p:cxnSp>
-            <p:nvCxnSpPr>
-              <p:cNvPr id="131" name="Straight Connector 130">
-                <a:extLst>
-                  <a:ext uri="{FF2B5EF4-FFF2-40B4-BE49-F238E27FC236}">
-                    <a16:creationId xmlns:a16="http://schemas.microsoft.com/office/drawing/2014/main" id="{7EBDA006-EE70-C048-90B1-32F02FFA3130}"/>
-                  </a:ext>
-                </a:extLst>
-              </p:cNvPr>
-              <p:cNvCxnSpPr/>
-              <p:nvPr/>
-            </p:nvCxnSpPr>
-            <p:spPr>
-              <a:xfrm>
-                <a:off x="1393825" y="163846"/>
-                <a:ext cx="0" cy="316800"/>
-              </a:xfrm>
-              <a:prstGeom prst="line">
-                <a:avLst/>
-              </a:prstGeom>
-              <a:ln>
-                <a:solidFill>
-                  <a:schemeClr val="tx1"/>
-                </a:solidFill>
-              </a:ln>
-            </p:spPr>
-            <p:style>
-              <a:lnRef idx="1">
-                <a:schemeClr val="accent1"/>
-              </a:lnRef>
-              <a:fillRef idx="0">
-                <a:schemeClr val="accent1"/>
-              </a:fillRef>
-              <a:effectRef idx="0">
-                <a:schemeClr val="accent1"/>
-              </a:effectRef>
-              <a:fontRef idx="minor">
-                <a:schemeClr val="tx1"/>
-              </a:fontRef>
-            </p:style>
-          </p:cxnSp>
-          <p:sp>
-            <p:nvSpPr>
-              <p:cNvPr id="132" name="Rectangle 131">
-                <a:extLst>
-                  <a:ext uri="{FF2B5EF4-FFF2-40B4-BE49-F238E27FC236}">
-                    <a16:creationId xmlns:a16="http://schemas.microsoft.com/office/drawing/2014/main" id="{964590DE-4D22-7D44-B59B-A5ADCB464988}"/>
-                  </a:ext>
-                </a:extLst>
-              </p:cNvPr>
-              <p:cNvSpPr/>
-              <p:nvPr/>
-            </p:nvSpPr>
-            <p:spPr>
-              <a:xfrm>
-                <a:off x="1397000" y="180975"/>
-                <a:ext cx="250825" cy="45719"/>
-              </a:xfrm>
-              <a:prstGeom prst="rect">
-                <a:avLst/>
-              </a:prstGeom>
-              <a:solidFill>
-                <a:schemeClr val="tx1">
-                  <a:lumMod val="75000"/>
-                  <a:lumOff val="25000"/>
-                </a:schemeClr>
-              </a:solidFill>
-              <a:ln>
-                <a:solidFill>
-                  <a:schemeClr val="tx1"/>
-                </a:solidFill>
-              </a:ln>
-            </p:spPr>
-            <p:style>
-              <a:lnRef idx="2">
-                <a:schemeClr val="accent1">
-                  <a:shade val="50000"/>
-                </a:schemeClr>
-              </a:lnRef>
-              <a:fillRef idx="1">
-                <a:schemeClr val="accent1"/>
-              </a:fillRef>
-              <a:effectRef idx="0">
-                <a:schemeClr val="accent1"/>
-              </a:effectRef>
-              <a:fontRef idx="minor">
-                <a:schemeClr val="lt1"/>
-              </a:fontRef>
-            </p:style>
-            <p:txBody>
-              <a:bodyPr rtlCol="0" anchor="ctr"/>
-              <a:lstStyle/>
-              <a:p>
-                <a:pPr algn="ctr"/>
-                <a:endParaRPr lang="en-US" sz="1000"/>
-              </a:p>
-            </p:txBody>
-          </p:sp>
-          <p:sp>
-            <p:nvSpPr>
-              <p:cNvPr id="133" name="Rectangle 132">
-                <a:extLst>
-                  <a:ext uri="{FF2B5EF4-FFF2-40B4-BE49-F238E27FC236}">
-                    <a16:creationId xmlns:a16="http://schemas.microsoft.com/office/drawing/2014/main" id="{8B1917DE-EC5E-A242-A136-837FB158C6B3}"/>
-                  </a:ext>
-                </a:extLst>
-              </p:cNvPr>
-              <p:cNvSpPr/>
-              <p:nvPr/>
-            </p:nvSpPr>
-            <p:spPr>
-              <a:xfrm>
-                <a:off x="1397000" y="226286"/>
-                <a:ext cx="180000" cy="45719"/>
-              </a:xfrm>
-              <a:prstGeom prst="rect">
-                <a:avLst/>
-              </a:prstGeom>
-              <a:solidFill>
-                <a:schemeClr val="tx1">
-                  <a:lumMod val="75000"/>
-                  <a:lumOff val="25000"/>
-                </a:schemeClr>
-              </a:solidFill>
-              <a:ln>
-                <a:solidFill>
-                  <a:schemeClr val="tx1"/>
-                </a:solidFill>
-              </a:ln>
-            </p:spPr>
-            <p:style>
-              <a:lnRef idx="2">
-                <a:schemeClr val="accent1">
-                  <a:shade val="50000"/>
-                </a:schemeClr>
-              </a:lnRef>
-              <a:fillRef idx="1">
-                <a:schemeClr val="accent1"/>
-              </a:fillRef>
-              <a:effectRef idx="0">
-                <a:schemeClr val="accent1"/>
-              </a:effectRef>
-              <a:fontRef idx="minor">
-                <a:schemeClr val="lt1"/>
-              </a:fontRef>
-            </p:style>
-            <p:txBody>
-              <a:bodyPr rtlCol="0" anchor="ctr"/>
-              <a:lstStyle/>
-              <a:p>
-                <a:pPr algn="ctr"/>
-                <a:endParaRPr lang="en-US" sz="1000"/>
-              </a:p>
-            </p:txBody>
-          </p:sp>
-          <p:sp>
-            <p:nvSpPr>
-              <p:cNvPr id="134" name="Rectangle 133">
-                <a:extLst>
-                  <a:ext uri="{FF2B5EF4-FFF2-40B4-BE49-F238E27FC236}">
-                    <a16:creationId xmlns:a16="http://schemas.microsoft.com/office/drawing/2014/main" id="{50B3F3BF-8FAF-094B-A82E-271FDA7B3A73}"/>
-                  </a:ext>
-                </a:extLst>
-              </p:cNvPr>
-              <p:cNvSpPr/>
-              <p:nvPr/>
-            </p:nvSpPr>
-            <p:spPr>
-              <a:xfrm>
-                <a:off x="1397000" y="274435"/>
-                <a:ext cx="144000" cy="45719"/>
-              </a:xfrm>
-              <a:prstGeom prst="rect">
-                <a:avLst/>
-              </a:prstGeom>
-              <a:solidFill>
-                <a:schemeClr val="tx1">
-                  <a:lumMod val="75000"/>
-                  <a:lumOff val="25000"/>
-                </a:schemeClr>
-              </a:solidFill>
-              <a:ln>
-                <a:solidFill>
-                  <a:schemeClr val="tx1"/>
-                </a:solidFill>
-              </a:ln>
-            </p:spPr>
-            <p:style>
-              <a:lnRef idx="2">
-                <a:schemeClr val="accent1">
-                  <a:shade val="50000"/>
-                </a:schemeClr>
-              </a:lnRef>
-              <a:fillRef idx="1">
-                <a:schemeClr val="accent1"/>
-              </a:fillRef>
-              <a:effectRef idx="0">
-                <a:schemeClr val="accent1"/>
-              </a:effectRef>
-              <a:fontRef idx="minor">
-                <a:schemeClr val="lt1"/>
-              </a:fontRef>
-            </p:style>
-            <p:txBody>
-              <a:bodyPr rtlCol="0" anchor="ctr"/>
-              <a:lstStyle/>
-              <a:p>
-                <a:pPr algn="ctr"/>
-                <a:endParaRPr lang="en-US" sz="1000"/>
-              </a:p>
-            </p:txBody>
-          </p:sp>
-          <p:sp>
-            <p:nvSpPr>
-              <p:cNvPr id="135" name="Rectangle 134">
-                <a:extLst>
-                  <a:ext uri="{FF2B5EF4-FFF2-40B4-BE49-F238E27FC236}">
-                    <a16:creationId xmlns:a16="http://schemas.microsoft.com/office/drawing/2014/main" id="{A8D9E46E-D220-0C42-B22E-F6F1EBABDC0C}"/>
-                  </a:ext>
-                </a:extLst>
-              </p:cNvPr>
-              <p:cNvSpPr/>
-              <p:nvPr/>
-            </p:nvSpPr>
-            <p:spPr>
-              <a:xfrm>
-                <a:off x="1397000" y="320612"/>
-                <a:ext cx="72000" cy="45719"/>
-              </a:xfrm>
-              <a:prstGeom prst="rect">
-                <a:avLst/>
-              </a:prstGeom>
-              <a:solidFill>
-                <a:schemeClr val="tx1">
-                  <a:lumMod val="75000"/>
-                  <a:lumOff val="25000"/>
-                </a:schemeClr>
-              </a:solidFill>
-              <a:ln>
-                <a:solidFill>
-                  <a:schemeClr val="tx1"/>
-                </a:solidFill>
-              </a:ln>
-            </p:spPr>
-            <p:style>
-              <a:lnRef idx="2">
-                <a:schemeClr val="accent1">
-                  <a:shade val="50000"/>
-                </a:schemeClr>
-              </a:lnRef>
-              <a:fillRef idx="1">
-                <a:schemeClr val="accent1"/>
-              </a:fillRef>
-              <a:effectRef idx="0">
-                <a:schemeClr val="accent1"/>
-              </a:effectRef>
-              <a:fontRef idx="minor">
-                <a:schemeClr val="lt1"/>
-              </a:fontRef>
-            </p:style>
-            <p:txBody>
-              <a:bodyPr rtlCol="0" anchor="ctr"/>
-              <a:lstStyle/>
-              <a:p>
-                <a:pPr algn="ctr"/>
-                <a:endParaRPr lang="en-US" sz="1000"/>
-              </a:p>
-            </p:txBody>
-          </p:sp>
-          <p:sp>
-            <p:nvSpPr>
-              <p:cNvPr id="136" name="Rectangle 135">
-                <a:extLst>
-                  <a:ext uri="{FF2B5EF4-FFF2-40B4-BE49-F238E27FC236}">
-                    <a16:creationId xmlns:a16="http://schemas.microsoft.com/office/drawing/2014/main" id="{F434E8A0-F296-3D41-B9BD-D582F2C3EE45}"/>
-                  </a:ext>
-                </a:extLst>
-              </p:cNvPr>
-              <p:cNvSpPr/>
-              <p:nvPr/>
-            </p:nvSpPr>
-            <p:spPr>
-              <a:xfrm>
-                <a:off x="1397000" y="365062"/>
-                <a:ext cx="36000" cy="45719"/>
-              </a:xfrm>
-              <a:prstGeom prst="rect">
-                <a:avLst/>
-              </a:prstGeom>
-              <a:solidFill>
-                <a:schemeClr val="tx1">
-                  <a:lumMod val="75000"/>
-                  <a:lumOff val="25000"/>
-                </a:schemeClr>
-              </a:solidFill>
-              <a:ln>
-                <a:solidFill>
-                  <a:schemeClr val="tx1"/>
-                </a:solidFill>
-              </a:ln>
-            </p:spPr>
-            <p:style>
-              <a:lnRef idx="2">
-                <a:schemeClr val="accent1">
-                  <a:shade val="50000"/>
-                </a:schemeClr>
-              </a:lnRef>
-              <a:fillRef idx="1">
-                <a:schemeClr val="accent1"/>
-              </a:fillRef>
-              <a:effectRef idx="0">
-                <a:schemeClr val="accent1"/>
-              </a:effectRef>
-              <a:fontRef idx="minor">
-                <a:schemeClr val="lt1"/>
-              </a:fontRef>
-            </p:style>
-            <p:txBody>
-              <a:bodyPr rtlCol="0" anchor="ctr"/>
-              <a:lstStyle/>
-              <a:p>
-                <a:pPr algn="ctr"/>
-                <a:endParaRPr lang="en-US" sz="1000"/>
-              </a:p>
-            </p:txBody>
-          </p:sp>
-          <p:sp>
-            <p:nvSpPr>
-              <p:cNvPr id="137" name="Rectangle 136">
-                <a:extLst>
-                  <a:ext uri="{FF2B5EF4-FFF2-40B4-BE49-F238E27FC236}">
-                    <a16:creationId xmlns:a16="http://schemas.microsoft.com/office/drawing/2014/main" id="{F0C3544D-6180-6443-BDB3-4DA4DBA2AB63}"/>
-                  </a:ext>
-                </a:extLst>
-              </p:cNvPr>
-              <p:cNvSpPr/>
-              <p:nvPr/>
-            </p:nvSpPr>
-            <p:spPr>
-              <a:xfrm>
-                <a:off x="1397000" y="412687"/>
-                <a:ext cx="18000" cy="45719"/>
-              </a:xfrm>
-              <a:prstGeom prst="rect">
-                <a:avLst/>
-              </a:prstGeom>
-              <a:solidFill>
-                <a:schemeClr val="tx1">
-                  <a:lumMod val="75000"/>
-                  <a:lumOff val="25000"/>
-                </a:schemeClr>
-              </a:solidFill>
-              <a:ln>
-                <a:solidFill>
-                  <a:schemeClr val="tx1"/>
-                </a:solidFill>
-              </a:ln>
-            </p:spPr>
-            <p:style>
-              <a:lnRef idx="2">
-                <a:schemeClr val="accent1">
-                  <a:shade val="50000"/>
-                </a:schemeClr>
-              </a:lnRef>
-              <a:fillRef idx="1">
-                <a:schemeClr val="accent1"/>
-              </a:fillRef>
-              <a:effectRef idx="0">
-                <a:schemeClr val="accent1"/>
-              </a:effectRef>
-              <a:fontRef idx="minor">
-                <a:schemeClr val="lt1"/>
-              </a:fontRef>
-            </p:style>
-            <p:txBody>
-              <a:bodyPr rtlCol="0" anchor="ctr"/>
-              <a:lstStyle/>
-              <a:p>
-                <a:pPr algn="ctr"/>
-                <a:endParaRPr lang="en-US" sz="1000"/>
-              </a:p>
-            </p:txBody>
-          </p:sp>
-        </p:grpSp>
-      </p:grpSp>
-      <p:grpSp>
-        <p:nvGrpSpPr>
-          <p:cNvPr id="138" name="Group 137">
-            <a:extLst>
-              <a:ext uri="{FF2B5EF4-FFF2-40B4-BE49-F238E27FC236}">
-                <a16:creationId xmlns:a16="http://schemas.microsoft.com/office/drawing/2014/main" id="{1E6B43DB-5087-7F4A-B916-AC7D4CDF18AC}"/>
-              </a:ext>
-            </a:extLst>
-          </p:cNvPr>
-          <p:cNvGrpSpPr/>
-          <p:nvPr/>
-        </p:nvGrpSpPr>
-        <p:grpSpPr>
-          <a:xfrm>
-            <a:off x="2286144" y="2116195"/>
-            <a:ext cx="108000" cy="108000"/>
-            <a:chOff x="493798" y="265415"/>
-            <a:chExt cx="736893" cy="730633"/>
-          </a:xfrm>
-        </p:grpSpPr>
-        <p:sp>
-          <p:nvSpPr>
-            <p:cNvPr id="139" name="Oval 138">
-              <a:extLst>
-                <a:ext uri="{FF2B5EF4-FFF2-40B4-BE49-F238E27FC236}">
-                  <a16:creationId xmlns:a16="http://schemas.microsoft.com/office/drawing/2014/main" id="{01504FF1-027B-B14A-9892-EA4979564468}"/>
-                </a:ext>
-              </a:extLst>
-            </p:cNvPr>
-            <p:cNvSpPr>
-              <a:spLocks noChangeAspect="1"/>
-            </p:cNvSpPr>
-            <p:nvPr/>
-          </p:nvSpPr>
-          <p:spPr>
-            <a:xfrm>
-              <a:off x="493798" y="265415"/>
-              <a:ext cx="736893" cy="730633"/>
-            </a:xfrm>
-            <a:prstGeom prst="ellipse">
-              <a:avLst/>
-            </a:prstGeom>
-            <a:solidFill>
-              <a:schemeClr val="accent6">
-                <a:lumMod val="60000"/>
-                <a:lumOff val="40000"/>
-              </a:schemeClr>
-            </a:solidFill>
-            <a:ln>
-              <a:noFill/>
-            </a:ln>
-          </p:spPr>
-          <p:style>
-            <a:lnRef idx="2">
-              <a:schemeClr val="accent1">
-                <a:shade val="50000"/>
-              </a:schemeClr>
-            </a:lnRef>
-            <a:fillRef idx="1">
-              <a:schemeClr val="accent1"/>
-            </a:fillRef>
-            <a:effectRef idx="0">
-              <a:schemeClr val="accent1"/>
-            </a:effectRef>
-            <a:fontRef idx="minor">
-              <a:schemeClr val="lt1"/>
-            </a:fontRef>
-          </p:style>
-          <p:txBody>
-            <a:bodyPr rtlCol="0" anchor="ctr"/>
-            <a:lstStyle/>
-            <a:p>
-              <a:pPr algn="ctr"/>
-              <a:endParaRPr lang="en-US" sz="1000"/>
-            </a:p>
-          </p:txBody>
-        </p:sp>
-        <p:pic>
-          <p:nvPicPr>
-            <p:cNvPr id="140" name="Picture 139">
-              <a:extLst>
-                <a:ext uri="{FF2B5EF4-FFF2-40B4-BE49-F238E27FC236}">
-                  <a16:creationId xmlns:a16="http://schemas.microsoft.com/office/drawing/2014/main" id="{51B305AA-4F73-194D-8589-0203B2B25871}"/>
-                </a:ext>
-              </a:extLst>
-            </p:cNvPr>
-            <p:cNvPicPr>
-              <a:picLocks noChangeAspect="1"/>
-            </p:cNvPicPr>
-            <p:nvPr/>
-          </p:nvPicPr>
-          <p:blipFill rotWithShape="1">
-            <a:blip r:embed="rId12"/>
-            <a:srcRect/>
-            <a:stretch/>
-          </p:blipFill>
-          <p:spPr>
-            <a:xfrm>
-              <a:off x="611960" y="329073"/>
-              <a:ext cx="463260" cy="626257"/>
-            </a:xfrm>
-            <a:prstGeom prst="roundRect">
-              <a:avLst>
-                <a:gd name="adj" fmla="val 24982"/>
-              </a:avLst>
-            </a:prstGeom>
-          </p:spPr>
-        </p:pic>
-      </p:grpSp>
-      <p:sp>
-        <p:nvSpPr>
-          <p:cNvPr id="141" name="TextBox 140">
-            <a:extLst>
-              <a:ext uri="{FF2B5EF4-FFF2-40B4-BE49-F238E27FC236}">
-                <a16:creationId xmlns:a16="http://schemas.microsoft.com/office/drawing/2014/main" id="{A38C7371-FF0A-F443-8EC3-50247169722E}"/>
-              </a:ext>
-            </a:extLst>
-          </p:cNvPr>
-          <p:cNvSpPr txBox="1"/>
-          <p:nvPr/>
-        </p:nvSpPr>
-        <p:spPr>
-          <a:xfrm>
-            <a:off x="2338525" y="1933738"/>
-            <a:ext cx="143153" cy="215444"/>
-          </a:xfrm>
-          <a:prstGeom prst="rect">
-            <a:avLst/>
-          </a:prstGeom>
-          <a:noFill/>
-        </p:spPr>
-        <p:txBody>
-          <a:bodyPr wrap="square" rtlCol="0">
-            <a:spAutoFit/>
-          </a:bodyPr>
-          <a:lstStyle/>
-          <a:p>
-            <a:r>
-              <a:rPr lang="en-US" sz="800" b="1" dirty="0"/>
-              <a:t>+</a:t>
-            </a:r>
-          </a:p>
-        </p:txBody>
-      </p:sp>
-      <p:sp>
-        <p:nvSpPr>
-          <p:cNvPr id="142" name="TextBox 141">
-            <a:extLst>
-              <a:ext uri="{FF2B5EF4-FFF2-40B4-BE49-F238E27FC236}">
-                <a16:creationId xmlns:a16="http://schemas.microsoft.com/office/drawing/2014/main" id="{9B38C93D-A50B-634E-938D-84526657A0D9}"/>
-              </a:ext>
-            </a:extLst>
-          </p:cNvPr>
-          <p:cNvSpPr txBox="1"/>
-          <p:nvPr/>
-        </p:nvSpPr>
-        <p:spPr>
-          <a:xfrm>
-            <a:off x="1946125" y="1933738"/>
-            <a:ext cx="143153" cy="215444"/>
-          </a:xfrm>
-          <a:prstGeom prst="rect">
-            <a:avLst/>
-          </a:prstGeom>
-          <a:noFill/>
-        </p:spPr>
-        <p:txBody>
-          <a:bodyPr wrap="square" rtlCol="0">
-            <a:spAutoFit/>
-          </a:bodyPr>
-          <a:lstStyle/>
-          <a:p>
-            <a:r>
-              <a:rPr lang="en-US" sz="800" b="1" dirty="0"/>
-              <a:t>+</a:t>
-            </a:r>
-          </a:p>
-        </p:txBody>
-      </p:sp>
-      <p:sp>
-        <p:nvSpPr>
-          <p:cNvPr id="143" name="TextBox 142">
-            <a:extLst>
-              <a:ext uri="{FF2B5EF4-FFF2-40B4-BE49-F238E27FC236}">
-                <a16:creationId xmlns:a16="http://schemas.microsoft.com/office/drawing/2014/main" id="{9FFFE43D-807F-4640-B36A-1F4B650A3BD1}"/>
-              </a:ext>
-            </a:extLst>
-          </p:cNvPr>
-          <p:cNvSpPr txBox="1"/>
-          <p:nvPr/>
-        </p:nvSpPr>
-        <p:spPr>
-          <a:xfrm>
-            <a:off x="1946125" y="2040484"/>
-            <a:ext cx="143153" cy="215444"/>
-          </a:xfrm>
-          <a:prstGeom prst="rect">
-            <a:avLst/>
-          </a:prstGeom>
-          <a:noFill/>
-        </p:spPr>
-        <p:txBody>
-          <a:bodyPr wrap="square" rtlCol="0">
-            <a:spAutoFit/>
-          </a:bodyPr>
-          <a:lstStyle/>
-          <a:p>
-            <a:r>
-              <a:rPr lang="en-US" sz="800" b="1" dirty="0"/>
-              <a:t>+</a:t>
-            </a:r>
-          </a:p>
-        </p:txBody>
-      </p:sp>
-      <p:sp>
-        <p:nvSpPr>
-          <p:cNvPr id="144" name="TextBox 143">
-            <a:extLst>
-              <a:ext uri="{FF2B5EF4-FFF2-40B4-BE49-F238E27FC236}">
-                <a16:creationId xmlns:a16="http://schemas.microsoft.com/office/drawing/2014/main" id="{883B7183-05E8-FF40-BA86-78B3DE53A445}"/>
-              </a:ext>
-            </a:extLst>
-          </p:cNvPr>
-          <p:cNvSpPr txBox="1"/>
-          <p:nvPr/>
-        </p:nvSpPr>
-        <p:spPr>
-          <a:xfrm>
-            <a:off x="2344875" y="2041738"/>
-            <a:ext cx="143153" cy="215444"/>
-          </a:xfrm>
-          <a:prstGeom prst="rect">
-            <a:avLst/>
-          </a:prstGeom>
-          <a:noFill/>
-        </p:spPr>
-        <p:txBody>
-          <a:bodyPr wrap="square" rtlCol="0">
-            <a:spAutoFit/>
-          </a:bodyPr>
-          <a:lstStyle/>
-          <a:p>
-            <a:r>
-              <a:rPr lang="en-US" sz="800" b="1" dirty="0"/>
-              <a:t>-</a:t>
-            </a:r>
-          </a:p>
-        </p:txBody>
-      </p:sp>
-      <p:sp>
-        <p:nvSpPr>
-          <p:cNvPr id="145" name="TextBox 144">
-            <a:extLst>
-              <a:ext uri="{FF2B5EF4-FFF2-40B4-BE49-F238E27FC236}">
-                <a16:creationId xmlns:a16="http://schemas.microsoft.com/office/drawing/2014/main" id="{A5CF6B43-DA54-6D45-A557-E527AE2A57E4}"/>
-              </a:ext>
-            </a:extLst>
-          </p:cNvPr>
-          <p:cNvSpPr txBox="1"/>
-          <p:nvPr/>
-        </p:nvSpPr>
-        <p:spPr>
-          <a:xfrm>
-            <a:off x="489070" y="2729338"/>
-            <a:ext cx="143153" cy="215444"/>
-          </a:xfrm>
-          <a:prstGeom prst="rect">
-            <a:avLst/>
-          </a:prstGeom>
-          <a:noFill/>
-        </p:spPr>
-        <p:txBody>
-          <a:bodyPr wrap="square" rtlCol="0">
-            <a:spAutoFit/>
-          </a:bodyPr>
-          <a:lstStyle/>
-          <a:p>
-            <a:r>
-              <a:rPr lang="en-US" sz="800" b="1" dirty="0"/>
-              <a:t>+</a:t>
-            </a:r>
-          </a:p>
-        </p:txBody>
-      </p:sp>
-      <p:sp>
-        <p:nvSpPr>
-          <p:cNvPr id="146" name="TextBox 145">
-            <a:extLst>
-              <a:ext uri="{FF2B5EF4-FFF2-40B4-BE49-F238E27FC236}">
-                <a16:creationId xmlns:a16="http://schemas.microsoft.com/office/drawing/2014/main" id="{07FDB0E8-005A-9046-A22E-096DB7B0492A}"/>
-              </a:ext>
-            </a:extLst>
-          </p:cNvPr>
-          <p:cNvSpPr txBox="1"/>
-          <p:nvPr/>
-        </p:nvSpPr>
-        <p:spPr>
-          <a:xfrm>
-            <a:off x="892607" y="2729338"/>
-            <a:ext cx="143153" cy="215444"/>
-          </a:xfrm>
-          <a:prstGeom prst="rect">
-            <a:avLst/>
-          </a:prstGeom>
-          <a:noFill/>
-        </p:spPr>
-        <p:txBody>
-          <a:bodyPr wrap="square" rtlCol="0">
-            <a:spAutoFit/>
-          </a:bodyPr>
-          <a:lstStyle/>
-          <a:p>
-            <a:r>
-              <a:rPr lang="en-US" sz="800" b="1" dirty="0"/>
-              <a:t>+</a:t>
-            </a:r>
-          </a:p>
-        </p:txBody>
-      </p:sp>
-      <p:sp>
-        <p:nvSpPr>
-          <p:cNvPr id="147" name="TextBox 146">
-            <a:extLst>
-              <a:ext uri="{FF2B5EF4-FFF2-40B4-BE49-F238E27FC236}">
-                <a16:creationId xmlns:a16="http://schemas.microsoft.com/office/drawing/2014/main" id="{9450E7F6-C34F-4E4C-A605-9A8E9F73B550}"/>
-              </a:ext>
-            </a:extLst>
-          </p:cNvPr>
-          <p:cNvSpPr txBox="1"/>
-          <p:nvPr/>
-        </p:nvSpPr>
-        <p:spPr>
-          <a:xfrm>
-            <a:off x="1284053" y="2729338"/>
-            <a:ext cx="143153" cy="215444"/>
-          </a:xfrm>
-          <a:prstGeom prst="rect">
-            <a:avLst/>
-          </a:prstGeom>
-          <a:noFill/>
-        </p:spPr>
-        <p:txBody>
-          <a:bodyPr wrap="square" rtlCol="0">
-            <a:spAutoFit/>
-          </a:bodyPr>
-          <a:lstStyle/>
-          <a:p>
-            <a:r>
-              <a:rPr lang="en-US" sz="800" b="1" dirty="0"/>
-              <a:t>+</a:t>
-            </a:r>
-          </a:p>
-        </p:txBody>
-      </p:sp>
-      <p:sp>
-        <p:nvSpPr>
-          <p:cNvPr id="148" name="TextBox 147">
-            <a:extLst>
-              <a:ext uri="{FF2B5EF4-FFF2-40B4-BE49-F238E27FC236}">
-                <a16:creationId xmlns:a16="http://schemas.microsoft.com/office/drawing/2014/main" id="{346F47FA-DD4E-2246-A98A-747A58F60398}"/>
-              </a:ext>
-            </a:extLst>
-          </p:cNvPr>
-          <p:cNvSpPr txBox="1"/>
-          <p:nvPr/>
-        </p:nvSpPr>
-        <p:spPr>
-          <a:xfrm>
-            <a:off x="2236087" y="2729338"/>
-            <a:ext cx="143153" cy="215444"/>
-          </a:xfrm>
-          <a:prstGeom prst="rect">
-            <a:avLst/>
-          </a:prstGeom>
-          <a:noFill/>
-        </p:spPr>
-        <p:txBody>
-          <a:bodyPr wrap="square" rtlCol="0">
-            <a:spAutoFit/>
-          </a:bodyPr>
-          <a:lstStyle/>
-          <a:p>
-            <a:r>
-              <a:rPr lang="en-US" sz="800" b="1" dirty="0"/>
-              <a:t>+</a:t>
-            </a:r>
-          </a:p>
-        </p:txBody>
-      </p:sp>
-      <p:sp>
-        <p:nvSpPr>
-          <p:cNvPr id="149" name="TextBox 148">
-            <a:extLst>
-              <a:ext uri="{FF2B5EF4-FFF2-40B4-BE49-F238E27FC236}">
-                <a16:creationId xmlns:a16="http://schemas.microsoft.com/office/drawing/2014/main" id="{579D3299-E404-D143-97B7-B3F4896ED0F3}"/>
-              </a:ext>
-            </a:extLst>
-          </p:cNvPr>
-          <p:cNvSpPr txBox="1"/>
-          <p:nvPr/>
-        </p:nvSpPr>
-        <p:spPr>
-          <a:xfrm>
-            <a:off x="487325" y="2088538"/>
-            <a:ext cx="143153" cy="215444"/>
-          </a:xfrm>
-          <a:prstGeom prst="rect">
-            <a:avLst/>
-          </a:prstGeom>
-          <a:noFill/>
-        </p:spPr>
-        <p:txBody>
-          <a:bodyPr wrap="square" rtlCol="0">
-            <a:spAutoFit/>
-          </a:bodyPr>
-          <a:lstStyle/>
-          <a:p>
-            <a:r>
-              <a:rPr lang="en-US" sz="800" b="1" dirty="0"/>
-              <a:t>+</a:t>
-            </a:r>
-          </a:p>
-        </p:txBody>
-      </p:sp>
-      <p:sp>
-        <p:nvSpPr>
-          <p:cNvPr id="150" name="TextBox 149">
-            <a:extLst>
-              <a:ext uri="{FF2B5EF4-FFF2-40B4-BE49-F238E27FC236}">
-                <a16:creationId xmlns:a16="http://schemas.microsoft.com/office/drawing/2014/main" id="{873D5D0D-E902-E341-8C6D-6FBAA6DFAE95}"/>
-              </a:ext>
-            </a:extLst>
-          </p:cNvPr>
-          <p:cNvSpPr txBox="1"/>
-          <p:nvPr/>
-        </p:nvSpPr>
-        <p:spPr>
-          <a:xfrm>
-            <a:off x="894125" y="2088538"/>
-            <a:ext cx="143153" cy="215444"/>
-          </a:xfrm>
-          <a:prstGeom prst="rect">
-            <a:avLst/>
-          </a:prstGeom>
-          <a:noFill/>
-        </p:spPr>
-        <p:txBody>
-          <a:bodyPr wrap="square" rtlCol="0">
-            <a:spAutoFit/>
-          </a:bodyPr>
-          <a:lstStyle/>
-          <a:p>
-            <a:r>
-              <a:rPr lang="en-US" sz="800" b="1" dirty="0"/>
-              <a:t>+</a:t>
-            </a:r>
-          </a:p>
-        </p:txBody>
-      </p:sp>
-      <p:sp>
-        <p:nvSpPr>
-          <p:cNvPr id="151" name="TextBox 150">
-            <a:extLst>
-              <a:ext uri="{FF2B5EF4-FFF2-40B4-BE49-F238E27FC236}">
-                <a16:creationId xmlns:a16="http://schemas.microsoft.com/office/drawing/2014/main" id="{9444DC98-2F5F-3D4D-8E75-C03ABD151EFC}"/>
-              </a:ext>
-            </a:extLst>
-          </p:cNvPr>
-          <p:cNvSpPr txBox="1"/>
-          <p:nvPr/>
-        </p:nvSpPr>
-        <p:spPr>
-          <a:xfrm>
-            <a:off x="1282737" y="2088538"/>
-            <a:ext cx="143153" cy="215444"/>
-          </a:xfrm>
-          <a:prstGeom prst="rect">
-            <a:avLst/>
-          </a:prstGeom>
-          <a:noFill/>
-        </p:spPr>
-        <p:txBody>
-          <a:bodyPr wrap="square" rtlCol="0">
-            <a:spAutoFit/>
-          </a:bodyPr>
-          <a:lstStyle/>
-          <a:p>
-            <a:r>
-              <a:rPr lang="en-US" sz="800" b="1" dirty="0"/>
-              <a:t>+</a:t>
-            </a:r>
-          </a:p>
-        </p:txBody>
-      </p:sp>
-      <p:sp>
-        <p:nvSpPr>
-          <p:cNvPr id="152" name="TextBox 151">
-            <a:extLst>
-              <a:ext uri="{FF2B5EF4-FFF2-40B4-BE49-F238E27FC236}">
-                <a16:creationId xmlns:a16="http://schemas.microsoft.com/office/drawing/2014/main" id="{86B799A0-17D9-684B-80C1-E6BFC5B2F5A4}"/>
-              </a:ext>
-            </a:extLst>
-          </p:cNvPr>
-          <p:cNvSpPr txBox="1"/>
-          <p:nvPr/>
-        </p:nvSpPr>
-        <p:spPr>
-          <a:xfrm>
-            <a:off x="461532" y="937905"/>
-            <a:ext cx="143153" cy="215444"/>
-          </a:xfrm>
-          <a:prstGeom prst="rect">
-            <a:avLst/>
-          </a:prstGeom>
-          <a:noFill/>
-        </p:spPr>
-        <p:txBody>
-          <a:bodyPr wrap="square" rtlCol="0">
-            <a:spAutoFit/>
-          </a:bodyPr>
-          <a:lstStyle/>
-          <a:p>
-            <a:r>
-              <a:rPr lang="en-US" sz="800" b="1" dirty="0"/>
-              <a:t>-</a:t>
-            </a:r>
-          </a:p>
-        </p:txBody>
-      </p:sp>
-      <p:sp>
-        <p:nvSpPr>
-          <p:cNvPr id="153" name="TextBox 152">
-            <a:extLst>
-              <a:ext uri="{FF2B5EF4-FFF2-40B4-BE49-F238E27FC236}">
-                <a16:creationId xmlns:a16="http://schemas.microsoft.com/office/drawing/2014/main" id="{30220B47-11FD-B04D-A472-5CF0CA7B7686}"/>
-              </a:ext>
-            </a:extLst>
-          </p:cNvPr>
-          <p:cNvSpPr txBox="1"/>
-          <p:nvPr/>
-        </p:nvSpPr>
-        <p:spPr>
-          <a:xfrm>
-            <a:off x="1146231" y="936538"/>
-            <a:ext cx="143153" cy="215444"/>
-          </a:xfrm>
-          <a:prstGeom prst="rect">
-            <a:avLst/>
-          </a:prstGeom>
-          <a:noFill/>
-        </p:spPr>
-        <p:txBody>
-          <a:bodyPr wrap="square" rtlCol="0">
-            <a:spAutoFit/>
-          </a:bodyPr>
-          <a:lstStyle/>
-          <a:p>
-            <a:r>
-              <a:rPr lang="en-US" sz="800" b="1" dirty="0"/>
-              <a:t>+</a:t>
-            </a:r>
-          </a:p>
-        </p:txBody>
-      </p:sp>
-      <p:sp>
-        <p:nvSpPr>
-          <p:cNvPr id="154" name="TextBox 153">
-            <a:extLst>
-              <a:ext uri="{FF2B5EF4-FFF2-40B4-BE49-F238E27FC236}">
-                <a16:creationId xmlns:a16="http://schemas.microsoft.com/office/drawing/2014/main" id="{85449F3F-7ED2-1040-9D2B-4E24D637BB03}"/>
-              </a:ext>
-            </a:extLst>
-          </p:cNvPr>
-          <p:cNvSpPr txBox="1"/>
-          <p:nvPr/>
-        </p:nvSpPr>
-        <p:spPr>
-          <a:xfrm>
-            <a:off x="-68096" y="3525003"/>
-            <a:ext cx="364886" cy="215444"/>
-          </a:xfrm>
-          <a:prstGeom prst="rect">
-            <a:avLst/>
-          </a:prstGeom>
-          <a:noFill/>
-        </p:spPr>
-        <p:txBody>
-          <a:bodyPr wrap="square" rtlCol="0">
-            <a:spAutoFit/>
-          </a:bodyPr>
-          <a:lstStyle/>
-          <a:p>
-            <a:r>
-              <a:rPr lang="en-US" sz="800" b="1" dirty="0"/>
-              <a:t>+/-</a:t>
-            </a:r>
-          </a:p>
-        </p:txBody>
-      </p:sp>
-      <p:sp>
-        <p:nvSpPr>
-          <p:cNvPr id="155" name="TextBox 154">
-            <a:extLst>
-              <a:ext uri="{FF2B5EF4-FFF2-40B4-BE49-F238E27FC236}">
-                <a16:creationId xmlns:a16="http://schemas.microsoft.com/office/drawing/2014/main" id="{149CE011-5DF1-C247-B375-6F5F9DA9D0DB}"/>
-              </a:ext>
-            </a:extLst>
-          </p:cNvPr>
-          <p:cNvSpPr txBox="1"/>
-          <p:nvPr/>
-        </p:nvSpPr>
-        <p:spPr>
-          <a:xfrm>
-            <a:off x="118053" y="3287709"/>
-            <a:ext cx="814040" cy="184666"/>
-          </a:xfrm>
-          <a:prstGeom prst="rect">
-            <a:avLst/>
-          </a:prstGeom>
-          <a:noFill/>
-        </p:spPr>
-        <p:txBody>
-          <a:bodyPr wrap="square" rtlCol="0">
-            <a:spAutoFit/>
-          </a:bodyPr>
-          <a:lstStyle/>
-          <a:p>
-            <a:r>
-              <a:rPr lang="en-US" sz="600" dirty="0">
-                <a:latin typeface="Arial" panose="020B0604020202020204" pitchFamily="34" charset="0"/>
-                <a:cs typeface="Arial" panose="020B0604020202020204" pitchFamily="34" charset="0"/>
-              </a:rPr>
-              <a:t>: significant effect</a:t>
-            </a:r>
-          </a:p>
-        </p:txBody>
-      </p:sp>
-      <p:sp>
-        <p:nvSpPr>
-          <p:cNvPr id="156" name="TextBox 155">
-            <a:extLst>
-              <a:ext uri="{FF2B5EF4-FFF2-40B4-BE49-F238E27FC236}">
-                <a16:creationId xmlns:a16="http://schemas.microsoft.com/office/drawing/2014/main" id="{CB483245-88E3-6541-B938-28195B3EDDE7}"/>
-              </a:ext>
-            </a:extLst>
-          </p:cNvPr>
-          <p:cNvSpPr txBox="1"/>
-          <p:nvPr/>
-        </p:nvSpPr>
-        <p:spPr>
-          <a:xfrm>
-            <a:off x="118053" y="3406749"/>
-            <a:ext cx="1216868" cy="184666"/>
-          </a:xfrm>
-          <a:prstGeom prst="rect">
-            <a:avLst/>
-          </a:prstGeom>
-          <a:noFill/>
-        </p:spPr>
-        <p:txBody>
-          <a:bodyPr wrap="square" rtlCol="0">
-            <a:spAutoFit/>
-          </a:bodyPr>
-          <a:lstStyle/>
-          <a:p>
-            <a:r>
-              <a:rPr lang="en-US" sz="600" dirty="0">
-                <a:latin typeface="Arial" panose="020B0604020202020204" pitchFamily="34" charset="0"/>
-                <a:cs typeface="Arial" panose="020B0604020202020204" pitchFamily="34" charset="0"/>
-              </a:rPr>
-              <a:t>: marginally significant effect</a:t>
-            </a:r>
-          </a:p>
-        </p:txBody>
-      </p:sp>
-      <p:sp>
-        <p:nvSpPr>
-          <p:cNvPr id="157" name="TextBox 156">
-            <a:extLst>
-              <a:ext uri="{FF2B5EF4-FFF2-40B4-BE49-F238E27FC236}">
-                <a16:creationId xmlns:a16="http://schemas.microsoft.com/office/drawing/2014/main" id="{F6BCF2AE-6A97-4141-A35E-729F963E62D1}"/>
-              </a:ext>
-            </a:extLst>
-          </p:cNvPr>
-          <p:cNvSpPr txBox="1"/>
-          <p:nvPr/>
-        </p:nvSpPr>
-        <p:spPr>
-          <a:xfrm>
-            <a:off x="118618" y="3531186"/>
-            <a:ext cx="1064469" cy="184666"/>
-          </a:xfrm>
-          <a:prstGeom prst="rect">
-            <a:avLst/>
-          </a:prstGeom>
-          <a:noFill/>
-        </p:spPr>
-        <p:txBody>
-          <a:bodyPr wrap="square" rtlCol="0">
-            <a:spAutoFit/>
-          </a:bodyPr>
-          <a:lstStyle/>
-          <a:p>
-            <a:r>
-              <a:rPr lang="en-US" sz="600" dirty="0">
-                <a:latin typeface="Arial" panose="020B0604020202020204" pitchFamily="34" charset="0"/>
-                <a:cs typeface="Arial" panose="020B0604020202020204" pitchFamily="34" charset="0"/>
-              </a:rPr>
-              <a:t>: direction of the effect</a:t>
-            </a:r>
-          </a:p>
-        </p:txBody>
-      </p:sp>
-      <p:sp>
-        <p:nvSpPr>
-          <p:cNvPr id="158" name="TextBox 157">
-            <a:extLst>
-              <a:ext uri="{FF2B5EF4-FFF2-40B4-BE49-F238E27FC236}">
-                <a16:creationId xmlns:a16="http://schemas.microsoft.com/office/drawing/2014/main" id="{0E884052-9B5A-F243-A172-0D6E1A503E40}"/>
-              </a:ext>
-            </a:extLst>
-          </p:cNvPr>
-          <p:cNvSpPr txBox="1"/>
-          <p:nvPr/>
-        </p:nvSpPr>
-        <p:spPr>
-          <a:xfrm>
-            <a:off x="2414565" y="993016"/>
-            <a:ext cx="824711" cy="276999"/>
-          </a:xfrm>
-          <a:prstGeom prst="rect">
-            <a:avLst/>
-          </a:prstGeom>
-          <a:noFill/>
-        </p:spPr>
-        <p:txBody>
-          <a:bodyPr wrap="square" rtlCol="0">
-            <a:spAutoFit/>
-          </a:bodyPr>
-          <a:lstStyle/>
-          <a:p>
-            <a:pPr algn="ctr"/>
-            <a:r>
-              <a:rPr lang="en-US" sz="600" b="1" i="1" dirty="0">
-                <a:latin typeface="Arial" panose="020B0604020202020204" pitchFamily="34" charset="0"/>
-                <a:cs typeface="Arial" panose="020B0604020202020204" pitchFamily="34" charset="0"/>
-              </a:rPr>
-              <a:t>POPULATION GENETICS</a:t>
-            </a:r>
-          </a:p>
-        </p:txBody>
-      </p:sp>
-      <p:cxnSp>
-        <p:nvCxnSpPr>
-          <p:cNvPr id="159" name="Straight Arrow Connector 158">
-            <a:extLst>
-              <a:ext uri="{FF2B5EF4-FFF2-40B4-BE49-F238E27FC236}">
-                <a16:creationId xmlns:a16="http://schemas.microsoft.com/office/drawing/2014/main" id="{CC3E8E59-0E9D-8946-A83B-C02B43FD133F}"/>
-              </a:ext>
-            </a:extLst>
-          </p:cNvPr>
-          <p:cNvCxnSpPr>
-            <a:cxnSpLocks/>
-          </p:cNvCxnSpPr>
-          <p:nvPr/>
-        </p:nvCxnSpPr>
-        <p:spPr>
-          <a:xfrm>
-            <a:off x="1877300" y="572087"/>
-            <a:ext cx="381600" cy="0"/>
-          </a:xfrm>
-          <a:prstGeom prst="straightConnector1">
-            <a:avLst/>
-          </a:prstGeom>
-          <a:ln w="19050" cap="rnd">
-            <a:solidFill>
-              <a:schemeClr val="tx1"/>
-            </a:solidFill>
-            <a:prstDash val="sysDot"/>
-            <a:headEnd type="none"/>
-            <a:tailEnd type="none" w="sm" len="sm"/>
-          </a:ln>
-        </p:spPr>
-        <p:style>
-          <a:lnRef idx="1">
-            <a:schemeClr val="accent1"/>
-          </a:lnRef>
-          <a:fillRef idx="0">
-            <a:schemeClr val="accent1"/>
-          </a:fillRef>
-          <a:effectRef idx="0">
-            <a:schemeClr val="accent1"/>
-          </a:effectRef>
-          <a:fontRef idx="minor">
-            <a:schemeClr val="tx1"/>
-          </a:fontRef>
-        </p:style>
-      </p:cxnSp>
-    </p:spTree>
-    <p:extLst>
-      <p:ext uri="{BB962C8B-B14F-4D97-AF65-F5344CB8AC3E}">
-        <p14:creationId xmlns:p14="http://schemas.microsoft.com/office/powerpoint/2010/main" val="1133626919"/>
-      </p:ext>
-    </p:extLst>
-  </p:cSld>
-  <p:clrMapOvr>
-    <a:masterClrMapping/>
-  </p:clrMapOvr>
-</p:sld>
-</file>
-
-<file path=ppt/slides/slide2.xml><?xml version="1.0" encoding="utf-8"?>
 <p:sld xmlns:a="http://schemas.openxmlformats.org/drawingml/2006/main" xmlns:r="http://schemas.openxmlformats.org/officeDocument/2006/relationships" xmlns:p="http://schemas.openxmlformats.org/presentationml/2006/main">
   <p:cSld>
     <p:spTree>
